--- a/Modelica_PowerPoint.pptx
+++ b/Modelica_PowerPoint.pptx
@@ -8,8 +8,8 @@
     <p:notesMasterId r:id="rId4"/>
   </p:notesMasterIdLst>
   <p:sldIdLst>
-    <p:sldId id="264" r:id="rId2"/>
-    <p:sldId id="265" r:id="rId3"/>
+    <p:sldId id="266" r:id="rId2"/>
+    <p:sldId id="267" r:id="rId3"/>
   </p:sldIdLst>
   <p:sldSz cx="12192000" cy="6858000"/>
   <p:notesSz cx="6858000" cy="9144000"/>
@@ -198,7 +198,7 @@
           <a:p>
             <a:fld id="{AC262210-E975-424F-9C4F-FC859D81FDDA}" type="datetimeFigureOut">
               <a:rPr lang="de-DE" smtClean="0"/>
-              <a:t>10.12.19</a:t>
+              <a:t>10.12.2019</a:t>
             </a:fld>
             <a:endParaRPr lang="de-DE"/>
           </a:p>
@@ -539,7 +539,7 @@
     </p:spTree>
     <p:extLst>
       <p:ext uri="{BB962C8B-B14F-4D97-AF65-F5344CB8AC3E}">
-        <p14:creationId xmlns:p14="http://schemas.microsoft.com/office/powerpoint/2010/main" val="977845153"/>
+        <p14:creationId xmlns:p14="http://schemas.microsoft.com/office/powerpoint/2010/main" val="1498071566"/>
       </p:ext>
     </p:extLst>
   </p:cSld>
@@ -623,7 +623,7 @@
     </p:spTree>
     <p:extLst>
       <p:ext uri="{BB962C8B-B14F-4D97-AF65-F5344CB8AC3E}">
-        <p14:creationId xmlns:p14="http://schemas.microsoft.com/office/powerpoint/2010/main" val="669137549"/>
+        <p14:creationId xmlns:p14="http://schemas.microsoft.com/office/powerpoint/2010/main" val="1672741074"/>
       </p:ext>
     </p:extLst>
   </p:cSld>
@@ -780,7 +780,7 @@
           <a:p>
             <a:fld id="{49B81064-BBD9-1E4C-BCC1-379E6EE606E7}" type="datetimeFigureOut">
               <a:rPr lang="de-DE" smtClean="0"/>
-              <a:t>10.12.19</a:t>
+              <a:t>10.12.2019</a:t>
             </a:fld>
             <a:endParaRPr lang="de-DE"/>
           </a:p>
@@ -978,7 +978,7 @@
           <a:p>
             <a:fld id="{49B81064-BBD9-1E4C-BCC1-379E6EE606E7}" type="datetimeFigureOut">
               <a:rPr lang="de-DE" smtClean="0"/>
-              <a:t>10.12.19</a:t>
+              <a:t>10.12.2019</a:t>
             </a:fld>
             <a:endParaRPr lang="de-DE"/>
           </a:p>
@@ -1186,7 +1186,7 @@
           <a:p>
             <a:fld id="{49B81064-BBD9-1E4C-BCC1-379E6EE606E7}" type="datetimeFigureOut">
               <a:rPr lang="de-DE" smtClean="0"/>
-              <a:t>10.12.19</a:t>
+              <a:t>10.12.2019</a:t>
             </a:fld>
             <a:endParaRPr lang="de-DE"/>
           </a:p>
@@ -1384,7 +1384,7 @@
           <a:p>
             <a:fld id="{49B81064-BBD9-1E4C-BCC1-379E6EE606E7}" type="datetimeFigureOut">
               <a:rPr lang="de-DE" smtClean="0"/>
-              <a:t>10.12.19</a:t>
+              <a:t>10.12.2019</a:t>
             </a:fld>
             <a:endParaRPr lang="de-DE"/>
           </a:p>
@@ -1659,7 +1659,7 @@
           <a:p>
             <a:fld id="{49B81064-BBD9-1E4C-BCC1-379E6EE606E7}" type="datetimeFigureOut">
               <a:rPr lang="de-DE" smtClean="0"/>
-              <a:t>10.12.19</a:t>
+              <a:t>10.12.2019</a:t>
             </a:fld>
             <a:endParaRPr lang="de-DE"/>
           </a:p>
@@ -1924,7 +1924,7 @@
           <a:p>
             <a:fld id="{49B81064-BBD9-1E4C-BCC1-379E6EE606E7}" type="datetimeFigureOut">
               <a:rPr lang="de-DE" smtClean="0"/>
-              <a:t>10.12.19</a:t>
+              <a:t>10.12.2019</a:t>
             </a:fld>
             <a:endParaRPr lang="de-DE"/>
           </a:p>
@@ -2336,7 +2336,7 @@
           <a:p>
             <a:fld id="{49B81064-BBD9-1E4C-BCC1-379E6EE606E7}" type="datetimeFigureOut">
               <a:rPr lang="de-DE" smtClean="0"/>
-              <a:t>10.12.19</a:t>
+              <a:t>10.12.2019</a:t>
             </a:fld>
             <a:endParaRPr lang="de-DE"/>
           </a:p>
@@ -2477,7 +2477,7 @@
           <a:p>
             <a:fld id="{49B81064-BBD9-1E4C-BCC1-379E6EE606E7}" type="datetimeFigureOut">
               <a:rPr lang="de-DE" smtClean="0"/>
-              <a:t>10.12.19</a:t>
+              <a:t>10.12.2019</a:t>
             </a:fld>
             <a:endParaRPr lang="de-DE"/>
           </a:p>
@@ -2590,7 +2590,7 @@
           <a:p>
             <a:fld id="{49B81064-BBD9-1E4C-BCC1-379E6EE606E7}" type="datetimeFigureOut">
               <a:rPr lang="de-DE" smtClean="0"/>
-              <a:t>10.12.19</a:t>
+              <a:t>10.12.2019</a:t>
             </a:fld>
             <a:endParaRPr lang="de-DE"/>
           </a:p>
@@ -2901,7 +2901,7 @@
           <a:p>
             <a:fld id="{49B81064-BBD9-1E4C-BCC1-379E6EE606E7}" type="datetimeFigureOut">
               <a:rPr lang="de-DE" smtClean="0"/>
-              <a:t>10.12.19</a:t>
+              <a:t>10.12.2019</a:t>
             </a:fld>
             <a:endParaRPr lang="de-DE"/>
           </a:p>
@@ -3189,7 +3189,7 @@
           <a:p>
             <a:fld id="{49B81064-BBD9-1E4C-BCC1-379E6EE606E7}" type="datetimeFigureOut">
               <a:rPr lang="de-DE" smtClean="0"/>
-              <a:t>10.12.19</a:t>
+              <a:t>10.12.2019</a:t>
             </a:fld>
             <a:endParaRPr lang="de-DE"/>
           </a:p>
@@ -3430,7 +3430,7 @@
           <a:p>
             <a:fld id="{49B81064-BBD9-1E4C-BCC1-379E6EE606E7}" type="datetimeFigureOut">
               <a:rPr lang="de-DE" smtClean="0"/>
-              <a:t>10.12.19</a:t>
+              <a:t>10.12.2019</a:t>
             </a:fld>
             <a:endParaRPr lang="de-DE"/>
           </a:p>
@@ -3849,6 +3849,124 @@
       </p:grpSpPr>
       <p:sp>
         <p:nvSpPr>
+          <p:cNvPr id="19" name="Rechteck 18">
+            <a:extLst>
+              <a:ext uri="{FF2B5EF4-FFF2-40B4-BE49-F238E27FC236}">
+                <a16:creationId xmlns:a16="http://schemas.microsoft.com/office/drawing/2014/main" id="{C60CF995-5F55-47C4-9021-BC21C1B2D68B}"/>
+              </a:ext>
+            </a:extLst>
+          </p:cNvPr>
+          <p:cNvSpPr/>
+          <p:nvPr/>
+        </p:nvSpPr>
+        <p:spPr>
+          <a:xfrm>
+            <a:off x="8665906" y="3890212"/>
+            <a:ext cx="3205806" cy="1808059"/>
+          </a:xfrm>
+          <a:prstGeom prst="rect">
+            <a:avLst/>
+          </a:prstGeom>
+          <a:solidFill>
+            <a:srgbClr val="DBDBDB"/>
+          </a:solidFill>
+          <a:ln>
+            <a:noFill/>
+          </a:ln>
+          <a:effectLst>
+            <a:outerShdw blurRad="50800" dist="38100" dir="5400000" algn="t" rotWithShape="0">
+              <a:prstClr val="black">
+                <a:alpha val="40000"/>
+              </a:prstClr>
+            </a:outerShdw>
+          </a:effectLst>
+        </p:spPr>
+        <p:style>
+          <a:lnRef idx="2">
+            <a:schemeClr val="accent1">
+              <a:shade val="50000"/>
+            </a:schemeClr>
+          </a:lnRef>
+          <a:fillRef idx="1">
+            <a:schemeClr val="accent1"/>
+          </a:fillRef>
+          <a:effectRef idx="0">
+            <a:schemeClr val="accent1"/>
+          </a:effectRef>
+          <a:fontRef idx="minor">
+            <a:schemeClr val="lt1"/>
+          </a:fontRef>
+        </p:style>
+        <p:txBody>
+          <a:bodyPr rtlCol="0" anchor="ctr"/>
+          <a:lstStyle/>
+          <a:p>
+            <a:pPr algn="ctr"/>
+            <a:endParaRPr lang="de-DE"/>
+          </a:p>
+        </p:txBody>
+      </p:sp>
+      <p:sp>
+        <p:nvSpPr>
+          <p:cNvPr id="17" name="Rechteck 16">
+            <a:extLst>
+              <a:ext uri="{FF2B5EF4-FFF2-40B4-BE49-F238E27FC236}">
+                <a16:creationId xmlns:a16="http://schemas.microsoft.com/office/drawing/2014/main" id="{302AA3A1-5489-4E4F-B844-D0520332307D}"/>
+              </a:ext>
+            </a:extLst>
+          </p:cNvPr>
+          <p:cNvSpPr/>
+          <p:nvPr/>
+        </p:nvSpPr>
+        <p:spPr>
+          <a:xfrm>
+            <a:off x="359617" y="3890213"/>
+            <a:ext cx="3205806" cy="1808059"/>
+          </a:xfrm>
+          <a:prstGeom prst="rect">
+            <a:avLst/>
+          </a:prstGeom>
+          <a:solidFill>
+            <a:srgbClr val="DBDBDB"/>
+          </a:solidFill>
+          <a:ln>
+            <a:noFill/>
+          </a:ln>
+          <a:effectLst>
+            <a:outerShdw blurRad="50800" dist="38100" dir="5400000" algn="t" rotWithShape="0">
+              <a:prstClr val="black">
+                <a:alpha val="40000"/>
+              </a:prstClr>
+            </a:outerShdw>
+          </a:effectLst>
+        </p:spPr>
+        <p:style>
+          <a:lnRef idx="2">
+            <a:schemeClr val="accent1">
+              <a:shade val="50000"/>
+            </a:schemeClr>
+          </a:lnRef>
+          <a:fillRef idx="1">
+            <a:schemeClr val="accent1"/>
+          </a:fillRef>
+          <a:effectRef idx="0">
+            <a:schemeClr val="accent1"/>
+          </a:effectRef>
+          <a:fontRef idx="minor">
+            <a:schemeClr val="lt1"/>
+          </a:fontRef>
+        </p:style>
+        <p:txBody>
+          <a:bodyPr rtlCol="0" anchor="ctr"/>
+          <a:lstStyle/>
+          <a:p>
+            <a:pPr algn="ctr"/>
+            <a:endParaRPr lang="de-DE"/>
+          </a:p>
+        </p:txBody>
+      </p:sp>
+      <p:sp>
+        <p:nvSpPr>
           <p:cNvPr id="6" name="Footer Placeholder 5"/>
           <p:cNvSpPr>
             <a:spLocks noGrp="1"/>
@@ -3872,15 +3990,7 @@
             </a:r>
             <a:r>
               <a:rPr lang="en-US" dirty="0"/>
-              <a:t>, Lukas </a:t>
-            </a:r>
-            <a:r>
-              <a:rPr lang="en-US" dirty="0" err="1"/>
-              <a:t>Mönch</a:t>
-            </a:r>
-            <a:r>
-              <a:rPr lang="en-US" dirty="0"/>
-              <a:t>, Sebastian Bauer Timo Schaaf</a:t>
+              <a:t>, Lukas Mönch, Sebastian Bauer Timo Schaaf</a:t>
             </a:r>
           </a:p>
         </p:txBody>
@@ -3941,17 +4051,46 @@
                   <a:schemeClr val="bg1"/>
                 </a:solidFill>
               </a:rPr>
-              <a:t>Modelliert</a:t>
-            </a:r>
-          </a:p>
-        </p:txBody>
-      </p:sp>
-      <p:sp>
-        <p:nvSpPr>
-          <p:cNvPr id="2" name="Textfeld 1">
+              <a:t>Fallunterscheidung der Zugrichtung bei Flaschenzügen</a:t>
+            </a:r>
+          </a:p>
+        </p:txBody>
+      </p:sp>
+      <p:pic>
+        <p:nvPicPr>
+          <p:cNvPr id="3" name="Grafik 2">
             <a:extLst>
               <a:ext uri="{FF2B5EF4-FFF2-40B4-BE49-F238E27FC236}">
-                <a16:creationId xmlns:a16="http://schemas.microsoft.com/office/drawing/2014/main" id="{5236016B-2DCE-1E44-906A-AC5D06DA492F}"/>
+                <a16:creationId xmlns:a16="http://schemas.microsoft.com/office/drawing/2014/main" id="{A7C7E694-B2BE-427B-8E49-C3F67041A2B1}"/>
+              </a:ext>
+            </a:extLst>
+          </p:cNvPr>
+          <p:cNvPicPr>
+            <a:picLocks noChangeAspect="1"/>
+          </p:cNvPicPr>
+          <p:nvPr/>
+        </p:nvPicPr>
+        <p:blipFill rotWithShape="1">
+          <a:blip r:embed="rId3"/>
+          <a:srcRect l="53885" b="8131"/>
+          <a:stretch/>
+        </p:blipFill>
+        <p:spPr>
+          <a:xfrm>
+            <a:off x="6096000" y="1125864"/>
+            <a:ext cx="2333932" cy="4649631"/>
+          </a:xfrm>
+          <a:prstGeom prst="rect">
+            <a:avLst/>
+          </a:prstGeom>
+        </p:spPr>
+      </p:pic>
+      <p:sp>
+        <p:nvSpPr>
+          <p:cNvPr id="4" name="Textfeld 3">
+            <a:extLst>
+              <a:ext uri="{FF2B5EF4-FFF2-40B4-BE49-F238E27FC236}">
+                <a16:creationId xmlns:a16="http://schemas.microsoft.com/office/drawing/2014/main" id="{0F6EDA5D-08BD-424E-BB99-63B1E1DA16E9}"/>
               </a:ext>
             </a:extLst>
           </p:cNvPr>
@@ -3960,8 +4099,8 @@
         </p:nvSpPr>
         <p:spPr>
           <a:xfrm>
-            <a:off x="577048" y="1207361"/>
-            <a:ext cx="2592280" cy="1477328"/>
+            <a:off x="2738284" y="6072211"/>
+            <a:ext cx="8470490" cy="276999"/>
           </a:xfrm>
           <a:prstGeom prst="rect">
             <a:avLst/>
@@ -3975,42 +4114,68 @@
           <a:lstStyle/>
           <a:p>
             <a:r>
-              <a:rPr lang="de-DE" dirty="0"/>
-              <a:t>Spannungsquelle</a:t>
-            </a:r>
-          </a:p>
-          <a:p>
-            <a:r>
-              <a:rPr lang="de-DE" dirty="0"/>
-              <a:t>Spannungssignale:</a:t>
-            </a:r>
-          </a:p>
-          <a:p>
-            <a:r>
-              <a:rPr lang="de-DE" dirty="0"/>
-              <a:t>Kontinuierlich</a:t>
-            </a:r>
-          </a:p>
-          <a:p>
-            <a:r>
-              <a:rPr lang="de-DE" dirty="0"/>
-              <a:t>Diskontinuierlich</a:t>
-            </a:r>
-          </a:p>
-          <a:p>
-            <a:r>
-              <a:rPr lang="de-DE" dirty="0"/>
-              <a:t>Steuerbar</a:t>
-            </a:r>
-          </a:p>
-        </p:txBody>
-      </p:sp>
-      <p:sp>
-        <p:nvSpPr>
-          <p:cNvPr id="8" name="Textfeld 7">
+              <a:rPr lang="de-DE" sz="1200" dirty="0">
+                <a:solidFill>
+                  <a:srgbClr val="767171"/>
+                </a:solidFill>
+              </a:rPr>
+              <a:t>Quelle: Auszüge aus: </a:t>
+            </a:r>
+            <a:r>
+              <a:rPr lang="de-DE" sz="1200" dirty="0">
+                <a:solidFill>
+                  <a:srgbClr val="767171"/>
+                </a:solidFill>
+                <a:hlinkClick r:id="rId4"/>
+              </a:rPr>
+              <a:t>https://www.leifiphysik.de/mechanik/einfache-maschinen/grundwissen/flaschenzug</a:t>
+            </a:r>
+            <a:r>
+              <a:rPr lang="de-DE" sz="1200" dirty="0">
+                <a:solidFill>
+                  <a:srgbClr val="767171"/>
+                </a:solidFill>
+              </a:rPr>
+              <a:t>, 10.12.2019</a:t>
+            </a:r>
+          </a:p>
+        </p:txBody>
+      </p:sp>
+      <p:pic>
+        <p:nvPicPr>
+          <p:cNvPr id="2" name="Grafik 1">
             <a:extLst>
               <a:ext uri="{FF2B5EF4-FFF2-40B4-BE49-F238E27FC236}">
-                <a16:creationId xmlns:a16="http://schemas.microsoft.com/office/drawing/2014/main" id="{87FB4851-B6BF-7542-8471-144995E8D81A}"/>
+                <a16:creationId xmlns:a16="http://schemas.microsoft.com/office/drawing/2014/main" id="{A3646AC9-CB67-4FA7-9B7F-AA96322D3DAE}"/>
+              </a:ext>
+            </a:extLst>
+          </p:cNvPr>
+          <p:cNvPicPr>
+            <a:picLocks noChangeAspect="1"/>
+          </p:cNvPicPr>
+          <p:nvPr/>
+        </p:nvPicPr>
+        <p:blipFill rotWithShape="1">
+          <a:blip r:embed="rId5"/>
+          <a:srcRect r="56740" b="10555"/>
+          <a:stretch/>
+        </p:blipFill>
+        <p:spPr>
+          <a:xfrm>
+            <a:off x="3634249" y="1125864"/>
+            <a:ext cx="2225777" cy="4602087"/>
+          </a:xfrm>
+          <a:prstGeom prst="rect">
+            <a:avLst/>
+          </a:prstGeom>
+        </p:spPr>
+      </p:pic>
+      <p:sp>
+        <p:nvSpPr>
+          <p:cNvPr id="5" name="Textfeld 4">
+            <a:extLst>
+              <a:ext uri="{FF2B5EF4-FFF2-40B4-BE49-F238E27FC236}">
+                <a16:creationId xmlns:a16="http://schemas.microsoft.com/office/drawing/2014/main" id="{DA64C7B7-EF5F-4CB6-B525-13908E954EEC}"/>
               </a:ext>
             </a:extLst>
           </p:cNvPr>
@@ -4019,8 +4184,8 @@
         </p:nvSpPr>
         <p:spPr>
           <a:xfrm>
-            <a:off x="3266983" y="1194780"/>
-            <a:ext cx="2592280" cy="1477328"/>
+            <a:off x="442453" y="1569158"/>
+            <a:ext cx="2955822" cy="1754326"/>
           </a:xfrm>
           <a:prstGeom prst="rect">
             <a:avLst/>
@@ -4034,35 +4199,65 @@
           <a:lstStyle/>
           <a:p>
             <a:r>
-              <a:rPr lang="de-DE" dirty="0"/>
-              <a:t>Motor</a:t>
-            </a:r>
-          </a:p>
-          <a:p>
-            <a:r>
-              <a:rPr lang="de-DE" dirty="0"/>
-              <a:t>Einphasiger Betrieb</a:t>
-            </a:r>
-          </a:p>
-          <a:p>
-            <a:r>
-              <a:rPr lang="de-DE" dirty="0"/>
-              <a:t>Drehrichtung variabel</a:t>
-            </a:r>
-          </a:p>
-          <a:p>
-            <a:r>
-              <a:rPr lang="de-DE" dirty="0"/>
-              <a:t>Motorisch und </a:t>
-            </a:r>
-            <a:r>
-              <a:rPr lang="de-DE" dirty="0" err="1"/>
-              <a:t>generatorischer</a:t>
-            </a:r>
-            <a:r>
-              <a:rPr lang="de-DE" dirty="0"/>
-              <a:t> Betrieb</a:t>
-            </a:r>
+              <a:rPr lang="de-DE" dirty="0">
+                <a:solidFill>
+                  <a:schemeClr val="tx1">
+                    <a:lumMod val="75000"/>
+                    <a:lumOff val="25000"/>
+                  </a:schemeClr>
+                </a:solidFill>
+              </a:rPr>
+              <a:t>Anzahl Rollen:	 n = 3</a:t>
+            </a:r>
+          </a:p>
+          <a:p>
+            <a:r>
+              <a:rPr lang="de-DE" dirty="0">
+                <a:solidFill>
+                  <a:schemeClr val="tx1">
+                    <a:lumMod val="75000"/>
+                    <a:lumOff val="25000"/>
+                  </a:schemeClr>
+                </a:solidFill>
+              </a:rPr>
+              <a:t>Tragende Seile: 	 n + 1 = 4</a:t>
+            </a:r>
+          </a:p>
+          <a:p>
+            <a:endParaRPr lang="de-DE" dirty="0">
+              <a:solidFill>
+                <a:schemeClr val="tx1">
+                  <a:lumMod val="75000"/>
+                  <a:lumOff val="25000"/>
+                </a:schemeClr>
+              </a:solidFill>
+            </a:endParaRPr>
+          </a:p>
+          <a:p>
+            <a:endParaRPr lang="de-DE" dirty="0">
+              <a:solidFill>
+                <a:schemeClr val="tx1">
+                  <a:lumMod val="75000"/>
+                  <a:lumOff val="25000"/>
+                </a:schemeClr>
+              </a:solidFill>
+            </a:endParaRPr>
+          </a:p>
+          <a:p>
+            <a:r>
+              <a:rPr lang="de-DE" dirty="0">
+                <a:solidFill>
+                  <a:schemeClr val="tx1">
+                    <a:lumMod val="75000"/>
+                    <a:lumOff val="25000"/>
+                  </a:schemeClr>
+                </a:solidFill>
+              </a:rPr>
+              <a:t>n in Modell parametrierbar. </a:t>
+            </a:r>
+          </a:p>
+          <a:p>
+            <a:endParaRPr lang="de-DE" dirty="0"/>
           </a:p>
         </p:txBody>
       </p:sp>
@@ -4071,7 +4266,7 @@
           <p:cNvPr id="11" name="Textfeld 10">
             <a:extLst>
               <a:ext uri="{FF2B5EF4-FFF2-40B4-BE49-F238E27FC236}">
-                <a16:creationId xmlns:a16="http://schemas.microsoft.com/office/drawing/2014/main" id="{7D0BC5A2-D91B-784B-BBC1-049B8B8686DD}"/>
+                <a16:creationId xmlns:a16="http://schemas.microsoft.com/office/drawing/2014/main" id="{E5CF1146-4C2D-4072-8C7B-8395860D2189}"/>
               </a:ext>
             </a:extLst>
           </p:cNvPr>
@@ -4080,8 +4275,8 @@
         </p:nvSpPr>
         <p:spPr>
           <a:xfrm>
-            <a:off x="6018320" y="1196256"/>
-            <a:ext cx="2592280" cy="1200329"/>
+            <a:off x="8885904" y="1569158"/>
+            <a:ext cx="2863643" cy="1477328"/>
           </a:xfrm>
           <a:prstGeom prst="rect">
             <a:avLst/>
@@ -4095,143 +4290,1059 @@
           <a:lstStyle/>
           <a:p>
             <a:r>
+              <a:rPr lang="de-DE" dirty="0">
+                <a:solidFill>
+                  <a:schemeClr val="tx1">
+                    <a:lumMod val="75000"/>
+                    <a:lumOff val="25000"/>
+                  </a:schemeClr>
+                </a:solidFill>
+              </a:rPr>
+              <a:t>Anzahl Rollen: 	n = 3</a:t>
+            </a:r>
+          </a:p>
+          <a:p>
+            <a:r>
+              <a:rPr lang="de-DE" dirty="0">
+                <a:solidFill>
+                  <a:schemeClr val="tx1">
+                    <a:lumMod val="75000"/>
+                    <a:lumOff val="25000"/>
+                  </a:schemeClr>
+                </a:solidFill>
+              </a:rPr>
+              <a:t>Tragende Seile: 	n = 3 </a:t>
+            </a:r>
+          </a:p>
+          <a:p>
+            <a:endParaRPr lang="de-DE" dirty="0">
+              <a:solidFill>
+                <a:schemeClr val="tx1">
+                  <a:lumMod val="75000"/>
+                  <a:lumOff val="25000"/>
+                </a:schemeClr>
+              </a:solidFill>
+            </a:endParaRPr>
+          </a:p>
+          <a:p>
+            <a:endParaRPr lang="de-DE" dirty="0">
+              <a:solidFill>
+                <a:schemeClr val="tx1">
+                  <a:lumMod val="75000"/>
+                  <a:lumOff val="25000"/>
+                </a:schemeClr>
+              </a:solidFill>
+            </a:endParaRPr>
+          </a:p>
+          <a:p>
+            <a:r>
+              <a:rPr lang="de-DE" dirty="0">
+                <a:solidFill>
+                  <a:schemeClr val="tx1">
+                    <a:lumMod val="75000"/>
+                    <a:lumOff val="25000"/>
+                  </a:schemeClr>
+                </a:solidFill>
+              </a:rPr>
+              <a:t>n in Modell parametrierbar</a:t>
+            </a:r>
+            <a:r>
               <a:rPr lang="de-DE" dirty="0"/>
-              <a:t>Getriebe</a:t>
-            </a:r>
-          </a:p>
-          <a:p>
-            <a:r>
-              <a:rPr lang="de-DE" dirty="0"/>
-              <a:t>Übersetzungsverhältnis</a:t>
-            </a:r>
-          </a:p>
-          <a:p>
-            <a:r>
-              <a:rPr lang="de-DE" dirty="0"/>
-              <a:t>Wirkungsgrad</a:t>
-            </a:r>
-          </a:p>
-          <a:p>
-            <a:r>
-              <a:rPr lang="de-DE" dirty="0"/>
-              <a:t>Trägheit</a:t>
-            </a:r>
-          </a:p>
-        </p:txBody>
-      </p:sp>
-      <p:sp>
-        <p:nvSpPr>
-          <p:cNvPr id="12" name="Textfeld 11">
+              <a:t>. </a:t>
+            </a:r>
+          </a:p>
+        </p:txBody>
+      </p:sp>
+      <p:grpSp>
+        <p:nvGrpSpPr>
+          <p:cNvPr id="18" name="Gruppieren 17">
             <a:extLst>
               <a:ext uri="{FF2B5EF4-FFF2-40B4-BE49-F238E27FC236}">
-                <a16:creationId xmlns:a16="http://schemas.microsoft.com/office/drawing/2014/main" id="{450262A1-7F91-9D46-B589-9E7C6C180BC4}"/>
+                <a16:creationId xmlns:a16="http://schemas.microsoft.com/office/drawing/2014/main" id="{92796F98-95E9-421C-AEA1-683CBCEE4FFD}"/>
               </a:ext>
             </a:extLst>
           </p:cNvPr>
-          <p:cNvSpPr txBox="1"/>
+          <p:cNvGrpSpPr/>
           <p:nvPr/>
-        </p:nvSpPr>
-        <p:spPr>
+        </p:nvGrpSpPr>
+        <p:grpSpPr>
           <a:xfrm>
-            <a:off x="577048" y="3210994"/>
-            <a:ext cx="2592280" cy="1754326"/>
+            <a:off x="718128" y="3977472"/>
+            <a:ext cx="10670085" cy="1811313"/>
+            <a:chOff x="566095" y="2830853"/>
+            <a:chExt cx="10670085" cy="1811313"/>
           </a:xfrm>
-          <a:prstGeom prst="rect">
-            <a:avLst/>
-          </a:prstGeom>
-          <a:noFill/>
-        </p:spPr>
-        <p:txBody>
-          <a:bodyPr wrap="square" rtlCol="0">
-            <a:spAutoFit/>
-          </a:bodyPr>
-          <a:lstStyle/>
-          <a:p>
-            <a:r>
-              <a:rPr lang="de-DE" dirty="0"/>
-              <a:t>Flaschenzug</a:t>
-            </a:r>
-          </a:p>
-          <a:p>
-            <a:r>
-              <a:rPr lang="de-DE" dirty="0"/>
-              <a:t>Anzahl der Rollen</a:t>
-            </a:r>
-          </a:p>
-          <a:p>
-            <a:r>
-              <a:rPr lang="de-DE" dirty="0"/>
-              <a:t>Anfangslänge</a:t>
-            </a:r>
-          </a:p>
-          <a:p>
-            <a:r>
-              <a:rPr lang="de-DE" dirty="0"/>
-              <a:t>Zugwinkel</a:t>
-            </a:r>
-          </a:p>
-          <a:p>
-            <a:r>
-              <a:rPr lang="de-DE" dirty="0"/>
-              <a:t>Trägheit Flaschengewicht</a:t>
-            </a:r>
-          </a:p>
-          <a:p>
-            <a:r>
-              <a:rPr lang="de-DE" dirty="0"/>
-              <a:t>Abstandssensor</a:t>
-            </a:r>
-          </a:p>
-        </p:txBody>
-      </p:sp>
-      <p:sp>
-        <p:nvSpPr>
-          <p:cNvPr id="13" name="Textfeld 12">
-            <a:extLst>
-              <a:ext uri="{FF2B5EF4-FFF2-40B4-BE49-F238E27FC236}">
-                <a16:creationId xmlns:a16="http://schemas.microsoft.com/office/drawing/2014/main" id="{E8076CA9-8BB7-2549-AC85-B16F96419ACD}"/>
-              </a:ext>
-            </a:extLst>
-          </p:cNvPr>
-          <p:cNvSpPr txBox="1"/>
-          <p:nvPr/>
-        </p:nvSpPr>
-        <p:spPr>
-          <a:xfrm>
-            <a:off x="9022672" y="1194780"/>
-            <a:ext cx="2592280" cy="923330"/>
-          </a:xfrm>
-          <a:prstGeom prst="rect">
-            <a:avLst/>
-          </a:prstGeom>
-          <a:noFill/>
-        </p:spPr>
-        <p:txBody>
-          <a:bodyPr wrap="square" rtlCol="0">
-            <a:spAutoFit/>
-          </a:bodyPr>
-          <a:lstStyle/>
-          <a:p>
-            <a:r>
-              <a:rPr lang="de-DE" dirty="0"/>
-              <a:t>Bremse</a:t>
-            </a:r>
-          </a:p>
-          <a:p>
-            <a:r>
-              <a:rPr lang="de-DE" dirty="0"/>
-              <a:t>Bremskonstante</a:t>
-            </a:r>
-          </a:p>
-          <a:p>
-            <a:endParaRPr lang="de-DE" dirty="0"/>
-          </a:p>
-        </p:txBody>
-      </p:sp>
+        </p:grpSpPr>
+        <mc:AlternateContent xmlns:mc="http://schemas.openxmlformats.org/markup-compatibility/2006">
+          <mc:Choice xmlns:a14="http://schemas.microsoft.com/office/drawing/2010/main" Requires="a14">
+            <p:sp>
+              <p:nvSpPr>
+                <p:cNvPr id="13" name="Textfeld 12">
+                  <a:extLst>
+                    <a:ext uri="{FF2B5EF4-FFF2-40B4-BE49-F238E27FC236}">
+                      <a16:creationId xmlns:a16="http://schemas.microsoft.com/office/drawing/2014/main" id="{D1C0CD7E-FADC-48C6-AD05-E3358482CE70}"/>
+                    </a:ext>
+                  </a:extLst>
+                </p:cNvPr>
+                <p:cNvSpPr txBox="1"/>
+                <p:nvPr/>
+              </p:nvSpPr>
+              <p:spPr>
+                <a:xfrm>
+                  <a:off x="703747" y="3890213"/>
+                  <a:ext cx="2270878" cy="369332"/>
+                </a:xfrm>
+                <a:prstGeom prst="rect">
+                  <a:avLst/>
+                </a:prstGeom>
+                <a:noFill/>
+              </p:spPr>
+              <p:txBody>
+                <a:bodyPr wrap="none" lIns="0" tIns="0" rIns="0" bIns="0" rtlCol="0">
+                  <a:spAutoFit/>
+                </a:bodyPr>
+                <a:lstStyle/>
+                <a:p>
+                  <a14:m>
+                    <m:oMathPara xmlns:m="http://schemas.openxmlformats.org/officeDocument/2006/math">
+                      <m:oMathParaPr>
+                        <m:jc m:val="centerGroup"/>
+                      </m:oMathParaPr>
+                      <m:oMath xmlns:m="http://schemas.openxmlformats.org/officeDocument/2006/math">
+                        <m:sSub>
+                          <m:sSubPr>
+                            <m:ctrlPr>
+                              <a:rPr lang="de-DE" sz="2400" i="1" smtClean="0">
+                                <a:solidFill>
+                                  <a:schemeClr val="tx1">
+                                    <a:lumMod val="85000"/>
+                                    <a:lumOff val="15000"/>
+                                  </a:schemeClr>
+                                </a:solidFill>
+                                <a:latin typeface="Cambria Math" panose="02040503050406030204" pitchFamily="18" charset="0"/>
+                              </a:rPr>
+                            </m:ctrlPr>
+                          </m:sSubPr>
+                          <m:e>
+                            <m:r>
+                              <a:rPr lang="de-DE" sz="2400" b="0" i="1" smtClean="0">
+                                <a:solidFill>
+                                  <a:schemeClr val="tx1">
+                                    <a:lumMod val="85000"/>
+                                    <a:lumOff val="15000"/>
+                                  </a:schemeClr>
+                                </a:solidFill>
+                                <a:latin typeface="Cambria Math" panose="02040503050406030204" pitchFamily="18" charset="0"/>
+                              </a:rPr>
+                              <m:t>𝑠</m:t>
+                            </m:r>
+                          </m:e>
+                          <m:sub>
+                            <m:r>
+                              <a:rPr lang="de-DE" sz="2400" b="0" i="1" smtClean="0">
+                                <a:solidFill>
+                                  <a:schemeClr val="tx1">
+                                    <a:lumMod val="85000"/>
+                                    <a:lumOff val="15000"/>
+                                  </a:schemeClr>
+                                </a:solidFill>
+                                <a:latin typeface="Cambria Math" panose="02040503050406030204" pitchFamily="18" charset="0"/>
+                              </a:rPr>
+                              <m:t>𝑧</m:t>
+                            </m:r>
+                          </m:sub>
+                        </m:sSub>
+                        <m:r>
+                          <a:rPr lang="de-DE" sz="2400" b="0" i="1" smtClean="0">
+                            <a:solidFill>
+                              <a:schemeClr val="tx1">
+                                <a:lumMod val="85000"/>
+                                <a:lumOff val="15000"/>
+                              </a:schemeClr>
+                            </a:solidFill>
+                            <a:latin typeface="Cambria Math" panose="02040503050406030204" pitchFamily="18" charset="0"/>
+                          </a:rPr>
+                          <m:t>=</m:t>
+                        </m:r>
+                        <m:d>
+                          <m:dPr>
+                            <m:ctrlPr>
+                              <a:rPr lang="de-DE" sz="2400" b="0" i="1" smtClean="0">
+                                <a:solidFill>
+                                  <a:schemeClr val="tx1">
+                                    <a:lumMod val="85000"/>
+                                    <a:lumOff val="15000"/>
+                                  </a:schemeClr>
+                                </a:solidFill>
+                                <a:latin typeface="Cambria Math" panose="02040503050406030204" pitchFamily="18" charset="0"/>
+                              </a:rPr>
+                            </m:ctrlPr>
+                          </m:dPr>
+                          <m:e>
+                            <m:r>
+                              <a:rPr lang="de-DE" sz="2400" b="0" i="1" smtClean="0">
+                                <a:solidFill>
+                                  <a:schemeClr val="tx1">
+                                    <a:lumMod val="85000"/>
+                                    <a:lumOff val="15000"/>
+                                  </a:schemeClr>
+                                </a:solidFill>
+                                <a:latin typeface="Cambria Math" panose="02040503050406030204" pitchFamily="18" charset="0"/>
+                              </a:rPr>
+                              <m:t>𝑛</m:t>
+                            </m:r>
+                            <m:r>
+                              <a:rPr lang="de-DE" sz="2400" b="0" i="1" smtClean="0">
+                                <a:solidFill>
+                                  <a:schemeClr val="tx1">
+                                    <a:lumMod val="85000"/>
+                                    <a:lumOff val="15000"/>
+                                  </a:schemeClr>
+                                </a:solidFill>
+                                <a:latin typeface="Cambria Math" panose="02040503050406030204" pitchFamily="18" charset="0"/>
+                              </a:rPr>
+                              <m:t>+1</m:t>
+                            </m:r>
+                          </m:e>
+                        </m:d>
+                        <m:r>
+                          <a:rPr lang="de-DE" sz="2400" b="0" i="1" smtClean="0">
+                            <a:solidFill>
+                              <a:schemeClr val="tx1">
+                                <a:lumMod val="85000"/>
+                                <a:lumOff val="15000"/>
+                              </a:schemeClr>
+                            </a:solidFill>
+                            <a:latin typeface="Cambria Math" panose="02040503050406030204" pitchFamily="18" charset="0"/>
+                          </a:rPr>
+                          <m:t>∗</m:t>
+                        </m:r>
+                        <m:sSub>
+                          <m:sSubPr>
+                            <m:ctrlPr>
+                              <a:rPr lang="de-DE" sz="2400" b="0" i="1" smtClean="0">
+                                <a:solidFill>
+                                  <a:schemeClr val="tx1">
+                                    <a:lumMod val="85000"/>
+                                    <a:lumOff val="15000"/>
+                                  </a:schemeClr>
+                                </a:solidFill>
+                                <a:latin typeface="Cambria Math" panose="02040503050406030204" pitchFamily="18" charset="0"/>
+                              </a:rPr>
+                            </m:ctrlPr>
+                          </m:sSubPr>
+                          <m:e>
+                            <m:r>
+                              <a:rPr lang="de-DE" sz="2400" b="0" i="1" smtClean="0">
+                                <a:solidFill>
+                                  <a:schemeClr val="tx1">
+                                    <a:lumMod val="85000"/>
+                                    <a:lumOff val="15000"/>
+                                  </a:schemeClr>
+                                </a:solidFill>
+                                <a:latin typeface="Cambria Math" panose="02040503050406030204" pitchFamily="18" charset="0"/>
+                              </a:rPr>
+                              <m:t>𝑠</m:t>
+                            </m:r>
+                          </m:e>
+                          <m:sub>
+                            <m:r>
+                              <a:rPr lang="de-DE" sz="2400" b="0" i="1" smtClean="0">
+                                <a:solidFill>
+                                  <a:schemeClr val="tx1">
+                                    <a:lumMod val="85000"/>
+                                    <a:lumOff val="15000"/>
+                                  </a:schemeClr>
+                                </a:solidFill>
+                                <a:latin typeface="Cambria Math" panose="02040503050406030204" pitchFamily="18" charset="0"/>
+                              </a:rPr>
+                              <m:t>𝐿</m:t>
+                            </m:r>
+                          </m:sub>
+                        </m:sSub>
+                      </m:oMath>
+                    </m:oMathPara>
+                  </a14:m>
+                  <a:endParaRPr lang="de-DE" sz="2400" dirty="0"/>
+                </a:p>
+              </p:txBody>
+            </p:sp>
+          </mc:Choice>
+          <mc:Fallback>
+            <p:sp>
+              <p:nvSpPr>
+                <p:cNvPr id="13" name="Textfeld 12">
+                  <a:extLst>
+                    <a:ext uri="{FF2B5EF4-FFF2-40B4-BE49-F238E27FC236}">
+                      <a16:creationId xmlns:a16="http://schemas.microsoft.com/office/drawing/2014/main" id="{D1C0CD7E-FADC-48C6-AD05-E3358482CE70}"/>
+                    </a:ext>
+                  </a:extLst>
+                </p:cNvPr>
+                <p:cNvSpPr txBox="1">
+                  <a:spLocks noRot="1" noChangeAspect="1" noMove="1" noResize="1" noEditPoints="1" noAdjustHandles="1" noChangeArrowheads="1" noChangeShapeType="1" noTextEdit="1"/>
+                </p:cNvSpPr>
+                <p:nvPr/>
+              </p:nvSpPr>
+              <p:spPr>
+                <a:xfrm>
+                  <a:off x="703747" y="3890213"/>
+                  <a:ext cx="2270878" cy="369332"/>
+                </a:xfrm>
+                <a:prstGeom prst="rect">
+                  <a:avLst/>
+                </a:prstGeom>
+                <a:blipFill>
+                  <a:blip r:embed="rId6"/>
+                  <a:stretch>
+                    <a:fillRect l="-1340" r="-268" b="-13115"/>
+                  </a:stretch>
+                </a:blipFill>
+              </p:spPr>
+              <p:txBody>
+                <a:bodyPr/>
+                <a:lstStyle/>
+                <a:p>
+                  <a:r>
+                    <a:rPr lang="de-DE">
+                      <a:noFill/>
+                    </a:rPr>
+                    <a:t> </a:t>
+                  </a:r>
+                </a:p>
+              </p:txBody>
+            </p:sp>
+          </mc:Fallback>
+        </mc:AlternateContent>
+        <mc:AlternateContent xmlns:mc="http://schemas.openxmlformats.org/markup-compatibility/2006">
+          <mc:Choice xmlns:a14="http://schemas.microsoft.com/office/drawing/2010/main" Requires="a14">
+            <p:sp>
+              <p:nvSpPr>
+                <p:cNvPr id="9" name="Textfeld 8">
+                  <a:extLst>
+                    <a:ext uri="{FF2B5EF4-FFF2-40B4-BE49-F238E27FC236}">
+                      <a16:creationId xmlns:a16="http://schemas.microsoft.com/office/drawing/2014/main" id="{E7E7C060-0274-459C-90D8-1A33AD37CCBB}"/>
+                    </a:ext>
+                  </a:extLst>
+                </p:cNvPr>
+                <p:cNvSpPr txBox="1"/>
+                <p:nvPr/>
+              </p:nvSpPr>
+              <p:spPr>
+                <a:xfrm>
+                  <a:off x="566095" y="2830853"/>
+                  <a:ext cx="2270878" cy="1808059"/>
+                </a:xfrm>
+                <a:prstGeom prst="rect">
+                  <a:avLst/>
+                </a:prstGeom>
+                <a:noFill/>
+              </p:spPr>
+              <p:txBody>
+                <a:bodyPr wrap="square" lIns="0" tIns="0" rIns="0" bIns="0" rtlCol="0">
+                  <a:spAutoFit/>
+                </a:bodyPr>
+                <a:lstStyle/>
+                <a:p>
+                  <a14:m>
+                    <m:oMathPara xmlns:m="http://schemas.openxmlformats.org/officeDocument/2006/math">
+                      <m:oMathParaPr>
+                        <m:jc m:val="centerGroup"/>
+                      </m:oMathParaPr>
+                      <m:oMath xmlns:m="http://schemas.openxmlformats.org/officeDocument/2006/math">
+                        <m:sSub>
+                          <m:sSubPr>
+                            <m:ctrlPr>
+                              <a:rPr lang="de-DE" sz="2400" i="1" smtClean="0">
+                                <a:solidFill>
+                                  <a:schemeClr val="tx1">
+                                    <a:lumMod val="85000"/>
+                                    <a:lumOff val="15000"/>
+                                  </a:schemeClr>
+                                </a:solidFill>
+                                <a:latin typeface="Cambria Math" panose="02040503050406030204" pitchFamily="18" charset="0"/>
+                              </a:rPr>
+                            </m:ctrlPr>
+                          </m:sSubPr>
+                          <m:e>
+                            <m:r>
+                              <a:rPr lang="de-DE" sz="2400" b="0" i="1" smtClean="0">
+                                <a:solidFill>
+                                  <a:schemeClr val="tx1">
+                                    <a:lumMod val="85000"/>
+                                    <a:lumOff val="15000"/>
+                                  </a:schemeClr>
+                                </a:solidFill>
+                                <a:latin typeface="Cambria Math" panose="02040503050406030204" pitchFamily="18" charset="0"/>
+                              </a:rPr>
+                              <m:t>𝐹</m:t>
+                            </m:r>
+                          </m:e>
+                          <m:sub>
+                            <m:r>
+                              <a:rPr lang="de-DE" sz="2400" b="0" i="1" smtClean="0">
+                                <a:solidFill>
+                                  <a:schemeClr val="tx1">
+                                    <a:lumMod val="85000"/>
+                                    <a:lumOff val="15000"/>
+                                  </a:schemeClr>
+                                </a:solidFill>
+                                <a:latin typeface="Cambria Math" panose="02040503050406030204" pitchFamily="18" charset="0"/>
+                              </a:rPr>
+                              <m:t>𝑧</m:t>
+                            </m:r>
+                          </m:sub>
+                        </m:sSub>
+                        <m:r>
+                          <a:rPr lang="de-DE" sz="2400" b="0" i="1" smtClean="0">
+                            <a:solidFill>
+                              <a:schemeClr val="tx1">
+                                <a:lumMod val="85000"/>
+                                <a:lumOff val="15000"/>
+                              </a:schemeClr>
+                            </a:solidFill>
+                            <a:latin typeface="Cambria Math" panose="02040503050406030204" pitchFamily="18" charset="0"/>
+                          </a:rPr>
+                          <m:t>=</m:t>
+                        </m:r>
+                        <m:f>
+                          <m:fPr>
+                            <m:ctrlPr>
+                              <a:rPr lang="de-DE" sz="2400" b="0" i="1" smtClean="0">
+                                <a:solidFill>
+                                  <a:schemeClr val="tx1">
+                                    <a:lumMod val="85000"/>
+                                    <a:lumOff val="15000"/>
+                                  </a:schemeClr>
+                                </a:solidFill>
+                                <a:latin typeface="Cambria Math" panose="02040503050406030204" pitchFamily="18" charset="0"/>
+                              </a:rPr>
+                            </m:ctrlPr>
+                          </m:fPr>
+                          <m:num>
+                            <m:r>
+                              <a:rPr lang="de-DE" sz="2400" b="0" i="1" smtClean="0">
+                                <a:solidFill>
+                                  <a:schemeClr val="tx1">
+                                    <a:lumMod val="85000"/>
+                                    <a:lumOff val="15000"/>
+                                  </a:schemeClr>
+                                </a:solidFill>
+                                <a:latin typeface="Cambria Math" panose="02040503050406030204" pitchFamily="18" charset="0"/>
+                              </a:rPr>
+                              <m:t>1</m:t>
+                            </m:r>
+                          </m:num>
+                          <m:den>
+                            <m:r>
+                              <a:rPr lang="de-DE" sz="2400" b="0" i="1" smtClean="0">
+                                <a:solidFill>
+                                  <a:schemeClr val="tx1">
+                                    <a:lumMod val="85000"/>
+                                    <a:lumOff val="15000"/>
+                                  </a:schemeClr>
+                                </a:solidFill>
+                                <a:latin typeface="Cambria Math" panose="02040503050406030204" pitchFamily="18" charset="0"/>
+                              </a:rPr>
+                              <m:t>𝑛</m:t>
+                            </m:r>
+                            <m:r>
+                              <a:rPr lang="de-DE" sz="2400" b="0" i="1" smtClean="0">
+                                <a:solidFill>
+                                  <a:schemeClr val="tx1">
+                                    <a:lumMod val="85000"/>
+                                    <a:lumOff val="15000"/>
+                                  </a:schemeClr>
+                                </a:solidFill>
+                                <a:latin typeface="Cambria Math" panose="02040503050406030204" pitchFamily="18" charset="0"/>
+                              </a:rPr>
+                              <m:t>+1</m:t>
+                            </m:r>
+                          </m:den>
+                        </m:f>
+                        <m:r>
+                          <a:rPr lang="de-DE" sz="2400" b="0" i="1" smtClean="0">
+                            <a:solidFill>
+                              <a:schemeClr val="tx1">
+                                <a:lumMod val="85000"/>
+                                <a:lumOff val="15000"/>
+                              </a:schemeClr>
+                            </a:solidFill>
+                            <a:latin typeface="Cambria Math" panose="02040503050406030204" pitchFamily="18" charset="0"/>
+                          </a:rPr>
+                          <m:t>∗</m:t>
+                        </m:r>
+                        <m:sSub>
+                          <m:sSubPr>
+                            <m:ctrlPr>
+                              <a:rPr lang="de-DE" sz="2400" b="0" i="1" smtClean="0">
+                                <a:solidFill>
+                                  <a:schemeClr val="tx1">
+                                    <a:lumMod val="85000"/>
+                                    <a:lumOff val="15000"/>
+                                  </a:schemeClr>
+                                </a:solidFill>
+                                <a:latin typeface="Cambria Math" panose="02040503050406030204" pitchFamily="18" charset="0"/>
+                              </a:rPr>
+                            </m:ctrlPr>
+                          </m:sSubPr>
+                          <m:e>
+                            <m:r>
+                              <a:rPr lang="de-DE" sz="2400" b="0" i="1" smtClean="0">
+                                <a:solidFill>
+                                  <a:schemeClr val="tx1">
+                                    <a:lumMod val="85000"/>
+                                    <a:lumOff val="15000"/>
+                                  </a:schemeClr>
+                                </a:solidFill>
+                                <a:latin typeface="Cambria Math" panose="02040503050406030204" pitchFamily="18" charset="0"/>
+                              </a:rPr>
+                              <m:t>𝐹</m:t>
+                            </m:r>
+                          </m:e>
+                          <m:sub>
+                            <m:r>
+                              <a:rPr lang="de-DE" sz="2400" b="0" i="1" smtClean="0">
+                                <a:solidFill>
+                                  <a:schemeClr val="tx1">
+                                    <a:lumMod val="85000"/>
+                                    <a:lumOff val="15000"/>
+                                  </a:schemeClr>
+                                </a:solidFill>
+                                <a:latin typeface="Cambria Math" panose="02040503050406030204" pitchFamily="18" charset="0"/>
+                              </a:rPr>
+                              <m:t>𝑙</m:t>
+                            </m:r>
+                          </m:sub>
+                        </m:sSub>
+                      </m:oMath>
+                    </m:oMathPara>
+                  </a14:m>
+                  <a:endParaRPr lang="de-DE" sz="2400" dirty="0"/>
+                </a:p>
+                <a:p>
+                  <a:endParaRPr lang="de-DE" sz="2400" dirty="0"/>
+                </a:p>
+                <a:p>
+                  <a:endParaRPr lang="de-DE" sz="2400" dirty="0"/>
+                </a:p>
+                <a:p>
+                  <a:endParaRPr lang="de-DE" sz="2400" dirty="0"/>
+                </a:p>
+              </p:txBody>
+            </p:sp>
+          </mc:Choice>
+          <mc:Fallback>
+            <p:sp>
+              <p:nvSpPr>
+                <p:cNvPr id="9" name="Textfeld 8">
+                  <a:extLst>
+                    <a:ext uri="{FF2B5EF4-FFF2-40B4-BE49-F238E27FC236}">
+                      <a16:creationId xmlns:a16="http://schemas.microsoft.com/office/drawing/2014/main" id="{E7E7C060-0274-459C-90D8-1A33AD37CCBB}"/>
+                    </a:ext>
+                  </a:extLst>
+                </p:cNvPr>
+                <p:cNvSpPr txBox="1">
+                  <a:spLocks noRot="1" noChangeAspect="1" noMove="1" noResize="1" noEditPoints="1" noAdjustHandles="1" noChangeArrowheads="1" noChangeShapeType="1" noTextEdit="1"/>
+                </p:cNvSpPr>
+                <p:nvPr/>
+              </p:nvSpPr>
+              <p:spPr>
+                <a:xfrm>
+                  <a:off x="566095" y="2830853"/>
+                  <a:ext cx="2270878" cy="1808059"/>
+                </a:xfrm>
+                <a:prstGeom prst="rect">
+                  <a:avLst/>
+                </a:prstGeom>
+                <a:blipFill>
+                  <a:blip r:embed="rId7"/>
+                  <a:stretch>
+                    <a:fillRect/>
+                  </a:stretch>
+                </a:blipFill>
+              </p:spPr>
+              <p:txBody>
+                <a:bodyPr/>
+                <a:lstStyle/>
+                <a:p>
+                  <a:r>
+                    <a:rPr lang="de-DE">
+                      <a:noFill/>
+                    </a:rPr>
+                    <a:t> </a:t>
+                  </a:r>
+                </a:p>
+              </p:txBody>
+            </p:sp>
+          </mc:Fallback>
+        </mc:AlternateContent>
+        <mc:AlternateContent xmlns:mc="http://schemas.openxmlformats.org/markup-compatibility/2006">
+          <mc:Choice xmlns:a14="http://schemas.microsoft.com/office/drawing/2010/main" Requires="a14">
+            <p:sp>
+              <p:nvSpPr>
+                <p:cNvPr id="24" name="Textfeld 23">
+                  <a:extLst>
+                    <a:ext uri="{FF2B5EF4-FFF2-40B4-BE49-F238E27FC236}">
+                      <a16:creationId xmlns:a16="http://schemas.microsoft.com/office/drawing/2014/main" id="{41070E9C-D8A7-4DF9-9909-21032FE17013}"/>
+                    </a:ext>
+                  </a:extLst>
+                </p:cNvPr>
+                <p:cNvSpPr txBox="1"/>
+                <p:nvPr/>
+              </p:nvSpPr>
+              <p:spPr>
+                <a:xfrm>
+                  <a:off x="8965302" y="2834107"/>
+                  <a:ext cx="2270878" cy="1808059"/>
+                </a:xfrm>
+                <a:prstGeom prst="rect">
+                  <a:avLst/>
+                </a:prstGeom>
+                <a:noFill/>
+              </p:spPr>
+              <p:txBody>
+                <a:bodyPr wrap="square" lIns="0" tIns="0" rIns="0" bIns="0" rtlCol="0">
+                  <a:spAutoFit/>
+                </a:bodyPr>
+                <a:lstStyle/>
+                <a:p>
+                  <a14:m>
+                    <m:oMathPara xmlns:m="http://schemas.openxmlformats.org/officeDocument/2006/math">
+                      <m:oMathParaPr>
+                        <m:jc m:val="centerGroup"/>
+                      </m:oMathParaPr>
+                      <m:oMath xmlns:m="http://schemas.openxmlformats.org/officeDocument/2006/math">
+                        <m:sSub>
+                          <m:sSubPr>
+                            <m:ctrlPr>
+                              <a:rPr lang="de-DE" sz="2400" i="1" smtClean="0">
+                                <a:solidFill>
+                                  <a:schemeClr val="tx1">
+                                    <a:lumMod val="75000"/>
+                                    <a:lumOff val="25000"/>
+                                  </a:schemeClr>
+                                </a:solidFill>
+                                <a:latin typeface="Cambria Math" panose="02040503050406030204" pitchFamily="18" charset="0"/>
+                              </a:rPr>
+                            </m:ctrlPr>
+                          </m:sSubPr>
+                          <m:e>
+                            <m:r>
+                              <a:rPr lang="de-DE" sz="2400" b="0" i="1" smtClean="0">
+                                <a:solidFill>
+                                  <a:schemeClr val="tx1">
+                                    <a:lumMod val="75000"/>
+                                    <a:lumOff val="25000"/>
+                                  </a:schemeClr>
+                                </a:solidFill>
+                                <a:latin typeface="Cambria Math" panose="02040503050406030204" pitchFamily="18" charset="0"/>
+                              </a:rPr>
+                              <m:t>𝐹</m:t>
+                            </m:r>
+                          </m:e>
+                          <m:sub>
+                            <m:r>
+                              <a:rPr lang="de-DE" sz="2400" b="0" i="1" smtClean="0">
+                                <a:solidFill>
+                                  <a:schemeClr val="tx1">
+                                    <a:lumMod val="75000"/>
+                                    <a:lumOff val="25000"/>
+                                  </a:schemeClr>
+                                </a:solidFill>
+                                <a:latin typeface="Cambria Math" panose="02040503050406030204" pitchFamily="18" charset="0"/>
+                              </a:rPr>
+                              <m:t>𝑧</m:t>
+                            </m:r>
+                          </m:sub>
+                        </m:sSub>
+                        <m:r>
+                          <a:rPr lang="de-DE" sz="2400" b="0" i="1" smtClean="0">
+                            <a:solidFill>
+                              <a:schemeClr val="tx1">
+                                <a:lumMod val="75000"/>
+                                <a:lumOff val="25000"/>
+                              </a:schemeClr>
+                            </a:solidFill>
+                            <a:latin typeface="Cambria Math" panose="02040503050406030204" pitchFamily="18" charset="0"/>
+                          </a:rPr>
+                          <m:t>=</m:t>
+                        </m:r>
+                        <m:f>
+                          <m:fPr>
+                            <m:ctrlPr>
+                              <a:rPr lang="de-DE" sz="2400" b="0" i="1" smtClean="0">
+                                <a:solidFill>
+                                  <a:schemeClr val="tx1">
+                                    <a:lumMod val="75000"/>
+                                    <a:lumOff val="25000"/>
+                                  </a:schemeClr>
+                                </a:solidFill>
+                                <a:latin typeface="Cambria Math" panose="02040503050406030204" pitchFamily="18" charset="0"/>
+                              </a:rPr>
+                            </m:ctrlPr>
+                          </m:fPr>
+                          <m:num>
+                            <m:r>
+                              <a:rPr lang="de-DE" sz="2400" b="0" i="1" smtClean="0">
+                                <a:solidFill>
+                                  <a:schemeClr val="tx1">
+                                    <a:lumMod val="75000"/>
+                                    <a:lumOff val="25000"/>
+                                  </a:schemeClr>
+                                </a:solidFill>
+                                <a:latin typeface="Cambria Math" panose="02040503050406030204" pitchFamily="18" charset="0"/>
+                              </a:rPr>
+                              <m:t>1</m:t>
+                            </m:r>
+                          </m:num>
+                          <m:den>
+                            <m:r>
+                              <a:rPr lang="de-DE" sz="2400" b="0" i="1" smtClean="0">
+                                <a:solidFill>
+                                  <a:schemeClr val="tx1">
+                                    <a:lumMod val="75000"/>
+                                    <a:lumOff val="25000"/>
+                                  </a:schemeClr>
+                                </a:solidFill>
+                                <a:latin typeface="Cambria Math" panose="02040503050406030204" pitchFamily="18" charset="0"/>
+                              </a:rPr>
+                              <m:t>𝑛</m:t>
+                            </m:r>
+                          </m:den>
+                        </m:f>
+                        <m:r>
+                          <a:rPr lang="de-DE" sz="2400" b="0" i="1" smtClean="0">
+                            <a:solidFill>
+                              <a:schemeClr val="tx1">
+                                <a:lumMod val="75000"/>
+                                <a:lumOff val="25000"/>
+                              </a:schemeClr>
+                            </a:solidFill>
+                            <a:latin typeface="Cambria Math" panose="02040503050406030204" pitchFamily="18" charset="0"/>
+                          </a:rPr>
+                          <m:t>∗</m:t>
+                        </m:r>
+                        <m:sSub>
+                          <m:sSubPr>
+                            <m:ctrlPr>
+                              <a:rPr lang="de-DE" sz="2400" b="0" i="1" smtClean="0">
+                                <a:solidFill>
+                                  <a:schemeClr val="tx1">
+                                    <a:lumMod val="75000"/>
+                                    <a:lumOff val="25000"/>
+                                  </a:schemeClr>
+                                </a:solidFill>
+                                <a:latin typeface="Cambria Math" panose="02040503050406030204" pitchFamily="18" charset="0"/>
+                              </a:rPr>
+                            </m:ctrlPr>
+                          </m:sSubPr>
+                          <m:e>
+                            <m:r>
+                              <a:rPr lang="de-DE" sz="2400" b="0" i="1" smtClean="0">
+                                <a:solidFill>
+                                  <a:schemeClr val="tx1">
+                                    <a:lumMod val="75000"/>
+                                    <a:lumOff val="25000"/>
+                                  </a:schemeClr>
+                                </a:solidFill>
+                                <a:latin typeface="Cambria Math" panose="02040503050406030204" pitchFamily="18" charset="0"/>
+                              </a:rPr>
+                              <m:t>𝐹</m:t>
+                            </m:r>
+                          </m:e>
+                          <m:sub>
+                            <m:r>
+                              <a:rPr lang="de-DE" sz="2400" b="0" i="1" smtClean="0">
+                                <a:solidFill>
+                                  <a:schemeClr val="tx1">
+                                    <a:lumMod val="75000"/>
+                                    <a:lumOff val="25000"/>
+                                  </a:schemeClr>
+                                </a:solidFill>
+                                <a:latin typeface="Cambria Math" panose="02040503050406030204" pitchFamily="18" charset="0"/>
+                              </a:rPr>
+                              <m:t>𝑙</m:t>
+                            </m:r>
+                          </m:sub>
+                        </m:sSub>
+                      </m:oMath>
+                    </m:oMathPara>
+                  </a14:m>
+                  <a:endParaRPr lang="de-DE" sz="2400" dirty="0"/>
+                </a:p>
+                <a:p>
+                  <a:endParaRPr lang="de-DE" sz="2400" dirty="0"/>
+                </a:p>
+                <a:p>
+                  <a:endParaRPr lang="de-DE" sz="2400" dirty="0"/>
+                </a:p>
+                <a:p>
+                  <a:endParaRPr lang="de-DE" sz="2400" dirty="0"/>
+                </a:p>
+              </p:txBody>
+            </p:sp>
+          </mc:Choice>
+          <mc:Fallback>
+            <p:sp>
+              <p:nvSpPr>
+                <p:cNvPr id="24" name="Textfeld 23">
+                  <a:extLst>
+                    <a:ext uri="{FF2B5EF4-FFF2-40B4-BE49-F238E27FC236}">
+                      <a16:creationId xmlns:a16="http://schemas.microsoft.com/office/drawing/2014/main" id="{41070E9C-D8A7-4DF9-9909-21032FE17013}"/>
+                    </a:ext>
+                  </a:extLst>
+                </p:cNvPr>
+                <p:cNvSpPr txBox="1">
+                  <a:spLocks noRot="1" noChangeAspect="1" noMove="1" noResize="1" noEditPoints="1" noAdjustHandles="1" noChangeArrowheads="1" noChangeShapeType="1" noTextEdit="1"/>
+                </p:cNvSpPr>
+                <p:nvPr/>
+              </p:nvSpPr>
+              <p:spPr>
+                <a:xfrm>
+                  <a:off x="8965302" y="2834107"/>
+                  <a:ext cx="2270878" cy="1808059"/>
+                </a:xfrm>
+                <a:prstGeom prst="rect">
+                  <a:avLst/>
+                </a:prstGeom>
+                <a:blipFill>
+                  <a:blip r:embed="rId8"/>
+                  <a:stretch>
+                    <a:fillRect/>
+                  </a:stretch>
+                </a:blipFill>
+              </p:spPr>
+              <p:txBody>
+                <a:bodyPr/>
+                <a:lstStyle/>
+                <a:p>
+                  <a:r>
+                    <a:rPr lang="de-DE">
+                      <a:noFill/>
+                    </a:rPr>
+                    <a:t> </a:t>
+                  </a:r>
+                </a:p>
+              </p:txBody>
+            </p:sp>
+          </mc:Fallback>
+        </mc:AlternateContent>
+      </p:grpSp>
+      <mc:AlternateContent xmlns:mc="http://schemas.openxmlformats.org/markup-compatibility/2006">
+        <mc:Choice xmlns:a14="http://schemas.microsoft.com/office/drawing/2010/main" Requires="a14">
+          <p:sp>
+            <p:nvSpPr>
+              <p:cNvPr id="22" name="Textfeld 21">
+                <a:extLst>
+                  <a:ext uri="{FF2B5EF4-FFF2-40B4-BE49-F238E27FC236}">
+                    <a16:creationId xmlns:a16="http://schemas.microsoft.com/office/drawing/2014/main" id="{1FD57DFC-ED72-469A-8928-F5804A9A26EB}"/>
+                  </a:ext>
+                </a:extLst>
+              </p:cNvPr>
+              <p:cNvSpPr txBox="1"/>
+              <p:nvPr/>
+            </p:nvSpPr>
+            <p:spPr>
+              <a:xfrm>
+                <a:off x="9529087" y="5036832"/>
+                <a:ext cx="1479444" cy="369332"/>
+              </a:xfrm>
+              <a:prstGeom prst="rect">
+                <a:avLst/>
+              </a:prstGeom>
+              <a:noFill/>
+            </p:spPr>
+            <p:txBody>
+              <a:bodyPr wrap="none" lIns="0" tIns="0" rIns="0" bIns="0" rtlCol="0">
+                <a:spAutoFit/>
+              </a:bodyPr>
+              <a:lstStyle/>
+              <a:p>
+                <a14:m>
+                  <m:oMathPara xmlns:m="http://schemas.openxmlformats.org/officeDocument/2006/math">
+                    <m:oMathParaPr>
+                      <m:jc m:val="centerGroup"/>
+                    </m:oMathParaPr>
+                    <m:oMath xmlns:m="http://schemas.openxmlformats.org/officeDocument/2006/math">
+                      <m:sSub>
+                        <m:sSubPr>
+                          <m:ctrlPr>
+                            <a:rPr lang="de-DE" sz="2400" i="1" smtClean="0">
+                              <a:solidFill>
+                                <a:schemeClr val="tx1">
+                                  <a:lumMod val="75000"/>
+                                  <a:lumOff val="25000"/>
+                                </a:schemeClr>
+                              </a:solidFill>
+                              <a:latin typeface="Cambria Math" panose="02040503050406030204" pitchFamily="18" charset="0"/>
+                            </a:rPr>
+                          </m:ctrlPr>
+                        </m:sSubPr>
+                        <m:e>
+                          <m:r>
+                            <a:rPr lang="de-DE" sz="2400" b="0" i="1" smtClean="0">
+                              <a:solidFill>
+                                <a:schemeClr val="tx1">
+                                  <a:lumMod val="75000"/>
+                                  <a:lumOff val="25000"/>
+                                </a:schemeClr>
+                              </a:solidFill>
+                              <a:latin typeface="Cambria Math" panose="02040503050406030204" pitchFamily="18" charset="0"/>
+                            </a:rPr>
+                            <m:t>𝑠</m:t>
+                          </m:r>
+                        </m:e>
+                        <m:sub>
+                          <m:r>
+                            <a:rPr lang="de-DE" sz="2400" b="0" i="1" smtClean="0">
+                              <a:solidFill>
+                                <a:schemeClr val="tx1">
+                                  <a:lumMod val="75000"/>
+                                  <a:lumOff val="25000"/>
+                                </a:schemeClr>
+                              </a:solidFill>
+                              <a:latin typeface="Cambria Math" panose="02040503050406030204" pitchFamily="18" charset="0"/>
+                            </a:rPr>
+                            <m:t>𝑧</m:t>
+                          </m:r>
+                        </m:sub>
+                      </m:sSub>
+                      <m:r>
+                        <a:rPr lang="de-DE" sz="2400" b="0" i="1" smtClean="0">
+                          <a:solidFill>
+                            <a:schemeClr val="tx1">
+                              <a:lumMod val="75000"/>
+                              <a:lumOff val="25000"/>
+                            </a:schemeClr>
+                          </a:solidFill>
+                          <a:latin typeface="Cambria Math" panose="02040503050406030204" pitchFamily="18" charset="0"/>
+                        </a:rPr>
+                        <m:t>=</m:t>
+                      </m:r>
+                      <m:r>
+                        <a:rPr lang="de-DE" sz="2400" b="0" i="1" smtClean="0">
+                          <a:solidFill>
+                            <a:schemeClr val="tx1">
+                              <a:lumMod val="75000"/>
+                              <a:lumOff val="25000"/>
+                            </a:schemeClr>
+                          </a:solidFill>
+                          <a:latin typeface="Cambria Math" panose="02040503050406030204" pitchFamily="18" charset="0"/>
+                        </a:rPr>
+                        <m:t>𝑛</m:t>
+                      </m:r>
+                      <m:r>
+                        <a:rPr lang="de-DE" sz="2400" b="0" i="1" smtClean="0">
+                          <a:solidFill>
+                            <a:schemeClr val="tx1">
+                              <a:lumMod val="75000"/>
+                              <a:lumOff val="25000"/>
+                            </a:schemeClr>
+                          </a:solidFill>
+                          <a:latin typeface="Cambria Math" panose="02040503050406030204" pitchFamily="18" charset="0"/>
+                        </a:rPr>
+                        <m:t>∗</m:t>
+                      </m:r>
+                      <m:sSub>
+                        <m:sSubPr>
+                          <m:ctrlPr>
+                            <a:rPr lang="de-DE" sz="2400" b="0" i="1" smtClean="0">
+                              <a:solidFill>
+                                <a:schemeClr val="tx1">
+                                  <a:lumMod val="75000"/>
+                                  <a:lumOff val="25000"/>
+                                </a:schemeClr>
+                              </a:solidFill>
+                              <a:latin typeface="Cambria Math" panose="02040503050406030204" pitchFamily="18" charset="0"/>
+                            </a:rPr>
+                          </m:ctrlPr>
+                        </m:sSubPr>
+                        <m:e>
+                          <m:r>
+                            <a:rPr lang="de-DE" sz="2400" b="0" i="1" smtClean="0">
+                              <a:solidFill>
+                                <a:schemeClr val="tx1">
+                                  <a:lumMod val="75000"/>
+                                  <a:lumOff val="25000"/>
+                                </a:schemeClr>
+                              </a:solidFill>
+                              <a:latin typeface="Cambria Math" panose="02040503050406030204" pitchFamily="18" charset="0"/>
+                            </a:rPr>
+                            <m:t>𝑠</m:t>
+                          </m:r>
+                        </m:e>
+                        <m:sub>
+                          <m:r>
+                            <a:rPr lang="de-DE" sz="2400" b="0" i="1" smtClean="0">
+                              <a:solidFill>
+                                <a:schemeClr val="tx1">
+                                  <a:lumMod val="75000"/>
+                                  <a:lumOff val="25000"/>
+                                </a:schemeClr>
+                              </a:solidFill>
+                              <a:latin typeface="Cambria Math" panose="02040503050406030204" pitchFamily="18" charset="0"/>
+                            </a:rPr>
+                            <m:t>𝐿</m:t>
+                          </m:r>
+                        </m:sub>
+                      </m:sSub>
+                    </m:oMath>
+                  </m:oMathPara>
+                </a14:m>
+                <a:endParaRPr lang="de-DE" sz="2400" dirty="0"/>
+              </a:p>
+            </p:txBody>
+          </p:sp>
+        </mc:Choice>
+        <mc:Fallback>
+          <p:sp>
+            <p:nvSpPr>
+              <p:cNvPr id="22" name="Textfeld 21">
+                <a:extLst>
+                  <a:ext uri="{FF2B5EF4-FFF2-40B4-BE49-F238E27FC236}">
+                    <a16:creationId xmlns:a16="http://schemas.microsoft.com/office/drawing/2014/main" id="{1FD57DFC-ED72-469A-8928-F5804A9A26EB}"/>
+                  </a:ext>
+                </a:extLst>
+              </p:cNvPr>
+              <p:cNvSpPr txBox="1">
+                <a:spLocks noRot="1" noChangeAspect="1" noMove="1" noResize="1" noEditPoints="1" noAdjustHandles="1" noChangeArrowheads="1" noChangeShapeType="1" noTextEdit="1"/>
+              </p:cNvSpPr>
+              <p:nvPr/>
+            </p:nvSpPr>
+            <p:spPr>
+              <a:xfrm>
+                <a:off x="9529087" y="5036832"/>
+                <a:ext cx="1479444" cy="369332"/>
+              </a:xfrm>
+              <a:prstGeom prst="rect">
+                <a:avLst/>
+              </a:prstGeom>
+              <a:blipFill>
+                <a:blip r:embed="rId9"/>
+                <a:stretch>
+                  <a:fillRect l="-2058" r="-823" b="-13115"/>
+                </a:stretch>
+              </a:blipFill>
+            </p:spPr>
+            <p:txBody>
+              <a:bodyPr/>
+              <a:lstStyle/>
+              <a:p>
+                <a:r>
+                  <a:rPr lang="de-DE">
+                    <a:noFill/>
+                  </a:rPr>
+                  <a:t> </a:t>
+                </a:r>
+              </a:p>
+            </p:txBody>
+          </p:sp>
+        </mc:Fallback>
+      </mc:AlternateContent>
     </p:spTree>
     <p:extLst>
       <p:ext uri="{BB962C8B-B14F-4D97-AF65-F5344CB8AC3E}">
-        <p14:creationId xmlns:p14="http://schemas.microsoft.com/office/powerpoint/2010/main" val="19940520"/>
+        <p14:creationId xmlns:p14="http://schemas.microsoft.com/office/powerpoint/2010/main" val="2216632310"/>
       </p:ext>
     </p:extLst>
   </p:cSld>
@@ -4283,15 +5394,7 @@
             </a:r>
             <a:r>
               <a:rPr lang="en-US" dirty="0"/>
-              <a:t>, Lukas </a:t>
-            </a:r>
-            <a:r>
-              <a:rPr lang="en-US" dirty="0" err="1"/>
-              <a:t>Mönch</a:t>
-            </a:r>
-            <a:r>
-              <a:rPr lang="en-US" dirty="0"/>
-              <a:t>, Sebastian Bauer Timo Schaaf</a:t>
+              <a:t>, Lukas Mönch, Sebastian Bauer Timo Schaaf</a:t>
             </a:r>
           </a:p>
         </p:txBody>
@@ -4352,390 +5455,1897 @@
                   <a:schemeClr val="bg1"/>
                 </a:solidFill>
               </a:rPr>
-              <a:t>Nicht Modelliert </a:t>
-            </a:r>
-          </a:p>
-        </p:txBody>
-      </p:sp>
-      <p:sp>
-        <p:nvSpPr>
-          <p:cNvPr id="2" name="Textfeld 1">
+              <a:t>Übersicht Hauptkomponenten</a:t>
+            </a:r>
+          </a:p>
+        </p:txBody>
+      </p:sp>
+      <p:graphicFrame>
+        <p:nvGraphicFramePr>
+          <p:cNvPr id="4" name="Tabelle 4">
             <a:extLst>
               <a:ext uri="{FF2B5EF4-FFF2-40B4-BE49-F238E27FC236}">
-                <a16:creationId xmlns:a16="http://schemas.microsoft.com/office/drawing/2014/main" id="{5236016B-2DCE-1E44-906A-AC5D06DA492F}"/>
+                <a16:creationId xmlns:a16="http://schemas.microsoft.com/office/drawing/2014/main" id="{ADB79E0A-CE79-4AF7-BFF6-53733BDB0DD2}"/>
               </a:ext>
             </a:extLst>
           </p:cNvPr>
-          <p:cNvSpPr txBox="1"/>
-          <p:nvPr/>
-        </p:nvSpPr>
-        <p:spPr>
-          <a:xfrm>
-            <a:off x="577048" y="1207361"/>
-            <a:ext cx="2592280" cy="646331"/>
-          </a:xfrm>
-          <a:prstGeom prst="rect">
-            <a:avLst/>
-          </a:prstGeom>
-          <a:noFill/>
-        </p:spPr>
-        <p:txBody>
-          <a:bodyPr wrap="square" rtlCol="0">
-            <a:spAutoFit/>
-          </a:bodyPr>
-          <a:lstStyle/>
-          <a:p>
-            <a:r>
-              <a:rPr lang="de-DE" dirty="0"/>
-              <a:t>Spannungsquelle</a:t>
-            </a:r>
-          </a:p>
-          <a:p>
-            <a:r>
-              <a:rPr lang="de-DE" dirty="0"/>
-              <a:t>Wechselspannung</a:t>
-            </a:r>
-          </a:p>
-        </p:txBody>
-      </p:sp>
-      <p:sp>
-        <p:nvSpPr>
-          <p:cNvPr id="8" name="Textfeld 7">
+          <p:cNvGraphicFramePr>
+            <a:graphicFrameLocks noGrp="1"/>
+          </p:cNvGraphicFramePr>
+          <p:nvPr>
+            <p:extLst>
+              <p:ext uri="{D42A27DB-BD31-4B8C-83A1-F6EECF244321}">
+                <p14:modId xmlns:p14="http://schemas.microsoft.com/office/powerpoint/2010/main" val="1058153951"/>
+              </p:ext>
+            </p:extLst>
+          </p:nvPr>
+        </p:nvGraphicFramePr>
+        <p:xfrm>
+          <a:off x="416589" y="828358"/>
+          <a:ext cx="11358822" cy="2367280"/>
+        </p:xfrm>
+        <a:graphic>
+          <a:graphicData uri="http://schemas.openxmlformats.org/drawingml/2006/table">
+            <a:tbl>
+              <a:tblPr firstRow="1" bandRow="1">
+                <a:tableStyleId>{F5AB1C69-6EDB-4FF4-983F-18BD219EF322}</a:tableStyleId>
+              </a:tblPr>
+              <a:tblGrid>
+                <a:gridCol w="1895707">
+                  <a:extLst>
+                    <a:ext uri="{9D8B030D-6E8A-4147-A177-3AD203B41FA5}">
+                      <a16:colId xmlns:a16="http://schemas.microsoft.com/office/drawing/2014/main" val="1206153376"/>
+                    </a:ext>
+                  </a:extLst>
+                </a:gridCol>
+                <a:gridCol w="2806114">
+                  <a:extLst>
+                    <a:ext uri="{9D8B030D-6E8A-4147-A177-3AD203B41FA5}">
+                      <a16:colId xmlns:a16="http://schemas.microsoft.com/office/drawing/2014/main" val="962319081"/>
+                    </a:ext>
+                  </a:extLst>
+                </a:gridCol>
+                <a:gridCol w="3389970">
+                  <a:extLst>
+                    <a:ext uri="{9D8B030D-6E8A-4147-A177-3AD203B41FA5}">
+                      <a16:colId xmlns:a16="http://schemas.microsoft.com/office/drawing/2014/main" val="4091208672"/>
+                    </a:ext>
+                  </a:extLst>
+                </a:gridCol>
+                <a:gridCol w="3267031">
+                  <a:extLst>
+                    <a:ext uri="{9D8B030D-6E8A-4147-A177-3AD203B41FA5}">
+                      <a16:colId xmlns:a16="http://schemas.microsoft.com/office/drawing/2014/main" val="2082513092"/>
+                    </a:ext>
+                  </a:extLst>
+                </a:gridCol>
+              </a:tblGrid>
+              <a:tr h="370840">
+                <a:tc>
+                  <a:txBody>
+                    <a:bodyPr/>
+                    <a:lstStyle/>
+                    <a:p>
+                      <a:endParaRPr lang="de-DE" dirty="0"/>
+                    </a:p>
+                  </a:txBody>
+                  <a:tcPr>
+                    <a:lnL w="12700" cap="flat" cmpd="sng" algn="ctr">
+                      <a:noFill/>
+                      <a:prstDash val="solid"/>
+                      <a:round/>
+                      <a:headEnd type="none" w="med" len="med"/>
+                      <a:tailEnd type="none" w="med" len="med"/>
+                    </a:lnL>
+                    <a:lnR w="12700" cap="flat" cmpd="sng" algn="ctr">
+                      <a:noFill/>
+                      <a:prstDash val="solid"/>
+                      <a:round/>
+                      <a:headEnd type="none" w="med" len="med"/>
+                      <a:tailEnd type="none" w="med" len="med"/>
+                    </a:lnR>
+                    <a:lnT w="12700" cap="flat" cmpd="sng" algn="ctr">
+                      <a:noFill/>
+                      <a:prstDash val="solid"/>
+                      <a:round/>
+                      <a:headEnd type="none" w="med" len="med"/>
+                      <a:tailEnd type="none" w="med" len="med"/>
+                    </a:lnT>
+                    <a:lnB w="12700" cap="flat" cmpd="sng" algn="ctr">
+                      <a:solidFill>
+                        <a:schemeClr val="tx1"/>
+                      </a:solidFill>
+                      <a:prstDash val="solid"/>
+                      <a:round/>
+                      <a:headEnd type="none" w="med" len="med"/>
+                      <a:tailEnd type="none" w="med" len="med"/>
+                    </a:lnB>
+                    <a:lnTlToBr w="12700" cmpd="sng">
+                      <a:noFill/>
+                      <a:prstDash val="solid"/>
+                    </a:lnTlToBr>
+                    <a:lnBlToTr w="12700" cmpd="sng">
+                      <a:noFill/>
+                      <a:prstDash val="solid"/>
+                    </a:lnBlToTr>
+                  </a:tcPr>
+                </a:tc>
+                <a:tc>
+                  <a:txBody>
+                    <a:bodyPr/>
+                    <a:lstStyle/>
+                    <a:p>
+                      <a:pPr algn="ctr"/>
+                      <a:r>
+                        <a:rPr lang="de-DE" b="0" dirty="0"/>
+                        <a:t>Spannungsquelle</a:t>
+                      </a:r>
+                    </a:p>
+                  </a:txBody>
+                  <a:tcPr>
+                    <a:lnL w="12700" cap="flat" cmpd="sng" algn="ctr">
+                      <a:noFill/>
+                      <a:prstDash val="solid"/>
+                      <a:round/>
+                      <a:headEnd type="none" w="med" len="med"/>
+                      <a:tailEnd type="none" w="med" len="med"/>
+                    </a:lnL>
+                    <a:lnR w="12700" cap="flat" cmpd="sng" algn="ctr">
+                      <a:noFill/>
+                      <a:prstDash val="solid"/>
+                      <a:round/>
+                      <a:headEnd type="none" w="med" len="med"/>
+                      <a:tailEnd type="none" w="med" len="med"/>
+                    </a:lnR>
+                    <a:lnT w="12700" cap="flat" cmpd="sng" algn="ctr">
+                      <a:noFill/>
+                      <a:prstDash val="solid"/>
+                      <a:round/>
+                      <a:headEnd type="none" w="med" len="med"/>
+                      <a:tailEnd type="none" w="med" len="med"/>
+                    </a:lnT>
+                    <a:lnB w="12700" cap="flat" cmpd="sng" algn="ctr">
+                      <a:solidFill>
+                        <a:schemeClr val="tx1"/>
+                      </a:solidFill>
+                      <a:prstDash val="solid"/>
+                      <a:round/>
+                      <a:headEnd type="none" w="med" len="med"/>
+                      <a:tailEnd type="none" w="med" len="med"/>
+                    </a:lnB>
+                    <a:lnTlToBr w="12700" cmpd="sng">
+                      <a:noFill/>
+                      <a:prstDash val="solid"/>
+                    </a:lnTlToBr>
+                    <a:lnBlToTr w="12700" cmpd="sng">
+                      <a:noFill/>
+                      <a:prstDash val="solid"/>
+                    </a:lnBlToTr>
+                  </a:tcPr>
+                </a:tc>
+                <a:tc>
+                  <a:txBody>
+                    <a:bodyPr/>
+                    <a:lstStyle/>
+                    <a:p>
+                      <a:pPr algn="ctr"/>
+                      <a:r>
+                        <a:rPr lang="de-DE" b="0" dirty="0"/>
+                        <a:t>Motor</a:t>
+                      </a:r>
+                    </a:p>
+                  </a:txBody>
+                  <a:tcPr>
+                    <a:lnL w="12700" cap="flat" cmpd="sng" algn="ctr">
+                      <a:noFill/>
+                      <a:prstDash val="solid"/>
+                      <a:round/>
+                      <a:headEnd type="none" w="med" len="med"/>
+                      <a:tailEnd type="none" w="med" len="med"/>
+                    </a:lnL>
+                    <a:lnR w="12700" cap="flat" cmpd="sng" algn="ctr">
+                      <a:noFill/>
+                      <a:prstDash val="solid"/>
+                      <a:round/>
+                      <a:headEnd type="none" w="med" len="med"/>
+                      <a:tailEnd type="none" w="med" len="med"/>
+                    </a:lnR>
+                    <a:lnT w="12700" cap="flat" cmpd="sng" algn="ctr">
+                      <a:noFill/>
+                      <a:prstDash val="solid"/>
+                      <a:round/>
+                      <a:headEnd type="none" w="med" len="med"/>
+                      <a:tailEnd type="none" w="med" len="med"/>
+                    </a:lnT>
+                    <a:lnB w="12700" cap="flat" cmpd="sng" algn="ctr">
+                      <a:solidFill>
+                        <a:schemeClr val="tx1"/>
+                      </a:solidFill>
+                      <a:prstDash val="solid"/>
+                      <a:round/>
+                      <a:headEnd type="none" w="med" len="med"/>
+                      <a:tailEnd type="none" w="med" len="med"/>
+                    </a:lnB>
+                    <a:lnTlToBr w="12700" cmpd="sng">
+                      <a:noFill/>
+                      <a:prstDash val="solid"/>
+                    </a:lnTlToBr>
+                    <a:lnBlToTr w="12700" cmpd="sng">
+                      <a:noFill/>
+                      <a:prstDash val="solid"/>
+                    </a:lnBlToTr>
+                  </a:tcPr>
+                </a:tc>
+                <a:tc>
+                  <a:txBody>
+                    <a:bodyPr/>
+                    <a:lstStyle/>
+                    <a:p>
+                      <a:pPr algn="ctr"/>
+                      <a:r>
+                        <a:rPr lang="de-DE" b="0" dirty="0"/>
+                        <a:t>Getriebe</a:t>
+                      </a:r>
+                    </a:p>
+                  </a:txBody>
+                  <a:tcPr>
+                    <a:lnL w="12700" cap="flat" cmpd="sng" algn="ctr">
+                      <a:noFill/>
+                      <a:prstDash val="solid"/>
+                      <a:round/>
+                      <a:headEnd type="none" w="med" len="med"/>
+                      <a:tailEnd type="none" w="med" len="med"/>
+                    </a:lnL>
+                    <a:lnR w="12700" cap="flat" cmpd="sng" algn="ctr">
+                      <a:noFill/>
+                      <a:prstDash val="solid"/>
+                      <a:round/>
+                      <a:headEnd type="none" w="med" len="med"/>
+                      <a:tailEnd type="none" w="med" len="med"/>
+                    </a:lnR>
+                    <a:lnT w="12700" cap="flat" cmpd="sng" algn="ctr">
+                      <a:noFill/>
+                      <a:prstDash val="solid"/>
+                      <a:round/>
+                      <a:headEnd type="none" w="med" len="med"/>
+                      <a:tailEnd type="none" w="med" len="med"/>
+                    </a:lnT>
+                    <a:lnB w="12700" cap="flat" cmpd="sng" algn="ctr">
+                      <a:solidFill>
+                        <a:schemeClr val="tx1"/>
+                      </a:solidFill>
+                      <a:prstDash val="solid"/>
+                      <a:round/>
+                      <a:headEnd type="none" w="med" len="med"/>
+                      <a:tailEnd type="none" w="med" len="med"/>
+                    </a:lnB>
+                    <a:lnTlToBr w="12700" cmpd="sng">
+                      <a:noFill/>
+                      <a:prstDash val="solid"/>
+                    </a:lnTlToBr>
+                    <a:lnBlToTr w="12700" cmpd="sng">
+                      <a:noFill/>
+                      <a:prstDash val="solid"/>
+                    </a:lnBlToTr>
+                  </a:tcPr>
+                </a:tc>
+                <a:extLst>
+                  <a:ext uri="{0D108BD9-81ED-4DB2-BD59-A6C34878D82A}">
+                    <a16:rowId xmlns:a16="http://schemas.microsoft.com/office/drawing/2014/main" val="1472427771"/>
+                  </a:ext>
+                </a:extLst>
+              </a:tr>
+              <a:tr h="370840">
+                <a:tc>
+                  <a:txBody>
+                    <a:bodyPr/>
+                    <a:lstStyle/>
+                    <a:p>
+                      <a:r>
+                        <a:rPr lang="de-DE" sz="1700" dirty="0"/>
+                        <a:t>Modelliert</a:t>
+                      </a:r>
+                    </a:p>
+                  </a:txBody>
+                  <a:tcPr>
+                    <a:lnL w="12700" cap="flat" cmpd="sng" algn="ctr">
+                      <a:solidFill>
+                        <a:schemeClr val="tx1"/>
+                      </a:solidFill>
+                      <a:prstDash val="solid"/>
+                      <a:round/>
+                      <a:headEnd type="none" w="med" len="med"/>
+                      <a:tailEnd type="none" w="med" len="med"/>
+                    </a:lnL>
+                    <a:lnR w="12700" cap="flat" cmpd="sng" algn="ctr">
+                      <a:solidFill>
+                        <a:schemeClr val="tx1"/>
+                      </a:solidFill>
+                      <a:prstDash val="solid"/>
+                      <a:round/>
+                      <a:headEnd type="none" w="med" len="med"/>
+                      <a:tailEnd type="none" w="med" len="med"/>
+                    </a:lnR>
+                    <a:lnT w="12700" cap="flat" cmpd="sng" algn="ctr">
+                      <a:solidFill>
+                        <a:schemeClr val="tx1"/>
+                      </a:solidFill>
+                      <a:prstDash val="solid"/>
+                      <a:round/>
+                      <a:headEnd type="none" w="med" len="med"/>
+                      <a:tailEnd type="none" w="med" len="med"/>
+                    </a:lnT>
+                    <a:lnB w="12700" cap="flat" cmpd="sng" algn="ctr">
+                      <a:solidFill>
+                        <a:schemeClr val="tx1"/>
+                      </a:solidFill>
+                      <a:prstDash val="solid"/>
+                      <a:round/>
+                      <a:headEnd type="none" w="med" len="med"/>
+                      <a:tailEnd type="none" w="med" len="med"/>
+                    </a:lnB>
+                    <a:lnTlToBr w="12700" cmpd="sng">
+                      <a:noFill/>
+                      <a:prstDash val="solid"/>
+                    </a:lnTlToBr>
+                    <a:lnBlToTr w="12700" cmpd="sng">
+                      <a:noFill/>
+                      <a:prstDash val="solid"/>
+                    </a:lnBlToTr>
+                    <a:solidFill>
+                      <a:schemeClr val="bg1">
+                        <a:lumMod val="85000"/>
+                      </a:schemeClr>
+                    </a:solidFill>
+                  </a:tcPr>
+                </a:tc>
+                <a:tc>
+                  <a:txBody>
+                    <a:bodyPr/>
+                    <a:lstStyle/>
+                    <a:p>
+                      <a:pPr marL="285750" indent="-285750">
+                        <a:buFont typeface="Arial" panose="020B0604020202020204" pitchFamily="34" charset="0"/>
+                        <a:buChar char="•"/>
+                      </a:pPr>
+                      <a:r>
+                        <a:rPr lang="de-DE" sz="1700" dirty="0"/>
+                        <a:t>Spannungssignale:</a:t>
+                      </a:r>
+                    </a:p>
+                    <a:p>
+                      <a:pPr marL="285750" indent="-285750">
+                        <a:buFont typeface="Arial" panose="020B0604020202020204" pitchFamily="34" charset="0"/>
+                        <a:buChar char="•"/>
+                      </a:pPr>
+                      <a:r>
+                        <a:rPr lang="de-DE" sz="1700" dirty="0"/>
+                        <a:t>Kontinuierlich</a:t>
+                      </a:r>
+                    </a:p>
+                    <a:p>
+                      <a:pPr marL="285750" indent="-285750">
+                        <a:buFont typeface="Arial" panose="020B0604020202020204" pitchFamily="34" charset="0"/>
+                        <a:buChar char="•"/>
+                      </a:pPr>
+                      <a:r>
+                        <a:rPr lang="de-DE" sz="1700" dirty="0"/>
+                        <a:t>Diskontinuierlich</a:t>
+                      </a:r>
+                    </a:p>
+                    <a:p>
+                      <a:pPr marL="285750" indent="-285750">
+                        <a:buFont typeface="Arial" panose="020B0604020202020204" pitchFamily="34" charset="0"/>
+                        <a:buChar char="•"/>
+                      </a:pPr>
+                      <a:r>
+                        <a:rPr lang="de-DE" sz="1700" dirty="0"/>
+                        <a:t>Steuerbar</a:t>
+                      </a:r>
+                    </a:p>
+                  </a:txBody>
+                  <a:tcPr>
+                    <a:lnL w="12700" cap="flat" cmpd="sng" algn="ctr">
+                      <a:solidFill>
+                        <a:schemeClr val="tx1"/>
+                      </a:solidFill>
+                      <a:prstDash val="solid"/>
+                      <a:round/>
+                      <a:headEnd type="none" w="med" len="med"/>
+                      <a:tailEnd type="none" w="med" len="med"/>
+                    </a:lnL>
+                    <a:lnR w="12700" cap="flat" cmpd="sng" algn="ctr">
+                      <a:solidFill>
+                        <a:schemeClr val="tx1"/>
+                      </a:solidFill>
+                      <a:prstDash val="solid"/>
+                      <a:round/>
+                      <a:headEnd type="none" w="med" len="med"/>
+                      <a:tailEnd type="none" w="med" len="med"/>
+                    </a:lnR>
+                    <a:lnT w="12700" cap="flat" cmpd="sng" algn="ctr">
+                      <a:solidFill>
+                        <a:schemeClr val="tx1"/>
+                      </a:solidFill>
+                      <a:prstDash val="solid"/>
+                      <a:round/>
+                      <a:headEnd type="none" w="med" len="med"/>
+                      <a:tailEnd type="none" w="med" len="med"/>
+                    </a:lnT>
+                    <a:lnB w="12700" cap="flat" cmpd="sng" algn="ctr">
+                      <a:solidFill>
+                        <a:schemeClr val="tx1"/>
+                      </a:solidFill>
+                      <a:prstDash val="solid"/>
+                      <a:round/>
+                      <a:headEnd type="none" w="med" len="med"/>
+                      <a:tailEnd type="none" w="med" len="med"/>
+                    </a:lnB>
+                    <a:lnTlToBr w="12700" cmpd="sng">
+                      <a:noFill/>
+                      <a:prstDash val="solid"/>
+                    </a:lnTlToBr>
+                    <a:lnBlToTr w="12700" cmpd="sng">
+                      <a:noFill/>
+                      <a:prstDash val="solid"/>
+                    </a:lnBlToTr>
+                    <a:solidFill>
+                      <a:schemeClr val="bg1">
+                        <a:lumMod val="85000"/>
+                      </a:schemeClr>
+                    </a:solidFill>
+                  </a:tcPr>
+                </a:tc>
+                <a:tc>
+                  <a:txBody>
+                    <a:bodyPr/>
+                    <a:lstStyle/>
+                    <a:p>
+                      <a:pPr marL="285750" indent="-285750">
+                        <a:buFont typeface="Arial" panose="020B0604020202020204" pitchFamily="34" charset="0"/>
+                        <a:buChar char="•"/>
+                      </a:pPr>
+                      <a:r>
+                        <a:rPr lang="de-DE" sz="1700" dirty="0"/>
+                        <a:t>Einphasiger Betrieb</a:t>
+                      </a:r>
+                    </a:p>
+                    <a:p>
+                      <a:pPr marL="285750" indent="-285750">
+                        <a:buFont typeface="Arial" panose="020B0604020202020204" pitchFamily="34" charset="0"/>
+                        <a:buChar char="•"/>
+                      </a:pPr>
+                      <a:r>
+                        <a:rPr lang="de-DE" sz="1700" dirty="0"/>
+                        <a:t>Drehrichtung variabel</a:t>
+                      </a:r>
+                    </a:p>
+                    <a:p>
+                      <a:pPr marL="285750" indent="-285750">
+                        <a:buFont typeface="Arial" panose="020B0604020202020204" pitchFamily="34" charset="0"/>
+                        <a:buChar char="•"/>
+                      </a:pPr>
+                      <a:r>
+                        <a:rPr lang="de-DE" sz="1700" dirty="0"/>
+                        <a:t>Motorisch und </a:t>
+                      </a:r>
+                      <a:r>
+                        <a:rPr lang="de-DE" sz="1700" dirty="0" err="1"/>
+                        <a:t>Generatorischer</a:t>
+                      </a:r>
+                      <a:r>
+                        <a:rPr lang="de-DE" sz="1700" dirty="0"/>
+                        <a:t> Betrieb</a:t>
+                      </a:r>
+                    </a:p>
+                  </a:txBody>
+                  <a:tcPr>
+                    <a:lnL w="12700" cap="flat" cmpd="sng" algn="ctr">
+                      <a:solidFill>
+                        <a:schemeClr val="tx1"/>
+                      </a:solidFill>
+                      <a:prstDash val="solid"/>
+                      <a:round/>
+                      <a:headEnd type="none" w="med" len="med"/>
+                      <a:tailEnd type="none" w="med" len="med"/>
+                    </a:lnL>
+                    <a:lnR w="12700" cap="flat" cmpd="sng" algn="ctr">
+                      <a:solidFill>
+                        <a:schemeClr val="tx1"/>
+                      </a:solidFill>
+                      <a:prstDash val="solid"/>
+                      <a:round/>
+                      <a:headEnd type="none" w="med" len="med"/>
+                      <a:tailEnd type="none" w="med" len="med"/>
+                    </a:lnR>
+                    <a:lnT w="12700" cap="flat" cmpd="sng" algn="ctr">
+                      <a:solidFill>
+                        <a:schemeClr val="tx1"/>
+                      </a:solidFill>
+                      <a:prstDash val="solid"/>
+                      <a:round/>
+                      <a:headEnd type="none" w="med" len="med"/>
+                      <a:tailEnd type="none" w="med" len="med"/>
+                    </a:lnT>
+                    <a:lnB w="12700" cap="flat" cmpd="sng" algn="ctr">
+                      <a:solidFill>
+                        <a:schemeClr val="tx1"/>
+                      </a:solidFill>
+                      <a:prstDash val="solid"/>
+                      <a:round/>
+                      <a:headEnd type="none" w="med" len="med"/>
+                      <a:tailEnd type="none" w="med" len="med"/>
+                    </a:lnB>
+                    <a:lnTlToBr w="12700" cmpd="sng">
+                      <a:noFill/>
+                      <a:prstDash val="solid"/>
+                    </a:lnTlToBr>
+                    <a:lnBlToTr w="12700" cmpd="sng">
+                      <a:noFill/>
+                      <a:prstDash val="solid"/>
+                    </a:lnBlToTr>
+                    <a:solidFill>
+                      <a:schemeClr val="bg1">
+                        <a:lumMod val="85000"/>
+                      </a:schemeClr>
+                    </a:solidFill>
+                  </a:tcPr>
+                </a:tc>
+                <a:tc>
+                  <a:txBody>
+                    <a:bodyPr/>
+                    <a:lstStyle/>
+                    <a:p>
+                      <a:pPr marL="285750" indent="-285750">
+                        <a:buFont typeface="Arial" panose="020B0604020202020204" pitchFamily="34" charset="0"/>
+                        <a:buChar char="•"/>
+                      </a:pPr>
+                      <a:r>
+                        <a:rPr lang="de-DE" sz="1700" dirty="0"/>
+                        <a:t>Übersetzungsverhältnis</a:t>
+                      </a:r>
+                    </a:p>
+                    <a:p>
+                      <a:pPr marL="285750" indent="-285750">
+                        <a:buFont typeface="Arial" panose="020B0604020202020204" pitchFamily="34" charset="0"/>
+                        <a:buChar char="•"/>
+                      </a:pPr>
+                      <a:r>
+                        <a:rPr lang="de-DE" sz="1700" dirty="0"/>
+                        <a:t>Wirkungsgrad</a:t>
+                      </a:r>
+                    </a:p>
+                    <a:p>
+                      <a:pPr marL="285750" indent="-285750">
+                        <a:buFont typeface="Arial" panose="020B0604020202020204" pitchFamily="34" charset="0"/>
+                        <a:buChar char="•"/>
+                      </a:pPr>
+                      <a:r>
+                        <a:rPr lang="de-DE" sz="1700" dirty="0"/>
+                        <a:t>Trägheit</a:t>
+                      </a:r>
+                    </a:p>
+                    <a:p>
+                      <a:endParaRPr lang="de-DE" sz="1700" dirty="0"/>
+                    </a:p>
+                  </a:txBody>
+                  <a:tcPr>
+                    <a:lnL w="12700" cap="flat" cmpd="sng" algn="ctr">
+                      <a:solidFill>
+                        <a:schemeClr val="tx1"/>
+                      </a:solidFill>
+                      <a:prstDash val="solid"/>
+                      <a:round/>
+                      <a:headEnd type="none" w="med" len="med"/>
+                      <a:tailEnd type="none" w="med" len="med"/>
+                    </a:lnL>
+                    <a:lnR w="12700" cap="flat" cmpd="sng" algn="ctr">
+                      <a:solidFill>
+                        <a:schemeClr val="tx1"/>
+                      </a:solidFill>
+                      <a:prstDash val="solid"/>
+                      <a:round/>
+                      <a:headEnd type="none" w="med" len="med"/>
+                      <a:tailEnd type="none" w="med" len="med"/>
+                    </a:lnR>
+                    <a:lnT w="12700" cap="flat" cmpd="sng" algn="ctr">
+                      <a:solidFill>
+                        <a:schemeClr val="tx1"/>
+                      </a:solidFill>
+                      <a:prstDash val="solid"/>
+                      <a:round/>
+                      <a:headEnd type="none" w="med" len="med"/>
+                      <a:tailEnd type="none" w="med" len="med"/>
+                    </a:lnT>
+                    <a:lnB w="12700" cap="flat" cmpd="sng" algn="ctr">
+                      <a:solidFill>
+                        <a:schemeClr val="tx1"/>
+                      </a:solidFill>
+                      <a:prstDash val="solid"/>
+                      <a:round/>
+                      <a:headEnd type="none" w="med" len="med"/>
+                      <a:tailEnd type="none" w="med" len="med"/>
+                    </a:lnB>
+                    <a:lnTlToBr w="12700" cmpd="sng">
+                      <a:noFill/>
+                      <a:prstDash val="solid"/>
+                    </a:lnTlToBr>
+                    <a:lnBlToTr w="12700" cmpd="sng">
+                      <a:noFill/>
+                      <a:prstDash val="solid"/>
+                    </a:lnBlToTr>
+                    <a:solidFill>
+                      <a:schemeClr val="bg1">
+                        <a:lumMod val="85000"/>
+                      </a:schemeClr>
+                    </a:solidFill>
+                  </a:tcPr>
+                </a:tc>
+                <a:extLst>
+                  <a:ext uri="{0D108BD9-81ED-4DB2-BD59-A6C34878D82A}">
+                    <a16:rowId xmlns:a16="http://schemas.microsoft.com/office/drawing/2014/main" val="1207695137"/>
+                  </a:ext>
+                </a:extLst>
+              </a:tr>
+              <a:tr h="370840">
+                <a:tc>
+                  <a:txBody>
+                    <a:bodyPr/>
+                    <a:lstStyle/>
+                    <a:p>
+                      <a:pPr algn="l"/>
+                      <a:r>
+                        <a:rPr lang="de-DE" sz="1700" dirty="0"/>
+                        <a:t>Nicht Modelliert</a:t>
+                      </a:r>
+                    </a:p>
+                  </a:txBody>
+                  <a:tcPr>
+                    <a:lnL w="12700" cap="flat" cmpd="sng" algn="ctr">
+                      <a:solidFill>
+                        <a:schemeClr val="tx1"/>
+                      </a:solidFill>
+                      <a:prstDash val="solid"/>
+                      <a:round/>
+                      <a:headEnd type="none" w="med" len="med"/>
+                      <a:tailEnd type="none" w="med" len="med"/>
+                    </a:lnL>
+                    <a:lnR w="12700" cap="flat" cmpd="sng" algn="ctr">
+                      <a:solidFill>
+                        <a:schemeClr val="tx1"/>
+                      </a:solidFill>
+                      <a:prstDash val="solid"/>
+                      <a:round/>
+                      <a:headEnd type="none" w="med" len="med"/>
+                      <a:tailEnd type="none" w="med" len="med"/>
+                    </a:lnR>
+                    <a:lnT w="12700" cap="flat" cmpd="sng" algn="ctr">
+                      <a:solidFill>
+                        <a:schemeClr val="tx1"/>
+                      </a:solidFill>
+                      <a:prstDash val="solid"/>
+                      <a:round/>
+                      <a:headEnd type="none" w="med" len="med"/>
+                      <a:tailEnd type="none" w="med" len="med"/>
+                    </a:lnT>
+                    <a:lnB w="12700" cap="flat" cmpd="sng" algn="ctr">
+                      <a:solidFill>
+                        <a:schemeClr val="tx1"/>
+                      </a:solidFill>
+                      <a:prstDash val="solid"/>
+                      <a:round/>
+                      <a:headEnd type="none" w="med" len="med"/>
+                      <a:tailEnd type="none" w="med" len="med"/>
+                    </a:lnB>
+                    <a:lnTlToBr w="12700" cmpd="sng">
+                      <a:noFill/>
+                      <a:prstDash val="solid"/>
+                    </a:lnTlToBr>
+                    <a:lnBlToTr w="12700" cmpd="sng">
+                      <a:noFill/>
+                      <a:prstDash val="solid"/>
+                    </a:lnBlToTr>
+                    <a:solidFill>
+                      <a:schemeClr val="bg1">
+                        <a:lumMod val="85000"/>
+                      </a:schemeClr>
+                    </a:solidFill>
+                  </a:tcPr>
+                </a:tc>
+                <a:tc>
+                  <a:txBody>
+                    <a:bodyPr/>
+                    <a:lstStyle/>
+                    <a:p>
+                      <a:pPr marL="285750" indent="-285750">
+                        <a:buFont typeface="Arial" panose="020B0604020202020204" pitchFamily="34" charset="0"/>
+                        <a:buChar char="•"/>
+                      </a:pPr>
+                      <a:r>
+                        <a:rPr lang="de-DE" sz="1700" dirty="0"/>
+                        <a:t>Wechselspannung</a:t>
+                      </a:r>
+                    </a:p>
+                  </a:txBody>
+                  <a:tcPr>
+                    <a:lnL w="12700" cap="flat" cmpd="sng" algn="ctr">
+                      <a:solidFill>
+                        <a:schemeClr val="tx1"/>
+                      </a:solidFill>
+                      <a:prstDash val="solid"/>
+                      <a:round/>
+                      <a:headEnd type="none" w="med" len="med"/>
+                      <a:tailEnd type="none" w="med" len="med"/>
+                    </a:lnL>
+                    <a:lnR w="12700" cap="flat" cmpd="sng" algn="ctr">
+                      <a:solidFill>
+                        <a:schemeClr val="tx1"/>
+                      </a:solidFill>
+                      <a:prstDash val="solid"/>
+                      <a:round/>
+                      <a:headEnd type="none" w="med" len="med"/>
+                      <a:tailEnd type="none" w="med" len="med"/>
+                    </a:lnR>
+                    <a:lnT w="12700" cap="flat" cmpd="sng" algn="ctr">
+                      <a:solidFill>
+                        <a:schemeClr val="tx1"/>
+                      </a:solidFill>
+                      <a:prstDash val="solid"/>
+                      <a:round/>
+                      <a:headEnd type="none" w="med" len="med"/>
+                      <a:tailEnd type="none" w="med" len="med"/>
+                    </a:lnT>
+                    <a:lnB w="12700" cap="flat" cmpd="sng" algn="ctr">
+                      <a:solidFill>
+                        <a:schemeClr val="tx1"/>
+                      </a:solidFill>
+                      <a:prstDash val="solid"/>
+                      <a:round/>
+                      <a:headEnd type="none" w="med" len="med"/>
+                      <a:tailEnd type="none" w="med" len="med"/>
+                    </a:lnB>
+                    <a:lnTlToBr w="12700" cmpd="sng">
+                      <a:noFill/>
+                      <a:prstDash val="solid"/>
+                    </a:lnTlToBr>
+                    <a:lnBlToTr w="12700" cmpd="sng">
+                      <a:noFill/>
+                      <a:prstDash val="solid"/>
+                    </a:lnBlToTr>
+                    <a:solidFill>
+                      <a:schemeClr val="bg1">
+                        <a:lumMod val="85000"/>
+                      </a:schemeClr>
+                    </a:solidFill>
+                  </a:tcPr>
+                </a:tc>
+                <a:tc>
+                  <a:txBody>
+                    <a:bodyPr/>
+                    <a:lstStyle/>
+                    <a:p>
+                      <a:pPr marL="285750" indent="-285750">
+                        <a:buFont typeface="Arial" panose="020B0604020202020204" pitchFamily="34" charset="0"/>
+                        <a:buChar char="•"/>
+                      </a:pPr>
+                      <a:r>
+                        <a:rPr lang="de-DE" sz="1700" dirty="0"/>
+                        <a:t>Universalmotor</a:t>
+                      </a:r>
+                    </a:p>
+                  </a:txBody>
+                  <a:tcPr>
+                    <a:lnL w="12700" cap="flat" cmpd="sng" algn="ctr">
+                      <a:solidFill>
+                        <a:schemeClr val="tx1"/>
+                      </a:solidFill>
+                      <a:prstDash val="solid"/>
+                      <a:round/>
+                      <a:headEnd type="none" w="med" len="med"/>
+                      <a:tailEnd type="none" w="med" len="med"/>
+                    </a:lnL>
+                    <a:lnR w="12700" cap="flat" cmpd="sng" algn="ctr">
+                      <a:solidFill>
+                        <a:schemeClr val="tx1"/>
+                      </a:solidFill>
+                      <a:prstDash val="solid"/>
+                      <a:round/>
+                      <a:headEnd type="none" w="med" len="med"/>
+                      <a:tailEnd type="none" w="med" len="med"/>
+                    </a:lnR>
+                    <a:lnT w="12700" cap="flat" cmpd="sng" algn="ctr">
+                      <a:solidFill>
+                        <a:schemeClr val="tx1"/>
+                      </a:solidFill>
+                      <a:prstDash val="solid"/>
+                      <a:round/>
+                      <a:headEnd type="none" w="med" len="med"/>
+                      <a:tailEnd type="none" w="med" len="med"/>
+                    </a:lnT>
+                    <a:lnB w="12700" cap="flat" cmpd="sng" algn="ctr">
+                      <a:solidFill>
+                        <a:schemeClr val="tx1"/>
+                      </a:solidFill>
+                      <a:prstDash val="solid"/>
+                      <a:round/>
+                      <a:headEnd type="none" w="med" len="med"/>
+                      <a:tailEnd type="none" w="med" len="med"/>
+                    </a:lnB>
+                    <a:lnTlToBr w="12700" cmpd="sng">
+                      <a:noFill/>
+                      <a:prstDash val="solid"/>
+                    </a:lnTlToBr>
+                    <a:lnBlToTr w="12700" cmpd="sng">
+                      <a:noFill/>
+                      <a:prstDash val="solid"/>
+                    </a:lnBlToTr>
+                    <a:solidFill>
+                      <a:schemeClr val="bg1">
+                        <a:lumMod val="85000"/>
+                      </a:schemeClr>
+                    </a:solidFill>
+                  </a:tcPr>
+                </a:tc>
+                <a:tc>
+                  <a:txBody>
+                    <a:bodyPr/>
+                    <a:lstStyle/>
+                    <a:p>
+                      <a:pPr marL="285750" indent="-285750">
+                        <a:buFont typeface="Arial" panose="020B0604020202020204" pitchFamily="34" charset="0"/>
+                        <a:buChar char="•"/>
+                      </a:pPr>
+                      <a:r>
+                        <a:rPr lang="de-DE" sz="1700" dirty="0"/>
+                        <a:t>Mehrere Getriebestufen in einem Modell</a:t>
+                      </a:r>
+                    </a:p>
+                    <a:p>
+                      <a:pPr marL="285750" indent="-285750">
+                        <a:buFont typeface="Arial" panose="020B0604020202020204" pitchFamily="34" charset="0"/>
+                        <a:buChar char="•"/>
+                      </a:pPr>
+                      <a:r>
+                        <a:rPr lang="de-DE" sz="1700" dirty="0"/>
+                        <a:t>Selbsthemmung</a:t>
+                      </a:r>
+                    </a:p>
+                  </a:txBody>
+                  <a:tcPr>
+                    <a:lnL w="12700" cap="flat" cmpd="sng" algn="ctr">
+                      <a:solidFill>
+                        <a:schemeClr val="tx1"/>
+                      </a:solidFill>
+                      <a:prstDash val="solid"/>
+                      <a:round/>
+                      <a:headEnd type="none" w="med" len="med"/>
+                      <a:tailEnd type="none" w="med" len="med"/>
+                    </a:lnL>
+                    <a:lnR w="12700" cap="flat" cmpd="sng" algn="ctr">
+                      <a:solidFill>
+                        <a:schemeClr val="tx1"/>
+                      </a:solidFill>
+                      <a:prstDash val="solid"/>
+                      <a:round/>
+                      <a:headEnd type="none" w="med" len="med"/>
+                      <a:tailEnd type="none" w="med" len="med"/>
+                    </a:lnR>
+                    <a:lnT w="12700" cap="flat" cmpd="sng" algn="ctr">
+                      <a:solidFill>
+                        <a:schemeClr val="tx1"/>
+                      </a:solidFill>
+                      <a:prstDash val="solid"/>
+                      <a:round/>
+                      <a:headEnd type="none" w="med" len="med"/>
+                      <a:tailEnd type="none" w="med" len="med"/>
+                    </a:lnT>
+                    <a:lnB w="12700" cap="flat" cmpd="sng" algn="ctr">
+                      <a:solidFill>
+                        <a:schemeClr val="tx1"/>
+                      </a:solidFill>
+                      <a:prstDash val="solid"/>
+                      <a:round/>
+                      <a:headEnd type="none" w="med" len="med"/>
+                      <a:tailEnd type="none" w="med" len="med"/>
+                    </a:lnB>
+                    <a:lnTlToBr w="12700" cmpd="sng">
+                      <a:noFill/>
+                      <a:prstDash val="solid"/>
+                    </a:lnTlToBr>
+                    <a:lnBlToTr w="12700" cmpd="sng">
+                      <a:noFill/>
+                      <a:prstDash val="solid"/>
+                    </a:lnBlToTr>
+                    <a:solidFill>
+                      <a:schemeClr val="bg1">
+                        <a:lumMod val="85000"/>
+                      </a:schemeClr>
+                    </a:solidFill>
+                  </a:tcPr>
+                </a:tc>
+                <a:extLst>
+                  <a:ext uri="{0D108BD9-81ED-4DB2-BD59-A6C34878D82A}">
+                    <a16:rowId xmlns:a16="http://schemas.microsoft.com/office/drawing/2014/main" val="3442596702"/>
+                  </a:ext>
+                </a:extLst>
+              </a:tr>
+            </a:tbl>
+          </a:graphicData>
+        </a:graphic>
+      </p:graphicFrame>
+      <p:graphicFrame>
+        <p:nvGraphicFramePr>
+          <p:cNvPr id="16" name="Tabelle 4">
             <a:extLst>
               <a:ext uri="{FF2B5EF4-FFF2-40B4-BE49-F238E27FC236}">
-                <a16:creationId xmlns:a16="http://schemas.microsoft.com/office/drawing/2014/main" id="{87FB4851-B6BF-7542-8471-144995E8D81A}"/>
+                <a16:creationId xmlns:a16="http://schemas.microsoft.com/office/drawing/2014/main" id="{D7FCC2D7-C9ED-4C2D-AF91-60EC7FEC74B7}"/>
               </a:ext>
             </a:extLst>
           </p:cNvPr>
-          <p:cNvSpPr txBox="1"/>
-          <p:nvPr/>
-        </p:nvSpPr>
-        <p:spPr>
-          <a:xfrm>
-            <a:off x="3266983" y="1194780"/>
-            <a:ext cx="2592280" cy="646331"/>
-          </a:xfrm>
-          <a:prstGeom prst="rect">
-            <a:avLst/>
-          </a:prstGeom>
-          <a:noFill/>
-        </p:spPr>
-        <p:txBody>
-          <a:bodyPr wrap="square" rtlCol="0">
-            <a:spAutoFit/>
-          </a:bodyPr>
-          <a:lstStyle/>
-          <a:p>
-            <a:r>
-              <a:rPr lang="de-DE" dirty="0"/>
-              <a:t>Motor</a:t>
-            </a:r>
-          </a:p>
-          <a:p>
-            <a:r>
-              <a:rPr lang="de-DE" dirty="0"/>
-              <a:t>Universalmotor</a:t>
-            </a:r>
-          </a:p>
-        </p:txBody>
-      </p:sp>
-      <p:sp>
-        <p:nvSpPr>
-          <p:cNvPr id="11" name="Textfeld 10">
-            <a:extLst>
-              <a:ext uri="{FF2B5EF4-FFF2-40B4-BE49-F238E27FC236}">
-                <a16:creationId xmlns:a16="http://schemas.microsoft.com/office/drawing/2014/main" id="{7D0BC5A2-D91B-784B-BBC1-049B8B8686DD}"/>
-              </a:ext>
-            </a:extLst>
-          </p:cNvPr>
-          <p:cNvSpPr txBox="1"/>
-          <p:nvPr/>
-        </p:nvSpPr>
-        <p:spPr>
-          <a:xfrm>
-            <a:off x="6018320" y="1196256"/>
-            <a:ext cx="2592280" cy="923330"/>
-          </a:xfrm>
-          <a:prstGeom prst="rect">
-            <a:avLst/>
-          </a:prstGeom>
-          <a:noFill/>
-        </p:spPr>
-        <p:txBody>
-          <a:bodyPr wrap="square" rtlCol="0">
-            <a:spAutoFit/>
-          </a:bodyPr>
-          <a:lstStyle/>
-          <a:p>
-            <a:r>
-              <a:rPr lang="de-DE" dirty="0"/>
-              <a:t>Getriebe</a:t>
-            </a:r>
-          </a:p>
-          <a:p>
-            <a:r>
-              <a:rPr lang="de-DE" dirty="0"/>
-              <a:t>Mehrere Getriebestufen</a:t>
-            </a:r>
-          </a:p>
-          <a:p>
-            <a:r>
-              <a:rPr lang="de-DE" dirty="0"/>
-              <a:t>Selbsthemmung</a:t>
-            </a:r>
-          </a:p>
-        </p:txBody>
-      </p:sp>
-      <p:sp>
-        <p:nvSpPr>
-          <p:cNvPr id="12" name="Textfeld 11">
-            <a:extLst>
-              <a:ext uri="{FF2B5EF4-FFF2-40B4-BE49-F238E27FC236}">
-                <a16:creationId xmlns:a16="http://schemas.microsoft.com/office/drawing/2014/main" id="{450262A1-7F91-9D46-B589-9E7C6C180BC4}"/>
-              </a:ext>
-            </a:extLst>
-          </p:cNvPr>
-          <p:cNvSpPr txBox="1"/>
-          <p:nvPr/>
-        </p:nvSpPr>
-        <p:spPr>
-          <a:xfrm>
-            <a:off x="4315838" y="3363394"/>
-            <a:ext cx="3586390" cy="923330"/>
-          </a:xfrm>
-          <a:prstGeom prst="rect">
-            <a:avLst/>
-          </a:prstGeom>
-          <a:noFill/>
-        </p:spPr>
-        <p:txBody>
-          <a:bodyPr wrap="square" rtlCol="0">
-            <a:spAutoFit/>
-          </a:bodyPr>
-          <a:lstStyle/>
-          <a:p>
-            <a:r>
-              <a:rPr lang="de-DE" dirty="0"/>
-              <a:t>Masse</a:t>
-            </a:r>
-          </a:p>
-          <a:p>
-            <a:r>
-              <a:rPr lang="de-DE" dirty="0"/>
-              <a:t>Luftwiderstand</a:t>
-            </a:r>
-          </a:p>
-          <a:p>
-            <a:r>
-              <a:rPr lang="de-DE" dirty="0"/>
-              <a:t>Lastkurve</a:t>
-            </a:r>
-          </a:p>
-        </p:txBody>
-      </p:sp>
-      <p:sp>
-        <p:nvSpPr>
-          <p:cNvPr id="13" name="Textfeld 12">
-            <a:extLst>
-              <a:ext uri="{FF2B5EF4-FFF2-40B4-BE49-F238E27FC236}">
-                <a16:creationId xmlns:a16="http://schemas.microsoft.com/office/drawing/2014/main" id="{E8076CA9-8BB7-2549-AC85-B16F96419ACD}"/>
-              </a:ext>
-            </a:extLst>
-          </p:cNvPr>
-          <p:cNvSpPr txBox="1"/>
-          <p:nvPr/>
-        </p:nvSpPr>
-        <p:spPr>
-          <a:xfrm>
-            <a:off x="9022671" y="1194780"/>
-            <a:ext cx="2893711" cy="1200329"/>
-          </a:xfrm>
-          <a:prstGeom prst="rect">
-            <a:avLst/>
-          </a:prstGeom>
-          <a:noFill/>
-        </p:spPr>
-        <p:txBody>
-          <a:bodyPr wrap="square" rtlCol="0">
-            <a:spAutoFit/>
-          </a:bodyPr>
-          <a:lstStyle/>
-          <a:p>
-            <a:r>
-              <a:rPr lang="de-DE" dirty="0"/>
-              <a:t>Bremse</a:t>
-            </a:r>
-          </a:p>
-          <a:p>
-            <a:r>
-              <a:rPr lang="de-DE" dirty="0"/>
-              <a:t>Maximales Bremsmoment</a:t>
-            </a:r>
-          </a:p>
-          <a:p>
-            <a:r>
-              <a:rPr lang="de-DE" dirty="0"/>
-              <a:t>Massenträgheit</a:t>
-            </a:r>
-          </a:p>
-          <a:p>
-            <a:endParaRPr lang="de-DE" dirty="0"/>
-          </a:p>
-        </p:txBody>
-      </p:sp>
-      <p:sp>
-        <p:nvSpPr>
-          <p:cNvPr id="14" name="Textfeld 13">
-            <a:extLst>
-              <a:ext uri="{FF2B5EF4-FFF2-40B4-BE49-F238E27FC236}">
-                <a16:creationId xmlns:a16="http://schemas.microsoft.com/office/drawing/2014/main" id="{9FDC4CE9-037E-3A47-AA67-280E91C99AAA}"/>
-              </a:ext>
-            </a:extLst>
-          </p:cNvPr>
-          <p:cNvSpPr txBox="1"/>
-          <p:nvPr/>
-        </p:nvSpPr>
-        <p:spPr>
-          <a:xfrm>
-            <a:off x="729448" y="3363394"/>
-            <a:ext cx="3586390" cy="2031325"/>
-          </a:xfrm>
-          <a:prstGeom prst="rect">
-            <a:avLst/>
-          </a:prstGeom>
-          <a:noFill/>
-        </p:spPr>
-        <p:txBody>
-          <a:bodyPr wrap="square" rtlCol="0">
-            <a:spAutoFit/>
-          </a:bodyPr>
-          <a:lstStyle/>
-          <a:p>
-            <a:r>
-              <a:rPr lang="de-DE" dirty="0"/>
-              <a:t>Flaschenzug</a:t>
-            </a:r>
-          </a:p>
-          <a:p>
-            <a:r>
-              <a:rPr lang="de-DE" dirty="0"/>
-              <a:t>Einzelbetrachtung der Rollen</a:t>
-            </a:r>
-          </a:p>
-          <a:p>
-            <a:r>
-              <a:rPr lang="de-DE" dirty="0"/>
-              <a:t>Biegearbeit Seil</a:t>
-            </a:r>
-          </a:p>
-          <a:p>
-            <a:r>
-              <a:rPr lang="de-DE" dirty="0"/>
-              <a:t>Lagerwiderstand Rollen</a:t>
-            </a:r>
-          </a:p>
-          <a:p>
-            <a:r>
-              <a:rPr lang="de-DE" dirty="0"/>
-              <a:t>Seilreibung</a:t>
-            </a:r>
-          </a:p>
-          <a:p>
-            <a:r>
-              <a:rPr lang="de-DE" dirty="0"/>
-              <a:t>Seildehnung</a:t>
-            </a:r>
-          </a:p>
-          <a:p>
-            <a:r>
-              <a:rPr lang="de-DE" dirty="0"/>
-              <a:t>Verschleiß</a:t>
-            </a:r>
-          </a:p>
-        </p:txBody>
-      </p:sp>
-      <p:sp>
-        <p:nvSpPr>
-          <p:cNvPr id="3" name="Textfeld 2">
-            <a:extLst>
-              <a:ext uri="{FF2B5EF4-FFF2-40B4-BE49-F238E27FC236}">
-                <a16:creationId xmlns:a16="http://schemas.microsoft.com/office/drawing/2014/main" id="{5DAE67E5-1EDA-0945-81AC-606E72B84EDC}"/>
-              </a:ext>
-            </a:extLst>
-          </p:cNvPr>
-          <p:cNvSpPr txBox="1"/>
-          <p:nvPr/>
-        </p:nvSpPr>
-        <p:spPr>
-          <a:xfrm>
-            <a:off x="7120647" y="2928026"/>
-            <a:ext cx="3287949" cy="646331"/>
-          </a:xfrm>
-          <a:prstGeom prst="rect">
-            <a:avLst/>
-          </a:prstGeom>
-          <a:noFill/>
-        </p:spPr>
-        <p:txBody>
-          <a:bodyPr wrap="square" rtlCol="0">
-            <a:spAutoFit/>
-          </a:bodyPr>
-          <a:lstStyle/>
-          <a:p>
-            <a:r>
-              <a:rPr lang="de-DE" dirty="0">
-                <a:solidFill>
-                  <a:srgbClr val="FF0000"/>
-                </a:solidFill>
-              </a:rPr>
-              <a:t>Auf eine </a:t>
-            </a:r>
-            <a:r>
-              <a:rPr lang="de-DE" dirty="0" err="1">
-                <a:solidFill>
-                  <a:srgbClr val="FF0000"/>
-                </a:solidFill>
-              </a:rPr>
-              <a:t>folie</a:t>
-            </a:r>
-            <a:r>
-              <a:rPr lang="de-DE" dirty="0">
-                <a:solidFill>
-                  <a:srgbClr val="FF0000"/>
-                </a:solidFill>
-              </a:rPr>
-              <a:t>: in eine </a:t>
-            </a:r>
-            <a:r>
-              <a:rPr lang="de-DE" dirty="0" err="1">
-                <a:solidFill>
-                  <a:srgbClr val="FF0000"/>
-                </a:solidFill>
-              </a:rPr>
-              <a:t>tabelle</a:t>
-            </a:r>
-            <a:endParaRPr lang="de-DE" dirty="0">
-              <a:solidFill>
-                <a:srgbClr val="FF0000"/>
-              </a:solidFill>
-            </a:endParaRPr>
-          </a:p>
-          <a:p>
-            <a:r>
-              <a:rPr lang="de-DE" dirty="0">
-                <a:solidFill>
-                  <a:srgbClr val="FF0000"/>
-                </a:solidFill>
-              </a:rPr>
-              <a:t>Was haben wir, was nicht.</a:t>
-            </a:r>
-          </a:p>
-        </p:txBody>
-      </p:sp>
+          <p:cNvGraphicFramePr>
+            <a:graphicFrameLocks noGrp="1"/>
+          </p:cNvGraphicFramePr>
+          <p:nvPr>
+            <p:extLst>
+              <p:ext uri="{D42A27DB-BD31-4B8C-83A1-F6EECF244321}">
+                <p14:modId xmlns:p14="http://schemas.microsoft.com/office/powerpoint/2010/main" val="1788161100"/>
+              </p:ext>
+            </p:extLst>
+          </p:nvPr>
+        </p:nvGraphicFramePr>
+        <p:xfrm>
+          <a:off x="416589" y="3297075"/>
+          <a:ext cx="11358822" cy="3403600"/>
+        </p:xfrm>
+        <a:graphic>
+          <a:graphicData uri="http://schemas.openxmlformats.org/drawingml/2006/table">
+            <a:tbl>
+              <a:tblPr firstRow="1" bandRow="1">
+                <a:tableStyleId>{F5AB1C69-6EDB-4FF4-983F-18BD219EF322}</a:tableStyleId>
+              </a:tblPr>
+              <a:tblGrid>
+                <a:gridCol w="1895707">
+                  <a:extLst>
+                    <a:ext uri="{9D8B030D-6E8A-4147-A177-3AD203B41FA5}">
+                      <a16:colId xmlns:a16="http://schemas.microsoft.com/office/drawing/2014/main" val="1206153376"/>
+                    </a:ext>
+                  </a:extLst>
+                </a:gridCol>
+                <a:gridCol w="2806114">
+                  <a:extLst>
+                    <a:ext uri="{9D8B030D-6E8A-4147-A177-3AD203B41FA5}">
+                      <a16:colId xmlns:a16="http://schemas.microsoft.com/office/drawing/2014/main" val="962319081"/>
+                    </a:ext>
+                  </a:extLst>
+                </a:gridCol>
+                <a:gridCol w="3389970">
+                  <a:extLst>
+                    <a:ext uri="{9D8B030D-6E8A-4147-A177-3AD203B41FA5}">
+                      <a16:colId xmlns:a16="http://schemas.microsoft.com/office/drawing/2014/main" val="4091208672"/>
+                    </a:ext>
+                  </a:extLst>
+                </a:gridCol>
+                <a:gridCol w="3267031">
+                  <a:extLst>
+                    <a:ext uri="{9D8B030D-6E8A-4147-A177-3AD203B41FA5}">
+                      <a16:colId xmlns:a16="http://schemas.microsoft.com/office/drawing/2014/main" val="2082513092"/>
+                    </a:ext>
+                  </a:extLst>
+                </a:gridCol>
+              </a:tblGrid>
+              <a:tr h="370840">
+                <a:tc>
+                  <a:txBody>
+                    <a:bodyPr/>
+                    <a:lstStyle/>
+                    <a:p>
+                      <a:endParaRPr lang="de-DE" dirty="0"/>
+                    </a:p>
+                  </a:txBody>
+                  <a:tcPr>
+                    <a:lnL w="12700" cap="flat" cmpd="sng" algn="ctr">
+                      <a:noFill/>
+                      <a:prstDash val="solid"/>
+                      <a:round/>
+                      <a:headEnd type="none" w="med" len="med"/>
+                      <a:tailEnd type="none" w="med" len="med"/>
+                    </a:lnL>
+                    <a:lnR w="12700" cap="flat" cmpd="sng" algn="ctr">
+                      <a:noFill/>
+                      <a:prstDash val="solid"/>
+                      <a:round/>
+                      <a:headEnd type="none" w="med" len="med"/>
+                      <a:tailEnd type="none" w="med" len="med"/>
+                    </a:lnR>
+                    <a:lnT w="12700" cap="flat" cmpd="sng" algn="ctr">
+                      <a:noFill/>
+                      <a:prstDash val="solid"/>
+                      <a:round/>
+                      <a:headEnd type="none" w="med" len="med"/>
+                      <a:tailEnd type="none" w="med" len="med"/>
+                    </a:lnT>
+                    <a:lnB w="12700" cap="flat" cmpd="sng" algn="ctr">
+                      <a:solidFill>
+                        <a:schemeClr val="tx1"/>
+                      </a:solidFill>
+                      <a:prstDash val="solid"/>
+                      <a:round/>
+                      <a:headEnd type="none" w="med" len="med"/>
+                      <a:tailEnd type="none" w="med" len="med"/>
+                    </a:lnB>
+                    <a:lnTlToBr w="12700" cmpd="sng">
+                      <a:noFill/>
+                      <a:prstDash val="solid"/>
+                    </a:lnTlToBr>
+                    <a:lnBlToTr w="12700" cmpd="sng">
+                      <a:noFill/>
+                      <a:prstDash val="solid"/>
+                    </a:lnBlToTr>
+                  </a:tcPr>
+                </a:tc>
+                <a:tc>
+                  <a:txBody>
+                    <a:bodyPr/>
+                    <a:lstStyle/>
+                    <a:p>
+                      <a:pPr algn="ctr"/>
+                      <a:r>
+                        <a:rPr lang="de-DE" b="0" dirty="0"/>
+                        <a:t>Bremse</a:t>
+                      </a:r>
+                    </a:p>
+                  </a:txBody>
+                  <a:tcPr>
+                    <a:lnL w="12700" cap="flat" cmpd="sng" algn="ctr">
+                      <a:noFill/>
+                      <a:prstDash val="solid"/>
+                      <a:round/>
+                      <a:headEnd type="none" w="med" len="med"/>
+                      <a:tailEnd type="none" w="med" len="med"/>
+                    </a:lnL>
+                    <a:lnR w="12700" cap="flat" cmpd="sng" algn="ctr">
+                      <a:noFill/>
+                      <a:prstDash val="solid"/>
+                      <a:round/>
+                      <a:headEnd type="none" w="med" len="med"/>
+                      <a:tailEnd type="none" w="med" len="med"/>
+                    </a:lnR>
+                    <a:lnT w="12700" cap="flat" cmpd="sng" algn="ctr">
+                      <a:noFill/>
+                      <a:prstDash val="solid"/>
+                      <a:round/>
+                      <a:headEnd type="none" w="med" len="med"/>
+                      <a:tailEnd type="none" w="med" len="med"/>
+                    </a:lnT>
+                    <a:lnB w="12700" cap="flat" cmpd="sng" algn="ctr">
+                      <a:solidFill>
+                        <a:schemeClr val="tx1"/>
+                      </a:solidFill>
+                      <a:prstDash val="solid"/>
+                      <a:round/>
+                      <a:headEnd type="none" w="med" len="med"/>
+                      <a:tailEnd type="none" w="med" len="med"/>
+                    </a:lnB>
+                    <a:lnTlToBr w="12700" cmpd="sng">
+                      <a:noFill/>
+                      <a:prstDash val="solid"/>
+                    </a:lnTlToBr>
+                    <a:lnBlToTr w="12700" cmpd="sng">
+                      <a:noFill/>
+                      <a:prstDash val="solid"/>
+                    </a:lnBlToTr>
+                  </a:tcPr>
+                </a:tc>
+                <a:tc>
+                  <a:txBody>
+                    <a:bodyPr/>
+                    <a:lstStyle/>
+                    <a:p>
+                      <a:pPr algn="ctr"/>
+                      <a:r>
+                        <a:rPr lang="de-DE" b="0" dirty="0"/>
+                        <a:t>Flaschenzug</a:t>
+                      </a:r>
+                    </a:p>
+                  </a:txBody>
+                  <a:tcPr>
+                    <a:lnL w="12700" cap="flat" cmpd="sng" algn="ctr">
+                      <a:noFill/>
+                      <a:prstDash val="solid"/>
+                      <a:round/>
+                      <a:headEnd type="none" w="med" len="med"/>
+                      <a:tailEnd type="none" w="med" len="med"/>
+                    </a:lnL>
+                    <a:lnR w="12700" cap="flat" cmpd="sng" algn="ctr">
+                      <a:noFill/>
+                      <a:prstDash val="solid"/>
+                      <a:round/>
+                      <a:headEnd type="none" w="med" len="med"/>
+                      <a:tailEnd type="none" w="med" len="med"/>
+                    </a:lnR>
+                    <a:lnT w="12700" cap="flat" cmpd="sng" algn="ctr">
+                      <a:noFill/>
+                      <a:prstDash val="solid"/>
+                      <a:round/>
+                      <a:headEnd type="none" w="med" len="med"/>
+                      <a:tailEnd type="none" w="med" len="med"/>
+                    </a:lnT>
+                    <a:lnB w="12700" cap="flat" cmpd="sng" algn="ctr">
+                      <a:solidFill>
+                        <a:schemeClr val="tx1"/>
+                      </a:solidFill>
+                      <a:prstDash val="solid"/>
+                      <a:round/>
+                      <a:headEnd type="none" w="med" len="med"/>
+                      <a:tailEnd type="none" w="med" len="med"/>
+                    </a:lnB>
+                    <a:lnTlToBr w="12700" cmpd="sng">
+                      <a:noFill/>
+                      <a:prstDash val="solid"/>
+                    </a:lnTlToBr>
+                    <a:lnBlToTr w="12700" cmpd="sng">
+                      <a:noFill/>
+                      <a:prstDash val="solid"/>
+                    </a:lnBlToTr>
+                  </a:tcPr>
+                </a:tc>
+                <a:tc>
+                  <a:txBody>
+                    <a:bodyPr/>
+                    <a:lstStyle/>
+                    <a:p>
+                      <a:pPr algn="ctr"/>
+                      <a:r>
+                        <a:rPr lang="de-DE" b="0" dirty="0"/>
+                        <a:t>Masse</a:t>
+                      </a:r>
+                    </a:p>
+                  </a:txBody>
+                  <a:tcPr>
+                    <a:lnL w="12700" cap="flat" cmpd="sng" algn="ctr">
+                      <a:noFill/>
+                      <a:prstDash val="solid"/>
+                      <a:round/>
+                      <a:headEnd type="none" w="med" len="med"/>
+                      <a:tailEnd type="none" w="med" len="med"/>
+                    </a:lnL>
+                    <a:lnR w="12700" cap="flat" cmpd="sng" algn="ctr">
+                      <a:noFill/>
+                      <a:prstDash val="solid"/>
+                      <a:round/>
+                      <a:headEnd type="none" w="med" len="med"/>
+                      <a:tailEnd type="none" w="med" len="med"/>
+                    </a:lnR>
+                    <a:lnT w="12700" cap="flat" cmpd="sng" algn="ctr">
+                      <a:noFill/>
+                      <a:prstDash val="solid"/>
+                      <a:round/>
+                      <a:headEnd type="none" w="med" len="med"/>
+                      <a:tailEnd type="none" w="med" len="med"/>
+                    </a:lnT>
+                    <a:lnB w="12700" cap="flat" cmpd="sng" algn="ctr">
+                      <a:solidFill>
+                        <a:schemeClr val="tx1"/>
+                      </a:solidFill>
+                      <a:prstDash val="solid"/>
+                      <a:round/>
+                      <a:headEnd type="none" w="med" len="med"/>
+                      <a:tailEnd type="none" w="med" len="med"/>
+                    </a:lnB>
+                    <a:lnTlToBr w="12700" cmpd="sng">
+                      <a:noFill/>
+                      <a:prstDash val="solid"/>
+                    </a:lnTlToBr>
+                    <a:lnBlToTr w="12700" cmpd="sng">
+                      <a:noFill/>
+                      <a:prstDash val="solid"/>
+                    </a:lnBlToTr>
+                  </a:tcPr>
+                </a:tc>
+                <a:extLst>
+                  <a:ext uri="{0D108BD9-81ED-4DB2-BD59-A6C34878D82A}">
+                    <a16:rowId xmlns:a16="http://schemas.microsoft.com/office/drawing/2014/main" val="1472427771"/>
+                  </a:ext>
+                </a:extLst>
+              </a:tr>
+              <a:tr h="370840">
+                <a:tc>
+                  <a:txBody>
+                    <a:bodyPr/>
+                    <a:lstStyle/>
+                    <a:p>
+                      <a:r>
+                        <a:rPr lang="de-DE" sz="1700" dirty="0"/>
+                        <a:t>Modelliert</a:t>
+                      </a:r>
+                    </a:p>
+                  </a:txBody>
+                  <a:tcPr>
+                    <a:lnL w="12700" cap="flat" cmpd="sng" algn="ctr">
+                      <a:solidFill>
+                        <a:schemeClr val="tx1"/>
+                      </a:solidFill>
+                      <a:prstDash val="solid"/>
+                      <a:round/>
+                      <a:headEnd type="none" w="med" len="med"/>
+                      <a:tailEnd type="none" w="med" len="med"/>
+                    </a:lnL>
+                    <a:lnR w="12700" cap="flat" cmpd="sng" algn="ctr">
+                      <a:solidFill>
+                        <a:schemeClr val="tx1"/>
+                      </a:solidFill>
+                      <a:prstDash val="solid"/>
+                      <a:round/>
+                      <a:headEnd type="none" w="med" len="med"/>
+                      <a:tailEnd type="none" w="med" len="med"/>
+                    </a:lnR>
+                    <a:lnT w="12700" cap="flat" cmpd="sng" algn="ctr">
+                      <a:solidFill>
+                        <a:schemeClr val="tx1"/>
+                      </a:solidFill>
+                      <a:prstDash val="solid"/>
+                      <a:round/>
+                      <a:headEnd type="none" w="med" len="med"/>
+                      <a:tailEnd type="none" w="med" len="med"/>
+                    </a:lnT>
+                    <a:lnB w="12700" cap="flat" cmpd="sng" algn="ctr">
+                      <a:solidFill>
+                        <a:schemeClr val="tx1"/>
+                      </a:solidFill>
+                      <a:prstDash val="solid"/>
+                      <a:round/>
+                      <a:headEnd type="none" w="med" len="med"/>
+                      <a:tailEnd type="none" w="med" len="med"/>
+                    </a:lnB>
+                    <a:lnTlToBr w="12700" cmpd="sng">
+                      <a:noFill/>
+                      <a:prstDash val="solid"/>
+                    </a:lnTlToBr>
+                    <a:lnBlToTr w="12700" cmpd="sng">
+                      <a:noFill/>
+                      <a:prstDash val="solid"/>
+                    </a:lnBlToTr>
+                    <a:solidFill>
+                      <a:schemeClr val="bg1">
+                        <a:lumMod val="85000"/>
+                      </a:schemeClr>
+                    </a:solidFill>
+                  </a:tcPr>
+                </a:tc>
+                <a:tc>
+                  <a:txBody>
+                    <a:bodyPr/>
+                    <a:lstStyle/>
+                    <a:p>
+                      <a:pPr marL="285750" indent="-285750">
+                        <a:buFont typeface="Arial" panose="020B0604020202020204" pitchFamily="34" charset="0"/>
+                        <a:buChar char="•"/>
+                      </a:pPr>
+                      <a:r>
+                        <a:rPr lang="de-DE" sz="1700" dirty="0"/>
+                        <a:t>Spannungssignale:</a:t>
+                      </a:r>
+                    </a:p>
+                    <a:p>
+                      <a:pPr marL="285750" indent="-285750">
+                        <a:buFont typeface="Arial" panose="020B0604020202020204" pitchFamily="34" charset="0"/>
+                        <a:buChar char="•"/>
+                      </a:pPr>
+                      <a:r>
+                        <a:rPr lang="de-DE" sz="1700" dirty="0"/>
+                        <a:t>Kontinuierlich</a:t>
+                      </a:r>
+                    </a:p>
+                    <a:p>
+                      <a:pPr marL="285750" indent="-285750">
+                        <a:buFont typeface="Arial" panose="020B0604020202020204" pitchFamily="34" charset="0"/>
+                        <a:buChar char="•"/>
+                      </a:pPr>
+                      <a:r>
+                        <a:rPr lang="de-DE" sz="1700" dirty="0"/>
+                        <a:t>Diskontinuierlich</a:t>
+                      </a:r>
+                    </a:p>
+                    <a:p>
+                      <a:pPr marL="285750" indent="-285750">
+                        <a:buFont typeface="Arial" panose="020B0604020202020204" pitchFamily="34" charset="0"/>
+                        <a:buChar char="•"/>
+                      </a:pPr>
+                      <a:r>
+                        <a:rPr lang="de-DE" sz="1700" dirty="0"/>
+                        <a:t>Steuerbar</a:t>
+                      </a:r>
+                    </a:p>
+                  </a:txBody>
+                  <a:tcPr>
+                    <a:lnL w="12700" cap="flat" cmpd="sng" algn="ctr">
+                      <a:solidFill>
+                        <a:schemeClr val="tx1"/>
+                      </a:solidFill>
+                      <a:prstDash val="solid"/>
+                      <a:round/>
+                      <a:headEnd type="none" w="med" len="med"/>
+                      <a:tailEnd type="none" w="med" len="med"/>
+                    </a:lnL>
+                    <a:lnR w="12700" cap="flat" cmpd="sng" algn="ctr">
+                      <a:solidFill>
+                        <a:schemeClr val="tx1"/>
+                      </a:solidFill>
+                      <a:prstDash val="solid"/>
+                      <a:round/>
+                      <a:headEnd type="none" w="med" len="med"/>
+                      <a:tailEnd type="none" w="med" len="med"/>
+                    </a:lnR>
+                    <a:lnT w="12700" cap="flat" cmpd="sng" algn="ctr">
+                      <a:solidFill>
+                        <a:schemeClr val="tx1"/>
+                      </a:solidFill>
+                      <a:prstDash val="solid"/>
+                      <a:round/>
+                      <a:headEnd type="none" w="med" len="med"/>
+                      <a:tailEnd type="none" w="med" len="med"/>
+                    </a:lnT>
+                    <a:lnB w="12700" cap="flat" cmpd="sng" algn="ctr">
+                      <a:solidFill>
+                        <a:schemeClr val="tx1"/>
+                      </a:solidFill>
+                      <a:prstDash val="solid"/>
+                      <a:round/>
+                      <a:headEnd type="none" w="med" len="med"/>
+                      <a:tailEnd type="none" w="med" len="med"/>
+                    </a:lnB>
+                    <a:lnTlToBr w="12700" cmpd="sng">
+                      <a:noFill/>
+                      <a:prstDash val="solid"/>
+                    </a:lnTlToBr>
+                    <a:lnBlToTr w="12700" cmpd="sng">
+                      <a:noFill/>
+                      <a:prstDash val="solid"/>
+                    </a:lnBlToTr>
+                    <a:solidFill>
+                      <a:schemeClr val="bg1">
+                        <a:lumMod val="85000"/>
+                      </a:schemeClr>
+                    </a:solidFill>
+                  </a:tcPr>
+                </a:tc>
+                <a:tc>
+                  <a:txBody>
+                    <a:bodyPr/>
+                    <a:lstStyle/>
+                    <a:p>
+                      <a:pPr marL="285750" indent="-285750">
+                        <a:buFont typeface="Arial" panose="020B0604020202020204" pitchFamily="34" charset="0"/>
+                        <a:buChar char="•"/>
+                      </a:pPr>
+                      <a:r>
+                        <a:rPr lang="de-DE" sz="1700" dirty="0"/>
+                        <a:t>Anzahl der Rollen</a:t>
+                      </a:r>
+                    </a:p>
+                    <a:p>
+                      <a:pPr marL="285750" indent="-285750">
+                        <a:buFont typeface="Arial" panose="020B0604020202020204" pitchFamily="34" charset="0"/>
+                        <a:buChar char="•"/>
+                      </a:pPr>
+                      <a:r>
+                        <a:rPr lang="de-DE" sz="1700" dirty="0"/>
+                        <a:t>Anfangslänge</a:t>
+                      </a:r>
+                    </a:p>
+                    <a:p>
+                      <a:pPr marL="285750" indent="-285750">
+                        <a:buFont typeface="Arial" panose="020B0604020202020204" pitchFamily="34" charset="0"/>
+                        <a:buChar char="•"/>
+                      </a:pPr>
+                      <a:r>
+                        <a:rPr lang="de-DE" sz="1700" dirty="0"/>
+                        <a:t>Zugwinkel</a:t>
+                      </a:r>
+                    </a:p>
+                    <a:p>
+                      <a:pPr marL="285750" indent="-285750">
+                        <a:buFont typeface="Arial" panose="020B0604020202020204" pitchFamily="34" charset="0"/>
+                        <a:buChar char="•"/>
+                      </a:pPr>
+                      <a:r>
+                        <a:rPr lang="de-DE" sz="1700" dirty="0"/>
+                        <a:t>Trägheit Flaschengewicht</a:t>
+                      </a:r>
+                    </a:p>
+                    <a:p>
+                      <a:pPr marL="285750" indent="-285750">
+                        <a:buFont typeface="Arial" panose="020B0604020202020204" pitchFamily="34" charset="0"/>
+                        <a:buChar char="•"/>
+                      </a:pPr>
+                      <a:r>
+                        <a:rPr lang="de-DE" sz="1700" dirty="0"/>
+                        <a:t>Abstandssensor</a:t>
+                      </a:r>
+                    </a:p>
+                  </a:txBody>
+                  <a:tcPr>
+                    <a:lnL w="12700" cap="flat" cmpd="sng" algn="ctr">
+                      <a:solidFill>
+                        <a:schemeClr val="tx1"/>
+                      </a:solidFill>
+                      <a:prstDash val="solid"/>
+                      <a:round/>
+                      <a:headEnd type="none" w="med" len="med"/>
+                      <a:tailEnd type="none" w="med" len="med"/>
+                    </a:lnL>
+                    <a:lnR w="12700" cap="flat" cmpd="sng" algn="ctr">
+                      <a:solidFill>
+                        <a:schemeClr val="tx1"/>
+                      </a:solidFill>
+                      <a:prstDash val="solid"/>
+                      <a:round/>
+                      <a:headEnd type="none" w="med" len="med"/>
+                      <a:tailEnd type="none" w="med" len="med"/>
+                    </a:lnR>
+                    <a:lnT w="12700" cap="flat" cmpd="sng" algn="ctr">
+                      <a:solidFill>
+                        <a:schemeClr val="tx1"/>
+                      </a:solidFill>
+                      <a:prstDash val="solid"/>
+                      <a:round/>
+                      <a:headEnd type="none" w="med" len="med"/>
+                      <a:tailEnd type="none" w="med" len="med"/>
+                    </a:lnT>
+                    <a:lnB w="12700" cap="flat" cmpd="sng" algn="ctr">
+                      <a:solidFill>
+                        <a:schemeClr val="tx1"/>
+                      </a:solidFill>
+                      <a:prstDash val="solid"/>
+                      <a:round/>
+                      <a:headEnd type="none" w="med" len="med"/>
+                      <a:tailEnd type="none" w="med" len="med"/>
+                    </a:lnB>
+                    <a:lnTlToBr w="12700" cmpd="sng">
+                      <a:noFill/>
+                      <a:prstDash val="solid"/>
+                    </a:lnTlToBr>
+                    <a:lnBlToTr w="12700" cmpd="sng">
+                      <a:noFill/>
+                      <a:prstDash val="solid"/>
+                    </a:lnBlToTr>
+                    <a:solidFill>
+                      <a:schemeClr val="bg1">
+                        <a:lumMod val="85000"/>
+                      </a:schemeClr>
+                    </a:solidFill>
+                  </a:tcPr>
+                </a:tc>
+                <a:tc>
+                  <a:txBody>
+                    <a:bodyPr/>
+                    <a:lstStyle/>
+                    <a:p>
+                      <a:pPr marL="285750" indent="-285750">
+                        <a:buFont typeface="Arial" panose="020B0604020202020204" pitchFamily="34" charset="0"/>
+                        <a:buChar char="•"/>
+                      </a:pPr>
+                      <a:r>
+                        <a:rPr lang="de-DE" sz="1700" dirty="0"/>
+                        <a:t>Übersetzungsverhältnis</a:t>
+                      </a:r>
+                    </a:p>
+                    <a:p>
+                      <a:pPr marL="285750" indent="-285750">
+                        <a:buFont typeface="Arial" panose="020B0604020202020204" pitchFamily="34" charset="0"/>
+                        <a:buChar char="•"/>
+                      </a:pPr>
+                      <a:r>
+                        <a:rPr lang="de-DE" sz="1700" dirty="0"/>
+                        <a:t>Wirkungsgrad</a:t>
+                      </a:r>
+                    </a:p>
+                    <a:p>
+                      <a:pPr marL="285750" indent="-285750">
+                        <a:buFont typeface="Arial" panose="020B0604020202020204" pitchFamily="34" charset="0"/>
+                        <a:buChar char="•"/>
+                      </a:pPr>
+                      <a:r>
+                        <a:rPr lang="de-DE" sz="1700" dirty="0"/>
+                        <a:t>Trägheit</a:t>
+                      </a:r>
+                    </a:p>
+                    <a:p>
+                      <a:pPr marL="285750" indent="-285750">
+                        <a:buFont typeface="Arial" panose="020B0604020202020204" pitchFamily="34" charset="0"/>
+                        <a:buChar char="•"/>
+                      </a:pPr>
+                      <a:endParaRPr lang="de-DE" sz="1700" dirty="0"/>
+                    </a:p>
+                  </a:txBody>
+                  <a:tcPr>
+                    <a:lnL w="12700" cap="flat" cmpd="sng" algn="ctr">
+                      <a:solidFill>
+                        <a:schemeClr val="tx1"/>
+                      </a:solidFill>
+                      <a:prstDash val="solid"/>
+                      <a:round/>
+                      <a:headEnd type="none" w="med" len="med"/>
+                      <a:tailEnd type="none" w="med" len="med"/>
+                    </a:lnL>
+                    <a:lnR w="12700" cap="flat" cmpd="sng" algn="ctr">
+                      <a:solidFill>
+                        <a:schemeClr val="tx1"/>
+                      </a:solidFill>
+                      <a:prstDash val="solid"/>
+                      <a:round/>
+                      <a:headEnd type="none" w="med" len="med"/>
+                      <a:tailEnd type="none" w="med" len="med"/>
+                    </a:lnR>
+                    <a:lnT w="12700" cap="flat" cmpd="sng" algn="ctr">
+                      <a:solidFill>
+                        <a:schemeClr val="tx1"/>
+                      </a:solidFill>
+                      <a:prstDash val="solid"/>
+                      <a:round/>
+                      <a:headEnd type="none" w="med" len="med"/>
+                      <a:tailEnd type="none" w="med" len="med"/>
+                    </a:lnT>
+                    <a:lnB w="12700" cap="flat" cmpd="sng" algn="ctr">
+                      <a:solidFill>
+                        <a:schemeClr val="tx1"/>
+                      </a:solidFill>
+                      <a:prstDash val="solid"/>
+                      <a:round/>
+                      <a:headEnd type="none" w="med" len="med"/>
+                      <a:tailEnd type="none" w="med" len="med"/>
+                    </a:lnB>
+                    <a:lnTlToBr w="12700" cmpd="sng">
+                      <a:noFill/>
+                      <a:prstDash val="solid"/>
+                    </a:lnTlToBr>
+                    <a:lnBlToTr w="12700" cmpd="sng">
+                      <a:noFill/>
+                      <a:prstDash val="solid"/>
+                    </a:lnBlToTr>
+                    <a:solidFill>
+                      <a:schemeClr val="bg1">
+                        <a:lumMod val="85000"/>
+                      </a:schemeClr>
+                    </a:solidFill>
+                  </a:tcPr>
+                </a:tc>
+                <a:extLst>
+                  <a:ext uri="{0D108BD9-81ED-4DB2-BD59-A6C34878D82A}">
+                    <a16:rowId xmlns:a16="http://schemas.microsoft.com/office/drawing/2014/main" val="1207695137"/>
+                  </a:ext>
+                </a:extLst>
+              </a:tr>
+              <a:tr h="370840">
+                <a:tc>
+                  <a:txBody>
+                    <a:bodyPr/>
+                    <a:lstStyle/>
+                    <a:p>
+                      <a:pPr algn="l"/>
+                      <a:r>
+                        <a:rPr lang="de-DE" sz="1700" dirty="0"/>
+                        <a:t>Nicht Modelliert</a:t>
+                      </a:r>
+                    </a:p>
+                  </a:txBody>
+                  <a:tcPr>
+                    <a:lnL w="12700" cap="flat" cmpd="sng" algn="ctr">
+                      <a:solidFill>
+                        <a:schemeClr val="tx1"/>
+                      </a:solidFill>
+                      <a:prstDash val="solid"/>
+                      <a:round/>
+                      <a:headEnd type="none" w="med" len="med"/>
+                      <a:tailEnd type="none" w="med" len="med"/>
+                    </a:lnL>
+                    <a:lnR w="12700" cap="flat" cmpd="sng" algn="ctr">
+                      <a:solidFill>
+                        <a:schemeClr val="tx1"/>
+                      </a:solidFill>
+                      <a:prstDash val="solid"/>
+                      <a:round/>
+                      <a:headEnd type="none" w="med" len="med"/>
+                      <a:tailEnd type="none" w="med" len="med"/>
+                    </a:lnR>
+                    <a:lnT w="12700" cap="flat" cmpd="sng" algn="ctr">
+                      <a:solidFill>
+                        <a:schemeClr val="tx1"/>
+                      </a:solidFill>
+                      <a:prstDash val="solid"/>
+                      <a:round/>
+                      <a:headEnd type="none" w="med" len="med"/>
+                      <a:tailEnd type="none" w="med" len="med"/>
+                    </a:lnT>
+                    <a:lnB w="12700" cap="flat" cmpd="sng" algn="ctr">
+                      <a:solidFill>
+                        <a:schemeClr val="tx1"/>
+                      </a:solidFill>
+                      <a:prstDash val="solid"/>
+                      <a:round/>
+                      <a:headEnd type="none" w="med" len="med"/>
+                      <a:tailEnd type="none" w="med" len="med"/>
+                    </a:lnB>
+                    <a:lnTlToBr w="12700" cmpd="sng">
+                      <a:noFill/>
+                      <a:prstDash val="solid"/>
+                    </a:lnTlToBr>
+                    <a:lnBlToTr w="12700" cmpd="sng">
+                      <a:noFill/>
+                      <a:prstDash val="solid"/>
+                    </a:lnBlToTr>
+                    <a:solidFill>
+                      <a:schemeClr val="bg1">
+                        <a:lumMod val="85000"/>
+                      </a:schemeClr>
+                    </a:solidFill>
+                  </a:tcPr>
+                </a:tc>
+                <a:tc>
+                  <a:txBody>
+                    <a:bodyPr/>
+                    <a:lstStyle/>
+                    <a:p>
+                      <a:pPr marL="285750" indent="-285750">
+                        <a:buFont typeface="Arial" panose="020B0604020202020204" pitchFamily="34" charset="0"/>
+                        <a:buChar char="•"/>
+                      </a:pPr>
+                      <a:r>
+                        <a:rPr lang="de-DE" sz="1700" dirty="0"/>
+                        <a:t>Bremskonstante</a:t>
+                      </a:r>
+                    </a:p>
+                  </a:txBody>
+                  <a:tcPr>
+                    <a:lnL w="12700" cap="flat" cmpd="sng" algn="ctr">
+                      <a:solidFill>
+                        <a:schemeClr val="tx1"/>
+                      </a:solidFill>
+                      <a:prstDash val="solid"/>
+                      <a:round/>
+                      <a:headEnd type="none" w="med" len="med"/>
+                      <a:tailEnd type="none" w="med" len="med"/>
+                    </a:lnL>
+                    <a:lnR w="12700" cap="flat" cmpd="sng" algn="ctr">
+                      <a:solidFill>
+                        <a:schemeClr val="tx1"/>
+                      </a:solidFill>
+                      <a:prstDash val="solid"/>
+                      <a:round/>
+                      <a:headEnd type="none" w="med" len="med"/>
+                      <a:tailEnd type="none" w="med" len="med"/>
+                    </a:lnR>
+                    <a:lnT w="12700" cap="flat" cmpd="sng" algn="ctr">
+                      <a:solidFill>
+                        <a:schemeClr val="tx1"/>
+                      </a:solidFill>
+                      <a:prstDash val="solid"/>
+                      <a:round/>
+                      <a:headEnd type="none" w="med" len="med"/>
+                      <a:tailEnd type="none" w="med" len="med"/>
+                    </a:lnT>
+                    <a:lnB w="12700" cap="flat" cmpd="sng" algn="ctr">
+                      <a:solidFill>
+                        <a:schemeClr val="tx1"/>
+                      </a:solidFill>
+                      <a:prstDash val="solid"/>
+                      <a:round/>
+                      <a:headEnd type="none" w="med" len="med"/>
+                      <a:tailEnd type="none" w="med" len="med"/>
+                    </a:lnB>
+                    <a:lnTlToBr w="12700" cmpd="sng">
+                      <a:noFill/>
+                      <a:prstDash val="solid"/>
+                    </a:lnTlToBr>
+                    <a:lnBlToTr w="12700" cmpd="sng">
+                      <a:noFill/>
+                      <a:prstDash val="solid"/>
+                    </a:lnBlToTr>
+                    <a:solidFill>
+                      <a:schemeClr val="bg1">
+                        <a:lumMod val="85000"/>
+                      </a:schemeClr>
+                    </a:solidFill>
+                  </a:tcPr>
+                </a:tc>
+                <a:tc>
+                  <a:txBody>
+                    <a:bodyPr/>
+                    <a:lstStyle/>
+                    <a:p>
+                      <a:pPr marL="285750" indent="-285750">
+                        <a:buFont typeface="Arial" panose="020B0604020202020204" pitchFamily="34" charset="0"/>
+                        <a:buChar char="•"/>
+                      </a:pPr>
+                      <a:r>
+                        <a:rPr lang="de-DE" sz="1700" dirty="0"/>
+                        <a:t>Einzelbetrachtung der Rollen</a:t>
+                      </a:r>
+                    </a:p>
+                    <a:p>
+                      <a:pPr marL="285750" indent="-285750">
+                        <a:buFont typeface="Arial" panose="020B0604020202020204" pitchFamily="34" charset="0"/>
+                        <a:buChar char="•"/>
+                      </a:pPr>
+                      <a:r>
+                        <a:rPr lang="de-DE" sz="1700" dirty="0"/>
+                        <a:t>Biegearbeit Seil</a:t>
+                      </a:r>
+                    </a:p>
+                    <a:p>
+                      <a:pPr marL="285750" indent="-285750">
+                        <a:buFont typeface="Arial" panose="020B0604020202020204" pitchFamily="34" charset="0"/>
+                        <a:buChar char="•"/>
+                      </a:pPr>
+                      <a:r>
+                        <a:rPr lang="de-DE" sz="1700" dirty="0"/>
+                        <a:t>Lagerwiderstand Rollen</a:t>
+                      </a:r>
+                    </a:p>
+                    <a:p>
+                      <a:pPr marL="285750" indent="-285750">
+                        <a:buFont typeface="Arial" panose="020B0604020202020204" pitchFamily="34" charset="0"/>
+                        <a:buChar char="•"/>
+                      </a:pPr>
+                      <a:r>
+                        <a:rPr lang="de-DE" sz="1700" dirty="0"/>
+                        <a:t>Seilreibung </a:t>
+                      </a:r>
+                    </a:p>
+                    <a:p>
+                      <a:pPr marL="285750" indent="-285750">
+                        <a:buFont typeface="Arial" panose="020B0604020202020204" pitchFamily="34" charset="0"/>
+                        <a:buChar char="•"/>
+                      </a:pPr>
+                      <a:r>
+                        <a:rPr lang="de-DE" sz="1700" dirty="0"/>
+                        <a:t>Seildehnung</a:t>
+                      </a:r>
+                    </a:p>
+                    <a:p>
+                      <a:pPr marL="285750" indent="-285750">
+                        <a:buFont typeface="Arial" panose="020B0604020202020204" pitchFamily="34" charset="0"/>
+                        <a:buChar char="•"/>
+                      </a:pPr>
+                      <a:r>
+                        <a:rPr lang="de-DE" sz="1700" dirty="0"/>
+                        <a:t>Verschleiß</a:t>
+                      </a:r>
+                    </a:p>
+                  </a:txBody>
+                  <a:tcPr>
+                    <a:lnL w="12700" cap="flat" cmpd="sng" algn="ctr">
+                      <a:solidFill>
+                        <a:schemeClr val="tx1"/>
+                      </a:solidFill>
+                      <a:prstDash val="solid"/>
+                      <a:round/>
+                      <a:headEnd type="none" w="med" len="med"/>
+                      <a:tailEnd type="none" w="med" len="med"/>
+                    </a:lnL>
+                    <a:lnR w="12700" cap="flat" cmpd="sng" algn="ctr">
+                      <a:solidFill>
+                        <a:schemeClr val="tx1"/>
+                      </a:solidFill>
+                      <a:prstDash val="solid"/>
+                      <a:round/>
+                      <a:headEnd type="none" w="med" len="med"/>
+                      <a:tailEnd type="none" w="med" len="med"/>
+                    </a:lnR>
+                    <a:lnT w="12700" cap="flat" cmpd="sng" algn="ctr">
+                      <a:solidFill>
+                        <a:schemeClr val="tx1"/>
+                      </a:solidFill>
+                      <a:prstDash val="solid"/>
+                      <a:round/>
+                      <a:headEnd type="none" w="med" len="med"/>
+                      <a:tailEnd type="none" w="med" len="med"/>
+                    </a:lnT>
+                    <a:lnB w="12700" cap="flat" cmpd="sng" algn="ctr">
+                      <a:solidFill>
+                        <a:schemeClr val="tx1"/>
+                      </a:solidFill>
+                      <a:prstDash val="solid"/>
+                      <a:round/>
+                      <a:headEnd type="none" w="med" len="med"/>
+                      <a:tailEnd type="none" w="med" len="med"/>
+                    </a:lnB>
+                    <a:lnTlToBr w="12700" cmpd="sng">
+                      <a:noFill/>
+                      <a:prstDash val="solid"/>
+                    </a:lnTlToBr>
+                    <a:lnBlToTr w="12700" cmpd="sng">
+                      <a:noFill/>
+                      <a:prstDash val="solid"/>
+                    </a:lnBlToTr>
+                    <a:solidFill>
+                      <a:schemeClr val="bg1">
+                        <a:lumMod val="85000"/>
+                      </a:schemeClr>
+                    </a:solidFill>
+                  </a:tcPr>
+                </a:tc>
+                <a:tc>
+                  <a:txBody>
+                    <a:bodyPr/>
+                    <a:lstStyle/>
+                    <a:p>
+                      <a:pPr marL="285750" indent="-285750">
+                        <a:buFont typeface="Arial" panose="020B0604020202020204" pitchFamily="34" charset="0"/>
+                        <a:buChar char="•"/>
+                      </a:pPr>
+                      <a:r>
+                        <a:rPr lang="de-DE" sz="1700" dirty="0"/>
+                        <a:t>Masse</a:t>
+                      </a:r>
+                    </a:p>
+                  </a:txBody>
+                  <a:tcPr>
+                    <a:lnL w="12700" cap="flat" cmpd="sng" algn="ctr">
+                      <a:solidFill>
+                        <a:schemeClr val="tx1"/>
+                      </a:solidFill>
+                      <a:prstDash val="solid"/>
+                      <a:round/>
+                      <a:headEnd type="none" w="med" len="med"/>
+                      <a:tailEnd type="none" w="med" len="med"/>
+                    </a:lnL>
+                    <a:lnR w="12700" cap="flat" cmpd="sng" algn="ctr">
+                      <a:solidFill>
+                        <a:schemeClr val="tx1"/>
+                      </a:solidFill>
+                      <a:prstDash val="solid"/>
+                      <a:round/>
+                      <a:headEnd type="none" w="med" len="med"/>
+                      <a:tailEnd type="none" w="med" len="med"/>
+                    </a:lnR>
+                    <a:lnT w="12700" cap="flat" cmpd="sng" algn="ctr">
+                      <a:solidFill>
+                        <a:schemeClr val="tx1"/>
+                      </a:solidFill>
+                      <a:prstDash val="solid"/>
+                      <a:round/>
+                      <a:headEnd type="none" w="med" len="med"/>
+                      <a:tailEnd type="none" w="med" len="med"/>
+                    </a:lnT>
+                    <a:lnB w="12700" cap="flat" cmpd="sng" algn="ctr">
+                      <a:solidFill>
+                        <a:schemeClr val="tx1"/>
+                      </a:solidFill>
+                      <a:prstDash val="solid"/>
+                      <a:round/>
+                      <a:headEnd type="none" w="med" len="med"/>
+                      <a:tailEnd type="none" w="med" len="med"/>
+                    </a:lnB>
+                    <a:lnTlToBr w="12700" cmpd="sng">
+                      <a:noFill/>
+                      <a:prstDash val="solid"/>
+                    </a:lnTlToBr>
+                    <a:lnBlToTr w="12700" cmpd="sng">
+                      <a:noFill/>
+                      <a:prstDash val="solid"/>
+                    </a:lnBlToTr>
+                    <a:solidFill>
+                      <a:schemeClr val="bg1">
+                        <a:lumMod val="85000"/>
+                      </a:schemeClr>
+                    </a:solidFill>
+                  </a:tcPr>
+                </a:tc>
+                <a:extLst>
+                  <a:ext uri="{0D108BD9-81ED-4DB2-BD59-A6C34878D82A}">
+                    <a16:rowId xmlns:a16="http://schemas.microsoft.com/office/drawing/2014/main" val="3442596702"/>
+                  </a:ext>
+                </a:extLst>
+              </a:tr>
+            </a:tbl>
+          </a:graphicData>
+        </a:graphic>
+      </p:graphicFrame>
     </p:spTree>
     <p:extLst>
       <p:ext uri="{BB962C8B-B14F-4D97-AF65-F5344CB8AC3E}">
-        <p14:creationId xmlns:p14="http://schemas.microsoft.com/office/powerpoint/2010/main" val="3415789791"/>
+        <p14:creationId xmlns:p14="http://schemas.microsoft.com/office/powerpoint/2010/main" val="1991257652"/>
       </p:ext>
     </p:extLst>
   </p:cSld>

--- a/Modelica_PowerPoint.pptx
+++ b/Modelica_PowerPoint.pptx
@@ -5,11 +5,12 @@
     <p:sldMasterId id="2147483648" r:id="rId1"/>
   </p:sldMasterIdLst>
   <p:notesMasterIdLst>
-    <p:notesMasterId r:id="rId4"/>
+    <p:notesMasterId r:id="rId5"/>
   </p:notesMasterIdLst>
   <p:sldIdLst>
     <p:sldId id="266" r:id="rId2"/>
-    <p:sldId id="267" r:id="rId3"/>
+    <p:sldId id="268" r:id="rId3"/>
+    <p:sldId id="267" r:id="rId4"/>
   </p:sldIdLst>
   <p:sldSz cx="12192000" cy="6858000"/>
   <p:notesSz cx="6858000" cy="9144000"/>
@@ -198,7 +199,7 @@
           <a:p>
             <a:fld id="{AC262210-E975-424F-9C4F-FC859D81FDDA}" type="datetimeFigureOut">
               <a:rPr lang="de-DE" smtClean="0"/>
-              <a:t>10.12.2019</a:t>
+              <a:t>17.12.19</a:t>
             </a:fld>
             <a:endParaRPr lang="de-DE"/>
           </a:p>
@@ -623,6 +624,90 @@
     </p:spTree>
     <p:extLst>
       <p:ext uri="{BB962C8B-B14F-4D97-AF65-F5344CB8AC3E}">
+        <p14:creationId xmlns:p14="http://schemas.microsoft.com/office/powerpoint/2010/main" val="2398698342"/>
+      </p:ext>
+    </p:extLst>
+  </p:cSld>
+  <p:clrMapOvr>
+    <a:masterClrMapping/>
+  </p:clrMapOvr>
+</p:notes>
+</file>
+
+<file path=ppt/notesSlides/notesSlide3.xml><?xml version="1.0" encoding="utf-8"?>
+<p:notes xmlns:a="http://schemas.openxmlformats.org/drawingml/2006/main" xmlns:r="http://schemas.openxmlformats.org/officeDocument/2006/relationships" xmlns:p="http://schemas.openxmlformats.org/presentationml/2006/main">
+  <p:cSld>
+    <p:spTree>
+      <p:nvGrpSpPr>
+        <p:cNvPr id="1" name=""/>
+        <p:cNvGrpSpPr/>
+        <p:nvPr/>
+      </p:nvGrpSpPr>
+      <p:grpSpPr>
+        <a:xfrm>
+          <a:off x="0" y="0"/>
+          <a:ext cx="0" cy="0"/>
+          <a:chOff x="0" y="0"/>
+          <a:chExt cx="0" cy="0"/>
+        </a:xfrm>
+      </p:grpSpPr>
+      <p:sp>
+        <p:nvSpPr>
+          <p:cNvPr id="2" name="Slide Image Placeholder 1"/>
+          <p:cNvSpPr>
+            <a:spLocks noGrp="1" noRot="1" noChangeAspect="1"/>
+          </p:cNvSpPr>
+          <p:nvPr>
+            <p:ph type="sldImg"/>
+          </p:nvPr>
+        </p:nvSpPr>
+        <p:spPr/>
+      </p:sp>
+      <p:sp>
+        <p:nvSpPr>
+          <p:cNvPr id="3" name="Notes Placeholder 2"/>
+          <p:cNvSpPr>
+            <a:spLocks noGrp="1"/>
+          </p:cNvSpPr>
+          <p:nvPr>
+            <p:ph type="body" idx="1"/>
+          </p:nvPr>
+        </p:nvSpPr>
+        <p:spPr/>
+        <p:txBody>
+          <a:bodyPr/>
+          <a:lstStyle/>
+          <a:p>
+            <a:endParaRPr lang="en-US"/>
+          </a:p>
+        </p:txBody>
+      </p:sp>
+      <p:sp>
+        <p:nvSpPr>
+          <p:cNvPr id="4" name="Slide Number Placeholder 3"/>
+          <p:cNvSpPr>
+            <a:spLocks noGrp="1"/>
+          </p:cNvSpPr>
+          <p:nvPr>
+            <p:ph type="sldNum" sz="quarter" idx="10"/>
+          </p:nvPr>
+        </p:nvSpPr>
+        <p:spPr/>
+        <p:txBody>
+          <a:bodyPr/>
+          <a:lstStyle/>
+          <a:p>
+            <a:fld id="{23B7CA77-1722-C145-88A4-5673D4C8FAB0}" type="slidenum">
+              <a:rPr lang="en-US" smtClean="0"/>
+              <a:t>3</a:t>
+            </a:fld>
+            <a:endParaRPr lang="en-US"/>
+          </a:p>
+        </p:txBody>
+      </p:sp>
+    </p:spTree>
+    <p:extLst>
+      <p:ext uri="{BB962C8B-B14F-4D97-AF65-F5344CB8AC3E}">
         <p14:creationId xmlns:p14="http://schemas.microsoft.com/office/powerpoint/2010/main" val="1672741074"/>
       </p:ext>
     </p:extLst>
@@ -780,7 +865,7 @@
           <a:p>
             <a:fld id="{49B81064-BBD9-1E4C-BCC1-379E6EE606E7}" type="datetimeFigureOut">
               <a:rPr lang="de-DE" smtClean="0"/>
-              <a:t>10.12.2019</a:t>
+              <a:t>17.12.19</a:t>
             </a:fld>
             <a:endParaRPr lang="de-DE"/>
           </a:p>
@@ -978,7 +1063,7 @@
           <a:p>
             <a:fld id="{49B81064-BBD9-1E4C-BCC1-379E6EE606E7}" type="datetimeFigureOut">
               <a:rPr lang="de-DE" smtClean="0"/>
-              <a:t>10.12.2019</a:t>
+              <a:t>17.12.19</a:t>
             </a:fld>
             <a:endParaRPr lang="de-DE"/>
           </a:p>
@@ -1186,7 +1271,7 @@
           <a:p>
             <a:fld id="{49B81064-BBD9-1E4C-BCC1-379E6EE606E7}" type="datetimeFigureOut">
               <a:rPr lang="de-DE" smtClean="0"/>
-              <a:t>10.12.2019</a:t>
+              <a:t>17.12.19</a:t>
             </a:fld>
             <a:endParaRPr lang="de-DE"/>
           </a:p>
@@ -1384,7 +1469,7 @@
           <a:p>
             <a:fld id="{49B81064-BBD9-1E4C-BCC1-379E6EE606E7}" type="datetimeFigureOut">
               <a:rPr lang="de-DE" smtClean="0"/>
-              <a:t>10.12.2019</a:t>
+              <a:t>17.12.19</a:t>
             </a:fld>
             <a:endParaRPr lang="de-DE"/>
           </a:p>
@@ -1659,7 +1744,7 @@
           <a:p>
             <a:fld id="{49B81064-BBD9-1E4C-BCC1-379E6EE606E7}" type="datetimeFigureOut">
               <a:rPr lang="de-DE" smtClean="0"/>
-              <a:t>10.12.2019</a:t>
+              <a:t>17.12.19</a:t>
             </a:fld>
             <a:endParaRPr lang="de-DE"/>
           </a:p>
@@ -1924,7 +2009,7 @@
           <a:p>
             <a:fld id="{49B81064-BBD9-1E4C-BCC1-379E6EE606E7}" type="datetimeFigureOut">
               <a:rPr lang="de-DE" smtClean="0"/>
-              <a:t>10.12.2019</a:t>
+              <a:t>17.12.19</a:t>
             </a:fld>
             <a:endParaRPr lang="de-DE"/>
           </a:p>
@@ -2336,7 +2421,7 @@
           <a:p>
             <a:fld id="{49B81064-BBD9-1E4C-BCC1-379E6EE606E7}" type="datetimeFigureOut">
               <a:rPr lang="de-DE" smtClean="0"/>
-              <a:t>10.12.2019</a:t>
+              <a:t>17.12.19</a:t>
             </a:fld>
             <a:endParaRPr lang="de-DE"/>
           </a:p>
@@ -2477,7 +2562,7 @@
           <a:p>
             <a:fld id="{49B81064-BBD9-1E4C-BCC1-379E6EE606E7}" type="datetimeFigureOut">
               <a:rPr lang="de-DE" smtClean="0"/>
-              <a:t>10.12.2019</a:t>
+              <a:t>17.12.19</a:t>
             </a:fld>
             <a:endParaRPr lang="de-DE"/>
           </a:p>
@@ -2590,7 +2675,7 @@
           <a:p>
             <a:fld id="{49B81064-BBD9-1E4C-BCC1-379E6EE606E7}" type="datetimeFigureOut">
               <a:rPr lang="de-DE" smtClean="0"/>
-              <a:t>10.12.2019</a:t>
+              <a:t>17.12.19</a:t>
             </a:fld>
             <a:endParaRPr lang="de-DE"/>
           </a:p>
@@ -2901,7 +2986,7 @@
           <a:p>
             <a:fld id="{49B81064-BBD9-1E4C-BCC1-379E6EE606E7}" type="datetimeFigureOut">
               <a:rPr lang="de-DE" smtClean="0"/>
-              <a:t>10.12.2019</a:t>
+              <a:t>17.12.19</a:t>
             </a:fld>
             <a:endParaRPr lang="de-DE"/>
           </a:p>
@@ -3189,7 +3274,7 @@
           <a:p>
             <a:fld id="{49B81064-BBD9-1E4C-BCC1-379E6EE606E7}" type="datetimeFigureOut">
               <a:rPr lang="de-DE" smtClean="0"/>
-              <a:t>10.12.2019</a:t>
+              <a:t>17.12.19</a:t>
             </a:fld>
             <a:endParaRPr lang="de-DE"/>
           </a:p>
@@ -3430,7 +3515,7 @@
           <a:p>
             <a:fld id="{49B81064-BBD9-1E4C-BCC1-379E6EE606E7}" type="datetimeFigureOut">
               <a:rPr lang="de-DE" smtClean="0"/>
-              <a:t>10.12.2019</a:t>
+              <a:t>17.12.19</a:t>
             </a:fld>
             <a:endParaRPr lang="de-DE"/>
           </a:p>
@@ -3831,7 +3916,7 @@
 </file>
 
 <file path=ppt/slides/slide1.xml><?xml version="1.0" encoding="utf-8"?>
-<p:sld xmlns:a="http://schemas.openxmlformats.org/drawingml/2006/main" xmlns:r="http://schemas.openxmlformats.org/officeDocument/2006/relationships" xmlns:p="http://schemas.openxmlformats.org/presentationml/2006/main">
+<p:sld xmlns:a="http://schemas.openxmlformats.org/drawingml/2006/main" xmlns:r="http://schemas.openxmlformats.org/officeDocument/2006/relationships" xmlns:p="http://schemas.openxmlformats.org/presentationml/2006/main" show="0">
   <p:cSld>
     <p:spTree>
       <p:nvGrpSpPr>
@@ -4373,8 +4458,8 @@
             <a:chExt cx="10670085" cy="1811313"/>
           </a:xfrm>
         </p:grpSpPr>
-        <mc:AlternateContent xmlns:mc="http://schemas.openxmlformats.org/markup-compatibility/2006">
-          <mc:Choice xmlns:a14="http://schemas.microsoft.com/office/drawing/2010/main" Requires="a14">
+        <mc:AlternateContent xmlns:mc="http://schemas.openxmlformats.org/markup-compatibility/2006" xmlns:a14="http://schemas.microsoft.com/office/drawing/2010/main">
+          <mc:Choice Requires="a14">
             <p:sp>
               <p:nvSpPr>
                 <p:cNvPr id="13" name="Textfeld 12">
@@ -4403,6 +4488,7 @@
                 </a:bodyPr>
                 <a:lstStyle/>
                 <a:p>
+                  <a:pPr/>
                   <a14:m>
                     <m:oMathPara xmlns:m="http://schemas.openxmlformats.org/officeDocument/2006/math">
                       <m:oMathParaPr>
@@ -4568,7 +4654,7 @@
               </p:txBody>
             </p:sp>
           </mc:Choice>
-          <mc:Fallback>
+          <mc:Fallback xmlns="">
             <p:sp>
               <p:nvSpPr>
                 <p:cNvPr id="13" name="Textfeld 12">
@@ -4613,8 +4699,8 @@
             </p:sp>
           </mc:Fallback>
         </mc:AlternateContent>
-        <mc:AlternateContent xmlns:mc="http://schemas.openxmlformats.org/markup-compatibility/2006">
-          <mc:Choice xmlns:a14="http://schemas.microsoft.com/office/drawing/2010/main" Requires="a14">
+        <mc:AlternateContent xmlns:mc="http://schemas.openxmlformats.org/markup-compatibility/2006" xmlns:a14="http://schemas.microsoft.com/office/drawing/2010/main">
+          <mc:Choice Requires="a14">
             <p:sp>
               <p:nvSpPr>
                 <p:cNvPr id="9" name="Textfeld 8">
@@ -4643,6 +4729,7 @@
                 </a:bodyPr>
                 <a:lstStyle/>
                 <a:p>
+                  <a:pPr/>
                   <a14:m>
                     <m:oMathPara xmlns:m="http://schemas.openxmlformats.org/officeDocument/2006/math">
                       <m:oMathParaPr>
@@ -4831,7 +4918,7 @@
               </p:txBody>
             </p:sp>
           </mc:Choice>
-          <mc:Fallback>
+          <mc:Fallback xmlns="">
             <p:sp>
               <p:nvSpPr>
                 <p:cNvPr id="9" name="Textfeld 8">
@@ -4876,8 +4963,8 @@
             </p:sp>
           </mc:Fallback>
         </mc:AlternateContent>
-        <mc:AlternateContent xmlns:mc="http://schemas.openxmlformats.org/markup-compatibility/2006">
-          <mc:Choice xmlns:a14="http://schemas.microsoft.com/office/drawing/2010/main" Requires="a14">
+        <mc:AlternateContent xmlns:mc="http://schemas.openxmlformats.org/markup-compatibility/2006" xmlns:a14="http://schemas.microsoft.com/office/drawing/2010/main">
+          <mc:Choice Requires="a14">
             <p:sp>
               <p:nvSpPr>
                 <p:cNvPr id="24" name="Textfeld 23">
@@ -4906,6 +4993,7 @@
                 </a:bodyPr>
                 <a:lstStyle/>
                 <a:p>
+                  <a:pPr/>
                   <a14:m>
                     <m:oMathPara xmlns:m="http://schemas.openxmlformats.org/officeDocument/2006/math">
                       <m:oMathParaPr>
@@ -5082,7 +5170,7 @@
               </p:txBody>
             </p:sp>
           </mc:Choice>
-          <mc:Fallback>
+          <mc:Fallback xmlns="">
             <p:sp>
               <p:nvSpPr>
                 <p:cNvPr id="24" name="Textfeld 23">
@@ -5128,8 +5216,8 @@
           </mc:Fallback>
         </mc:AlternateContent>
       </p:grpSp>
-      <mc:AlternateContent xmlns:mc="http://schemas.openxmlformats.org/markup-compatibility/2006">
-        <mc:Choice xmlns:a14="http://schemas.microsoft.com/office/drawing/2010/main" Requires="a14">
+      <mc:AlternateContent xmlns:mc="http://schemas.openxmlformats.org/markup-compatibility/2006" xmlns:a14="http://schemas.microsoft.com/office/drawing/2010/main">
+        <mc:Choice Requires="a14">
           <p:sp>
             <p:nvSpPr>
               <p:cNvPr id="22" name="Textfeld 21">
@@ -5158,6 +5246,7 @@
               </a:bodyPr>
               <a:lstStyle/>
               <a:p>
+                <a:pPr/>
                 <a14:m>
                   <m:oMathPara xmlns:m="http://schemas.openxmlformats.org/officeDocument/2006/math">
                     <m:oMathParaPr>
@@ -5294,7 +5383,7 @@
             </p:txBody>
           </p:sp>
         </mc:Choice>
-        <mc:Fallback>
+        <mc:Fallback xmlns="">
           <p:sp>
             <p:nvSpPr>
               <p:cNvPr id="22" name="Textfeld 21">
@@ -5455,6 +5544,483 @@
                   <a:schemeClr val="bg1"/>
                 </a:solidFill>
               </a:rPr>
+              <a:t>Fallunterscheidung der Zugrichtung bei Flaschenzügen</a:t>
+            </a:r>
+          </a:p>
+        </p:txBody>
+      </p:sp>
+      <p:pic>
+        <p:nvPicPr>
+          <p:cNvPr id="3" name="Grafik 2">
+            <a:extLst>
+              <a:ext uri="{FF2B5EF4-FFF2-40B4-BE49-F238E27FC236}">
+                <a16:creationId xmlns:a16="http://schemas.microsoft.com/office/drawing/2014/main" id="{A7C7E694-B2BE-427B-8E49-C3F67041A2B1}"/>
+              </a:ext>
+            </a:extLst>
+          </p:cNvPr>
+          <p:cNvPicPr>
+            <a:picLocks noChangeAspect="1"/>
+          </p:cNvPicPr>
+          <p:nvPr/>
+        </p:nvPicPr>
+        <p:blipFill rotWithShape="1">
+          <a:blip r:embed="rId3"/>
+          <a:srcRect l="53885" b="8131"/>
+          <a:stretch/>
+        </p:blipFill>
+        <p:spPr>
+          <a:xfrm>
+            <a:off x="3398275" y="1173408"/>
+            <a:ext cx="2333932" cy="4649631"/>
+          </a:xfrm>
+          <a:prstGeom prst="rect">
+            <a:avLst/>
+          </a:prstGeom>
+        </p:spPr>
+      </p:pic>
+      <p:sp>
+        <p:nvSpPr>
+          <p:cNvPr id="4" name="Textfeld 3">
+            <a:extLst>
+              <a:ext uri="{FF2B5EF4-FFF2-40B4-BE49-F238E27FC236}">
+                <a16:creationId xmlns:a16="http://schemas.microsoft.com/office/drawing/2014/main" id="{0F6EDA5D-08BD-424E-BB99-63B1E1DA16E9}"/>
+              </a:ext>
+            </a:extLst>
+          </p:cNvPr>
+          <p:cNvSpPr txBox="1"/>
+          <p:nvPr/>
+        </p:nvSpPr>
+        <p:spPr>
+          <a:xfrm>
+            <a:off x="2738284" y="6072211"/>
+            <a:ext cx="8470490" cy="276999"/>
+          </a:xfrm>
+          <a:prstGeom prst="rect">
+            <a:avLst/>
+          </a:prstGeom>
+          <a:noFill/>
+        </p:spPr>
+        <p:txBody>
+          <a:bodyPr wrap="square" rtlCol="0">
+            <a:spAutoFit/>
+          </a:bodyPr>
+          <a:lstStyle/>
+          <a:p>
+            <a:r>
+              <a:rPr lang="de-DE" sz="1200" dirty="0">
+                <a:solidFill>
+                  <a:srgbClr val="767171"/>
+                </a:solidFill>
+              </a:rPr>
+              <a:t>Quelle: Auszüge aus: </a:t>
+            </a:r>
+            <a:r>
+              <a:rPr lang="de-DE" sz="1200" dirty="0">
+                <a:solidFill>
+                  <a:srgbClr val="767171"/>
+                </a:solidFill>
+                <a:hlinkClick r:id="rId4"/>
+              </a:rPr>
+              <a:t>https://www.leifiphysik.de/mechanik/einfache-maschinen/grundwissen/flaschenzug</a:t>
+            </a:r>
+            <a:r>
+              <a:rPr lang="de-DE" sz="1200" dirty="0">
+                <a:solidFill>
+                  <a:srgbClr val="767171"/>
+                </a:solidFill>
+              </a:rPr>
+              <a:t>, 10.12.2019</a:t>
+            </a:r>
+          </a:p>
+        </p:txBody>
+      </p:sp>
+      <p:pic>
+        <p:nvPicPr>
+          <p:cNvPr id="2" name="Grafik 1">
+            <a:extLst>
+              <a:ext uri="{FF2B5EF4-FFF2-40B4-BE49-F238E27FC236}">
+                <a16:creationId xmlns:a16="http://schemas.microsoft.com/office/drawing/2014/main" id="{A3646AC9-CB67-4FA7-9B7F-AA96322D3DAE}"/>
+              </a:ext>
+            </a:extLst>
+          </p:cNvPr>
+          <p:cNvPicPr>
+            <a:picLocks noChangeAspect="1"/>
+          </p:cNvPicPr>
+          <p:nvPr/>
+        </p:nvPicPr>
+        <p:blipFill rotWithShape="1">
+          <a:blip r:embed="rId5"/>
+          <a:srcRect r="56740" b="10555"/>
+          <a:stretch/>
+        </p:blipFill>
+        <p:spPr>
+          <a:xfrm>
+            <a:off x="6217784" y="1197179"/>
+            <a:ext cx="2225777" cy="4602087"/>
+          </a:xfrm>
+          <a:prstGeom prst="rect">
+            <a:avLst/>
+          </a:prstGeom>
+        </p:spPr>
+      </p:pic>
+      <p:sp>
+        <p:nvSpPr>
+          <p:cNvPr id="5" name="Textfeld 4">
+            <a:extLst>
+              <a:ext uri="{FF2B5EF4-FFF2-40B4-BE49-F238E27FC236}">
+                <a16:creationId xmlns:a16="http://schemas.microsoft.com/office/drawing/2014/main" id="{DA64C7B7-EF5F-4CB6-B525-13908E954EEC}"/>
+              </a:ext>
+            </a:extLst>
+          </p:cNvPr>
+          <p:cNvSpPr txBox="1"/>
+          <p:nvPr/>
+        </p:nvSpPr>
+        <p:spPr>
+          <a:xfrm>
+            <a:off x="8804900" y="1503171"/>
+            <a:ext cx="2955822" cy="1754326"/>
+          </a:xfrm>
+          <a:prstGeom prst="rect">
+            <a:avLst/>
+          </a:prstGeom>
+          <a:noFill/>
+        </p:spPr>
+        <p:txBody>
+          <a:bodyPr wrap="square" rtlCol="0">
+            <a:spAutoFit/>
+          </a:bodyPr>
+          <a:lstStyle/>
+          <a:p>
+            <a:r>
+              <a:rPr lang="de-DE" dirty="0">
+                <a:solidFill>
+                  <a:schemeClr val="tx1">
+                    <a:lumMod val="75000"/>
+                    <a:lumOff val="25000"/>
+                  </a:schemeClr>
+                </a:solidFill>
+              </a:rPr>
+              <a:t>Anzahl Rollen:	 n = 3</a:t>
+            </a:r>
+          </a:p>
+          <a:p>
+            <a:r>
+              <a:rPr lang="de-DE" dirty="0">
+                <a:solidFill>
+                  <a:schemeClr val="tx1">
+                    <a:lumMod val="75000"/>
+                    <a:lumOff val="25000"/>
+                  </a:schemeClr>
+                </a:solidFill>
+              </a:rPr>
+              <a:t>Tragende Seile: 	 n + 1 = 4</a:t>
+            </a:r>
+          </a:p>
+          <a:p>
+            <a:endParaRPr lang="de-DE" dirty="0">
+              <a:solidFill>
+                <a:schemeClr val="tx1">
+                  <a:lumMod val="75000"/>
+                  <a:lumOff val="25000"/>
+                </a:schemeClr>
+              </a:solidFill>
+            </a:endParaRPr>
+          </a:p>
+          <a:p>
+            <a:endParaRPr lang="de-DE" dirty="0">
+              <a:solidFill>
+                <a:schemeClr val="tx1">
+                  <a:lumMod val="75000"/>
+                  <a:lumOff val="25000"/>
+                </a:schemeClr>
+              </a:solidFill>
+            </a:endParaRPr>
+          </a:p>
+          <a:p>
+            <a:r>
+              <a:rPr lang="de-DE" dirty="0">
+                <a:solidFill>
+                  <a:schemeClr val="tx1">
+                    <a:lumMod val="75000"/>
+                    <a:lumOff val="25000"/>
+                  </a:schemeClr>
+                </a:solidFill>
+              </a:rPr>
+              <a:t>n in Modell parametrierbar. </a:t>
+            </a:r>
+          </a:p>
+          <a:p>
+            <a:endParaRPr lang="de-DE" dirty="0"/>
+          </a:p>
+        </p:txBody>
+      </p:sp>
+      <p:sp>
+        <p:nvSpPr>
+          <p:cNvPr id="11" name="Textfeld 10">
+            <a:extLst>
+              <a:ext uri="{FF2B5EF4-FFF2-40B4-BE49-F238E27FC236}">
+                <a16:creationId xmlns:a16="http://schemas.microsoft.com/office/drawing/2014/main" id="{E5CF1146-4C2D-4072-8C7B-8395860D2189}"/>
+              </a:ext>
+            </a:extLst>
+          </p:cNvPr>
+          <p:cNvSpPr txBox="1"/>
+          <p:nvPr/>
+        </p:nvSpPr>
+        <p:spPr>
+          <a:xfrm>
+            <a:off x="350274" y="1503171"/>
+            <a:ext cx="2863643" cy="1477328"/>
+          </a:xfrm>
+          <a:prstGeom prst="rect">
+            <a:avLst/>
+          </a:prstGeom>
+          <a:noFill/>
+        </p:spPr>
+        <p:txBody>
+          <a:bodyPr wrap="square" rtlCol="0">
+            <a:spAutoFit/>
+          </a:bodyPr>
+          <a:lstStyle/>
+          <a:p>
+            <a:r>
+              <a:rPr lang="de-DE" dirty="0">
+                <a:solidFill>
+                  <a:schemeClr val="tx1">
+                    <a:lumMod val="75000"/>
+                    <a:lumOff val="25000"/>
+                  </a:schemeClr>
+                </a:solidFill>
+              </a:rPr>
+              <a:t>Anzahl Rollen: 	n = 3</a:t>
+            </a:r>
+          </a:p>
+          <a:p>
+            <a:r>
+              <a:rPr lang="de-DE" dirty="0">
+                <a:solidFill>
+                  <a:schemeClr val="tx1">
+                    <a:lumMod val="75000"/>
+                    <a:lumOff val="25000"/>
+                  </a:schemeClr>
+                </a:solidFill>
+              </a:rPr>
+              <a:t>Tragende Seile: 	n = 3 </a:t>
+            </a:r>
+          </a:p>
+          <a:p>
+            <a:endParaRPr lang="de-DE" dirty="0">
+              <a:solidFill>
+                <a:schemeClr val="tx1">
+                  <a:lumMod val="75000"/>
+                  <a:lumOff val="25000"/>
+                </a:schemeClr>
+              </a:solidFill>
+            </a:endParaRPr>
+          </a:p>
+          <a:p>
+            <a:endParaRPr lang="de-DE" dirty="0">
+              <a:solidFill>
+                <a:schemeClr val="tx1">
+                  <a:lumMod val="75000"/>
+                  <a:lumOff val="25000"/>
+                </a:schemeClr>
+              </a:solidFill>
+            </a:endParaRPr>
+          </a:p>
+          <a:p>
+            <a:r>
+              <a:rPr lang="de-DE" dirty="0">
+                <a:solidFill>
+                  <a:schemeClr val="tx1">
+                    <a:lumMod val="75000"/>
+                    <a:lumOff val="25000"/>
+                  </a:schemeClr>
+                </a:solidFill>
+              </a:rPr>
+              <a:t>n in Modell parametrierbar</a:t>
+            </a:r>
+            <a:r>
+              <a:rPr lang="de-DE" dirty="0"/>
+              <a:t>. </a:t>
+            </a:r>
+          </a:p>
+        </p:txBody>
+      </p:sp>
+      <p:pic>
+        <p:nvPicPr>
+          <p:cNvPr id="8" name="Grafik 7">
+            <a:extLst>
+              <a:ext uri="{FF2B5EF4-FFF2-40B4-BE49-F238E27FC236}">
+                <a16:creationId xmlns:a16="http://schemas.microsoft.com/office/drawing/2014/main" id="{56AC7FF1-363E-F043-B45D-55BFB42205C3}"/>
+              </a:ext>
+            </a:extLst>
+          </p:cNvPr>
+          <p:cNvPicPr>
+            <a:picLocks noChangeAspect="1"/>
+          </p:cNvPicPr>
+          <p:nvPr/>
+        </p:nvPicPr>
+        <p:blipFill rotWithShape="1">
+          <a:blip r:embed="rId6"/>
+          <a:srcRect l="1303" t="5127" r="2686" b="5127"/>
+          <a:stretch/>
+        </p:blipFill>
+        <p:spPr>
+          <a:xfrm>
+            <a:off x="8736074" y="3756749"/>
+            <a:ext cx="3255482" cy="1813341"/>
+          </a:xfrm>
+          <a:prstGeom prst="rect">
+            <a:avLst/>
+          </a:prstGeom>
+        </p:spPr>
+      </p:pic>
+      <p:pic>
+        <p:nvPicPr>
+          <p:cNvPr id="12" name="Grafik 11">
+            <a:extLst>
+              <a:ext uri="{FF2B5EF4-FFF2-40B4-BE49-F238E27FC236}">
+                <a16:creationId xmlns:a16="http://schemas.microsoft.com/office/drawing/2014/main" id="{F8272BB2-1810-5E46-B696-1F7371EC186E}"/>
+              </a:ext>
+            </a:extLst>
+          </p:cNvPr>
+          <p:cNvPicPr>
+            <a:picLocks noChangeAspect="1"/>
+          </p:cNvPicPr>
+          <p:nvPr/>
+        </p:nvPicPr>
+        <p:blipFill>
+          <a:blip r:embed="rId7"/>
+          <a:stretch>
+            <a:fillRect/>
+          </a:stretch>
+        </p:blipFill>
+        <p:spPr>
+          <a:xfrm>
+            <a:off x="285008" y="3756749"/>
+            <a:ext cx="3113267" cy="1813341"/>
+          </a:xfrm>
+          <a:prstGeom prst="rect">
+            <a:avLst/>
+          </a:prstGeom>
+        </p:spPr>
+      </p:pic>
+    </p:spTree>
+    <p:extLst>
+      <p:ext uri="{BB962C8B-B14F-4D97-AF65-F5344CB8AC3E}">
+        <p14:creationId xmlns:p14="http://schemas.microsoft.com/office/powerpoint/2010/main" val="3157042781"/>
+      </p:ext>
+    </p:extLst>
+  </p:cSld>
+  <p:clrMapOvr>
+    <a:masterClrMapping/>
+  </p:clrMapOvr>
+</p:sld>
+</file>
+
+<file path=ppt/slides/slide3.xml><?xml version="1.0" encoding="utf-8"?>
+<p:sld xmlns:a="http://schemas.openxmlformats.org/drawingml/2006/main" xmlns:r="http://schemas.openxmlformats.org/officeDocument/2006/relationships" xmlns:p="http://schemas.openxmlformats.org/presentationml/2006/main">
+  <p:cSld>
+    <p:spTree>
+      <p:nvGrpSpPr>
+        <p:cNvPr id="1" name=""/>
+        <p:cNvGrpSpPr/>
+        <p:nvPr/>
+      </p:nvGrpSpPr>
+      <p:grpSpPr>
+        <a:xfrm>
+          <a:off x="0" y="0"/>
+          <a:ext cx="0" cy="0"/>
+          <a:chOff x="0" y="0"/>
+          <a:chExt cx="0" cy="0"/>
+        </a:xfrm>
+      </p:grpSpPr>
+      <p:sp>
+        <p:nvSpPr>
+          <p:cNvPr id="6" name="Footer Placeholder 5"/>
+          <p:cNvSpPr>
+            <a:spLocks noGrp="1"/>
+          </p:cNvSpPr>
+          <p:nvPr>
+            <p:ph type="ftr" sz="quarter" idx="11"/>
+          </p:nvPr>
+        </p:nvSpPr>
+        <p:spPr/>
+        <p:txBody>
+          <a:bodyPr/>
+          <a:lstStyle/>
+          <a:p>
+            <a:r>
+              <a:rPr lang="en-US" dirty="0"/>
+              <a:t>Daniel </a:t>
+            </a:r>
+            <a:r>
+              <a:rPr lang="en-US" dirty="0" err="1"/>
+              <a:t>Dittler</a:t>
+            </a:r>
+            <a:r>
+              <a:rPr lang="en-US" dirty="0"/>
+              <a:t>, Lukas Mönch, Sebastian Bauer Timo Schaaf</a:t>
+            </a:r>
+          </a:p>
+        </p:txBody>
+      </p:sp>
+      <p:sp>
+        <p:nvSpPr>
+          <p:cNvPr id="7" name="Slide Number Placeholder 6"/>
+          <p:cNvSpPr>
+            <a:spLocks noGrp="1"/>
+          </p:cNvSpPr>
+          <p:nvPr>
+            <p:ph type="sldNum" sz="quarter" idx="12"/>
+          </p:nvPr>
+        </p:nvSpPr>
+        <p:spPr/>
+        <p:txBody>
+          <a:bodyPr/>
+          <a:lstStyle/>
+          <a:p>
+            <a:fld id="{B69C8B10-783B-5C46-80D5-6D3CC11084C1}" type="slidenum">
+              <a:rPr lang="en-US" smtClean="0"/>
+              <a:t>3</a:t>
+            </a:fld>
+            <a:endParaRPr lang="en-US"/>
+          </a:p>
+        </p:txBody>
+      </p:sp>
+      <p:sp>
+        <p:nvSpPr>
+          <p:cNvPr id="10" name="Titel 9"/>
+          <p:cNvSpPr>
+            <a:spLocks noGrp="1"/>
+          </p:cNvSpPr>
+          <p:nvPr>
+            <p:ph type="ctrTitle"/>
+          </p:nvPr>
+        </p:nvSpPr>
+        <p:spPr>
+          <a:xfrm>
+            <a:off x="0" y="0"/>
+            <a:ext cx="12192000" cy="726921"/>
+          </a:xfrm>
+          <a:solidFill>
+            <a:schemeClr val="bg2">
+              <a:lumMod val="50000"/>
+            </a:schemeClr>
+          </a:solidFill>
+        </p:spPr>
+        <p:txBody>
+          <a:bodyPr>
+            <a:normAutofit/>
+          </a:bodyPr>
+          <a:lstStyle/>
+          <a:p>
+            <a:r>
+              <a:rPr lang="de-DE" sz="3200" dirty="0">
+                <a:solidFill>
+                  <a:schemeClr val="bg1"/>
+                </a:solidFill>
+              </a:rPr>
               <a:t>Übersicht Hauptkomponenten</a:t>
             </a:r>
           </a:p>
@@ -5475,14 +6041,14 @@
           <p:nvPr>
             <p:extLst>
               <p:ext uri="{D42A27DB-BD31-4B8C-83A1-F6EECF244321}">
-                <p14:modId xmlns:p14="http://schemas.microsoft.com/office/powerpoint/2010/main" val="1058153951"/>
+                <p14:modId xmlns:p14="http://schemas.microsoft.com/office/powerpoint/2010/main" val="254299812"/>
               </p:ext>
             </p:extLst>
           </p:nvPr>
         </p:nvGraphicFramePr>
         <p:xfrm>
           <a:off x="416589" y="828358"/>
-          <a:ext cx="11358822" cy="2367280"/>
+          <a:ext cx="11358822" cy="2108200"/>
         </p:xfrm>
         <a:graphic>
           <a:graphicData uri="http://schemas.openxmlformats.org/drawingml/2006/table">
@@ -5931,7 +6497,7 @@
                       </a:r>
                       <a:r>
                         <a:rPr lang="de-DE" sz="1700" dirty="0" err="1"/>
-                        <a:t>Generatorischer</a:t>
+                        <a:t>generatorischer</a:t>
                       </a:r>
                       <a:r>
                         <a:rPr lang="de-DE" sz="1700" dirty="0"/>
@@ -6096,7 +6662,7 @@
                       <a:pPr algn="l"/>
                       <a:r>
                         <a:rPr lang="de-DE" sz="1700" dirty="0"/>
-                        <a:t>Nicht Modelliert</a:t>
+                        <a:t>Ausblick</a:t>
                       </a:r>
                     </a:p>
                   </a:txBody>
@@ -6298,16 +6864,6 @@
                       <a:r>
                         <a:rPr lang="de-DE" sz="1700" dirty="0"/>
                         <a:t>Mehrere Getriebestufen in einem Modell</a:t>
-                      </a:r>
-                    </a:p>
-                    <a:p>
-                      <a:pPr marL="285750" indent="-285750">
-                        <a:buFont typeface="Arial" panose="020B0604020202020204" pitchFamily="34" charset="0"/>
-                        <a:buChar char="•"/>
-                      </a:pPr>
-                      <a:r>
-                        <a:rPr lang="de-DE" sz="1700" dirty="0"/>
-                        <a:t>Selbsthemmung</a:t>
                       </a:r>
                     </a:p>
                   </a:txBody>
@@ -6388,14 +6944,14 @@
           <p:nvPr>
             <p:extLst>
               <p:ext uri="{D42A27DB-BD31-4B8C-83A1-F6EECF244321}">
-                <p14:modId xmlns:p14="http://schemas.microsoft.com/office/powerpoint/2010/main" val="1788161100"/>
+                <p14:modId xmlns:p14="http://schemas.microsoft.com/office/powerpoint/2010/main" val="242108984"/>
               </p:ext>
             </p:extLst>
           </p:nvPr>
         </p:nvGraphicFramePr>
         <p:xfrm>
-          <a:off x="416589" y="3297075"/>
-          <a:ext cx="11358822" cy="3403600"/>
+          <a:off x="416589" y="3203734"/>
+          <a:ext cx="11358822" cy="2885440"/>
         </p:xfrm>
         <a:graphic>
           <a:graphicData uri="http://schemas.openxmlformats.org/drawingml/2006/table">
@@ -6927,35 +7483,8 @@
                       </a:pPr>
                       <a:r>
                         <a:rPr lang="de-DE" sz="1700" dirty="0"/>
-                        <a:t>Übersetzungsverhältnis</a:t>
+                        <a:t>Gewicht in kg</a:t>
                       </a:r>
-                    </a:p>
-                    <a:p>
-                      <a:pPr marL="285750" indent="-285750">
-                        <a:buFont typeface="Arial" panose="020B0604020202020204" pitchFamily="34" charset="0"/>
-                        <a:buChar char="•"/>
-                      </a:pPr>
-                      <a:r>
-                        <a:rPr lang="de-DE" sz="1700" dirty="0"/>
-                        <a:t>Wirkungsgrad</a:t>
-                      </a:r>
-                    </a:p>
-                    <a:p>
-                      <a:pPr marL="285750" indent="-285750">
-                        <a:buFont typeface="Arial" panose="020B0604020202020204" pitchFamily="34" charset="0"/>
-                        <a:buChar char="•"/>
-                      </a:pPr>
-                      <a:r>
-                        <a:rPr lang="de-DE" sz="1700" dirty="0"/>
-                        <a:t>Trägheit</a:t>
-                      </a:r>
-                    </a:p>
-                    <a:p>
-                      <a:pPr marL="285750" indent="-285750">
-                        <a:buFont typeface="Arial" panose="020B0604020202020204" pitchFamily="34" charset="0"/>
-                        <a:buChar char="•"/>
-                      </a:pPr>
-                      <a:endParaRPr lang="de-DE" sz="1700" dirty="0"/>
                     </a:p>
                   </a:txBody>
                   <a:tcPr>
@@ -7025,7 +7554,7 @@
                       <a:pPr algn="l"/>
                       <a:r>
                         <a:rPr lang="de-DE" sz="1700" dirty="0"/>
-                        <a:t>Nicht Modelliert</a:t>
+                        <a:t>Ausblick</a:t>
                       </a:r>
                     </a:p>
                   </a:txBody>
@@ -7159,27 +7688,7 @@
                       </a:pPr>
                       <a:r>
                         <a:rPr lang="de-DE" sz="1700" dirty="0"/>
-                        <a:t>Einzelbetrachtung der Rollen</a:t>
-                      </a:r>
-                    </a:p>
-                    <a:p>
-                      <a:pPr marL="285750" indent="-285750">
-                        <a:buFont typeface="Arial" panose="020B0604020202020204" pitchFamily="34" charset="0"/>
-                        <a:buChar char="•"/>
-                      </a:pPr>
-                      <a:r>
-                        <a:rPr lang="de-DE" sz="1700" dirty="0"/>
                         <a:t>Biegearbeit Seil</a:t>
-                      </a:r>
-                    </a:p>
-                    <a:p>
-                      <a:pPr marL="285750" indent="-285750">
-                        <a:buFont typeface="Arial" panose="020B0604020202020204" pitchFamily="34" charset="0"/>
-                        <a:buChar char="•"/>
-                      </a:pPr>
-                      <a:r>
-                        <a:rPr lang="de-DE" sz="1700" dirty="0"/>
-                        <a:t>Lagerwiderstand Rollen</a:t>
                       </a:r>
                     </a:p>
                     <a:p>
@@ -7270,14 +7779,11 @@
                     <a:bodyPr/>
                     <a:lstStyle/>
                     <a:p>
-                      <a:pPr marL="285750" indent="-285750">
+                      <a:pPr marL="0" indent="0">
                         <a:buFont typeface="Arial" panose="020B0604020202020204" pitchFamily="34" charset="0"/>
-                        <a:buChar char="•"/>
+                        <a:buNone/>
                       </a:pPr>
-                      <a:r>
-                        <a:rPr lang="de-DE" sz="1700" dirty="0"/>
-                        <a:t>Masse</a:t>
-                      </a:r>
+                      <a:endParaRPr lang="de-DE" sz="1700" dirty="0"/>
                     </a:p>
                   </a:txBody>
                   <a:tcPr>

--- a/Modelica_PowerPoint.pptx
+++ b/Modelica_PowerPoint.pptx
@@ -199,7 +199,7 @@
           <a:p>
             <a:fld id="{AC262210-E975-424F-9C4F-FC859D81FDDA}" type="datetimeFigureOut">
               <a:rPr lang="de-DE" smtClean="0"/>
-              <a:t>17.12.19</a:t>
+              <a:t>17.12.2019</a:t>
             </a:fld>
             <a:endParaRPr lang="de-DE"/>
           </a:p>
@@ -865,7 +865,7 @@
           <a:p>
             <a:fld id="{49B81064-BBD9-1E4C-BCC1-379E6EE606E7}" type="datetimeFigureOut">
               <a:rPr lang="de-DE" smtClean="0"/>
-              <a:t>17.12.19</a:t>
+              <a:t>17.12.2019</a:t>
             </a:fld>
             <a:endParaRPr lang="de-DE"/>
           </a:p>
@@ -1063,7 +1063,7 @@
           <a:p>
             <a:fld id="{49B81064-BBD9-1E4C-BCC1-379E6EE606E7}" type="datetimeFigureOut">
               <a:rPr lang="de-DE" smtClean="0"/>
-              <a:t>17.12.19</a:t>
+              <a:t>17.12.2019</a:t>
             </a:fld>
             <a:endParaRPr lang="de-DE"/>
           </a:p>
@@ -1271,7 +1271,7 @@
           <a:p>
             <a:fld id="{49B81064-BBD9-1E4C-BCC1-379E6EE606E7}" type="datetimeFigureOut">
               <a:rPr lang="de-DE" smtClean="0"/>
-              <a:t>17.12.19</a:t>
+              <a:t>17.12.2019</a:t>
             </a:fld>
             <a:endParaRPr lang="de-DE"/>
           </a:p>
@@ -1469,7 +1469,7 @@
           <a:p>
             <a:fld id="{49B81064-BBD9-1E4C-BCC1-379E6EE606E7}" type="datetimeFigureOut">
               <a:rPr lang="de-DE" smtClean="0"/>
-              <a:t>17.12.19</a:t>
+              <a:t>17.12.2019</a:t>
             </a:fld>
             <a:endParaRPr lang="de-DE"/>
           </a:p>
@@ -1744,7 +1744,7 @@
           <a:p>
             <a:fld id="{49B81064-BBD9-1E4C-BCC1-379E6EE606E7}" type="datetimeFigureOut">
               <a:rPr lang="de-DE" smtClean="0"/>
-              <a:t>17.12.19</a:t>
+              <a:t>17.12.2019</a:t>
             </a:fld>
             <a:endParaRPr lang="de-DE"/>
           </a:p>
@@ -2009,7 +2009,7 @@
           <a:p>
             <a:fld id="{49B81064-BBD9-1E4C-BCC1-379E6EE606E7}" type="datetimeFigureOut">
               <a:rPr lang="de-DE" smtClean="0"/>
-              <a:t>17.12.19</a:t>
+              <a:t>17.12.2019</a:t>
             </a:fld>
             <a:endParaRPr lang="de-DE"/>
           </a:p>
@@ -2421,7 +2421,7 @@
           <a:p>
             <a:fld id="{49B81064-BBD9-1E4C-BCC1-379E6EE606E7}" type="datetimeFigureOut">
               <a:rPr lang="de-DE" smtClean="0"/>
-              <a:t>17.12.19</a:t>
+              <a:t>17.12.2019</a:t>
             </a:fld>
             <a:endParaRPr lang="de-DE"/>
           </a:p>
@@ -2562,7 +2562,7 @@
           <a:p>
             <a:fld id="{49B81064-BBD9-1E4C-BCC1-379E6EE606E7}" type="datetimeFigureOut">
               <a:rPr lang="de-DE" smtClean="0"/>
-              <a:t>17.12.19</a:t>
+              <a:t>17.12.2019</a:t>
             </a:fld>
             <a:endParaRPr lang="de-DE"/>
           </a:p>
@@ -2675,7 +2675,7 @@
           <a:p>
             <a:fld id="{49B81064-BBD9-1E4C-BCC1-379E6EE606E7}" type="datetimeFigureOut">
               <a:rPr lang="de-DE" smtClean="0"/>
-              <a:t>17.12.19</a:t>
+              <a:t>17.12.2019</a:t>
             </a:fld>
             <a:endParaRPr lang="de-DE"/>
           </a:p>
@@ -2986,7 +2986,7 @@
           <a:p>
             <a:fld id="{49B81064-BBD9-1E4C-BCC1-379E6EE606E7}" type="datetimeFigureOut">
               <a:rPr lang="de-DE" smtClean="0"/>
-              <a:t>17.12.19</a:t>
+              <a:t>17.12.2019</a:t>
             </a:fld>
             <a:endParaRPr lang="de-DE"/>
           </a:p>
@@ -3274,7 +3274,7 @@
           <a:p>
             <a:fld id="{49B81064-BBD9-1E4C-BCC1-379E6EE606E7}" type="datetimeFigureOut">
               <a:rPr lang="de-DE" smtClean="0"/>
-              <a:t>17.12.19</a:t>
+              <a:t>17.12.2019</a:t>
             </a:fld>
             <a:endParaRPr lang="de-DE"/>
           </a:p>
@@ -3515,7 +3515,7 @@
           <a:p>
             <a:fld id="{49B81064-BBD9-1E4C-BCC1-379E6EE606E7}" type="datetimeFigureOut">
               <a:rPr lang="de-DE" smtClean="0"/>
-              <a:t>17.12.19</a:t>
+              <a:t>17.12.2019</a:t>
             </a:fld>
             <a:endParaRPr lang="de-DE"/>
           </a:p>
@@ -3934,124 +3934,6 @@
       </p:grpSpPr>
       <p:sp>
         <p:nvSpPr>
-          <p:cNvPr id="19" name="Rechteck 18">
-            <a:extLst>
-              <a:ext uri="{FF2B5EF4-FFF2-40B4-BE49-F238E27FC236}">
-                <a16:creationId xmlns:a16="http://schemas.microsoft.com/office/drawing/2014/main" id="{C60CF995-5F55-47C4-9021-BC21C1B2D68B}"/>
-              </a:ext>
-            </a:extLst>
-          </p:cNvPr>
-          <p:cNvSpPr/>
-          <p:nvPr/>
-        </p:nvSpPr>
-        <p:spPr>
-          <a:xfrm>
-            <a:off x="8665906" y="3890212"/>
-            <a:ext cx="3205806" cy="1808059"/>
-          </a:xfrm>
-          <a:prstGeom prst="rect">
-            <a:avLst/>
-          </a:prstGeom>
-          <a:solidFill>
-            <a:srgbClr val="DBDBDB"/>
-          </a:solidFill>
-          <a:ln>
-            <a:noFill/>
-          </a:ln>
-          <a:effectLst>
-            <a:outerShdw blurRad="50800" dist="38100" dir="5400000" algn="t" rotWithShape="0">
-              <a:prstClr val="black">
-                <a:alpha val="40000"/>
-              </a:prstClr>
-            </a:outerShdw>
-          </a:effectLst>
-        </p:spPr>
-        <p:style>
-          <a:lnRef idx="2">
-            <a:schemeClr val="accent1">
-              <a:shade val="50000"/>
-            </a:schemeClr>
-          </a:lnRef>
-          <a:fillRef idx="1">
-            <a:schemeClr val="accent1"/>
-          </a:fillRef>
-          <a:effectRef idx="0">
-            <a:schemeClr val="accent1"/>
-          </a:effectRef>
-          <a:fontRef idx="minor">
-            <a:schemeClr val="lt1"/>
-          </a:fontRef>
-        </p:style>
-        <p:txBody>
-          <a:bodyPr rtlCol="0" anchor="ctr"/>
-          <a:lstStyle/>
-          <a:p>
-            <a:pPr algn="ctr"/>
-            <a:endParaRPr lang="de-DE"/>
-          </a:p>
-        </p:txBody>
-      </p:sp>
-      <p:sp>
-        <p:nvSpPr>
-          <p:cNvPr id="17" name="Rechteck 16">
-            <a:extLst>
-              <a:ext uri="{FF2B5EF4-FFF2-40B4-BE49-F238E27FC236}">
-                <a16:creationId xmlns:a16="http://schemas.microsoft.com/office/drawing/2014/main" id="{302AA3A1-5489-4E4F-B844-D0520332307D}"/>
-              </a:ext>
-            </a:extLst>
-          </p:cNvPr>
-          <p:cNvSpPr/>
-          <p:nvPr/>
-        </p:nvSpPr>
-        <p:spPr>
-          <a:xfrm>
-            <a:off x="359617" y="3890213"/>
-            <a:ext cx="3205806" cy="1808059"/>
-          </a:xfrm>
-          <a:prstGeom prst="rect">
-            <a:avLst/>
-          </a:prstGeom>
-          <a:solidFill>
-            <a:srgbClr val="DBDBDB"/>
-          </a:solidFill>
-          <a:ln>
-            <a:noFill/>
-          </a:ln>
-          <a:effectLst>
-            <a:outerShdw blurRad="50800" dist="38100" dir="5400000" algn="t" rotWithShape="0">
-              <a:prstClr val="black">
-                <a:alpha val="40000"/>
-              </a:prstClr>
-            </a:outerShdw>
-          </a:effectLst>
-        </p:spPr>
-        <p:style>
-          <a:lnRef idx="2">
-            <a:schemeClr val="accent1">
-              <a:shade val="50000"/>
-            </a:schemeClr>
-          </a:lnRef>
-          <a:fillRef idx="1">
-            <a:schemeClr val="accent1"/>
-          </a:fillRef>
-          <a:effectRef idx="0">
-            <a:schemeClr val="accent1"/>
-          </a:effectRef>
-          <a:fontRef idx="minor">
-            <a:schemeClr val="lt1"/>
-          </a:fontRef>
-        </p:style>
-        <p:txBody>
-          <a:bodyPr rtlCol="0" anchor="ctr"/>
-          <a:lstStyle/>
-          <a:p>
-            <a:pPr algn="ctr"/>
-            <a:endParaRPr lang="de-DE"/>
-          </a:p>
-        </p:txBody>
-      </p:sp>
-      <p:sp>
-        <p:nvSpPr>
           <p:cNvPr id="6" name="Footer Placeholder 5"/>
           <p:cNvSpPr>
             <a:spLocks noGrp="1"/>
@@ -4440,10 +4322,10 @@
       </p:sp>
       <p:grpSp>
         <p:nvGrpSpPr>
-          <p:cNvPr id="18" name="Gruppieren 17">
+          <p:cNvPr id="12" name="Gruppieren 11">
             <a:extLst>
               <a:ext uri="{FF2B5EF4-FFF2-40B4-BE49-F238E27FC236}">
-                <a16:creationId xmlns:a16="http://schemas.microsoft.com/office/drawing/2014/main" id="{92796F98-95E9-421C-AEA1-683CBCEE4FFD}"/>
+                <a16:creationId xmlns:a16="http://schemas.microsoft.com/office/drawing/2014/main" id="{BCEAF476-6F62-4152-9A7D-94279B1DB2DF}"/>
               </a:ext>
             </a:extLst>
           </p:cNvPr>
@@ -4452,14 +4334,73 @@
         </p:nvGrpSpPr>
         <p:grpSpPr>
           <a:xfrm>
-            <a:off x="718128" y="3977472"/>
-            <a:ext cx="10670085" cy="1811313"/>
-            <a:chOff x="566095" y="2830853"/>
-            <a:chExt cx="10670085" cy="1811313"/>
+            <a:off x="359617" y="3890213"/>
+            <a:ext cx="3205806" cy="1808059"/>
+            <a:chOff x="359617" y="3890213"/>
+            <a:chExt cx="3205806" cy="1808059"/>
           </a:xfrm>
         </p:grpSpPr>
-        <mc:AlternateContent xmlns:mc="http://schemas.openxmlformats.org/markup-compatibility/2006" xmlns:a14="http://schemas.microsoft.com/office/drawing/2010/main">
-          <mc:Choice Requires="a14">
+        <p:sp>
+          <p:nvSpPr>
+            <p:cNvPr id="17" name="Rechteck 16">
+              <a:extLst>
+                <a:ext uri="{FF2B5EF4-FFF2-40B4-BE49-F238E27FC236}">
+                  <a16:creationId xmlns:a16="http://schemas.microsoft.com/office/drawing/2014/main" id="{302AA3A1-5489-4E4F-B844-D0520332307D}"/>
+                </a:ext>
+              </a:extLst>
+            </p:cNvPr>
+            <p:cNvSpPr/>
+            <p:nvPr/>
+          </p:nvSpPr>
+          <p:spPr>
+            <a:xfrm>
+              <a:off x="359617" y="3890213"/>
+              <a:ext cx="3205806" cy="1808059"/>
+            </a:xfrm>
+            <a:prstGeom prst="rect">
+              <a:avLst/>
+            </a:prstGeom>
+            <a:solidFill>
+              <a:srgbClr val="DBDBDB"/>
+            </a:solidFill>
+            <a:ln>
+              <a:noFill/>
+            </a:ln>
+            <a:effectLst>
+              <a:outerShdw blurRad="50800" dist="38100" dir="5400000" algn="t" rotWithShape="0">
+                <a:prstClr val="black">
+                  <a:alpha val="40000"/>
+                </a:prstClr>
+              </a:outerShdw>
+            </a:effectLst>
+          </p:spPr>
+          <p:style>
+            <a:lnRef idx="2">
+              <a:schemeClr val="accent1">
+                <a:shade val="50000"/>
+              </a:schemeClr>
+            </a:lnRef>
+            <a:fillRef idx="1">
+              <a:schemeClr val="accent1"/>
+            </a:fillRef>
+            <a:effectRef idx="0">
+              <a:schemeClr val="accent1"/>
+            </a:effectRef>
+            <a:fontRef idx="minor">
+              <a:schemeClr val="lt1"/>
+            </a:fontRef>
+          </p:style>
+          <p:txBody>
+            <a:bodyPr rtlCol="0" anchor="ctr"/>
+            <a:lstStyle/>
+            <a:p>
+              <a:pPr algn="ctr"/>
+              <a:endParaRPr lang="de-DE"/>
+            </a:p>
+          </p:txBody>
+        </p:sp>
+        <mc:AlternateContent xmlns:mc="http://schemas.openxmlformats.org/markup-compatibility/2006">
+          <mc:Choice xmlns:a14="http://schemas.microsoft.com/office/drawing/2010/main" Requires="a14">
             <p:sp>
               <p:nvSpPr>
                 <p:cNvPr id="13" name="Textfeld 12">
@@ -4474,7 +4415,7 @@
               </p:nvSpPr>
               <p:spPr>
                 <a:xfrm>
-                  <a:off x="703747" y="3890213"/>
+                  <a:off x="855780" y="5036832"/>
                   <a:ext cx="2270878" cy="369332"/>
                 </a:xfrm>
                 <a:prstGeom prst="rect">
@@ -4654,7 +4595,7 @@
               </p:txBody>
             </p:sp>
           </mc:Choice>
-          <mc:Fallback xmlns="">
+          <mc:Fallback>
             <p:sp>
               <p:nvSpPr>
                 <p:cNvPr id="13" name="Textfeld 12">
@@ -4671,7 +4612,7 @@
               </p:nvSpPr>
               <p:spPr>
                 <a:xfrm>
-                  <a:off x="703747" y="3890213"/>
+                  <a:off x="855780" y="5036832"/>
                   <a:ext cx="2270878" cy="369332"/>
                 </a:xfrm>
                 <a:prstGeom prst="rect">
@@ -4699,8 +4640,8 @@
             </p:sp>
           </mc:Fallback>
         </mc:AlternateContent>
-        <mc:AlternateContent xmlns:mc="http://schemas.openxmlformats.org/markup-compatibility/2006" xmlns:a14="http://schemas.microsoft.com/office/drawing/2010/main">
-          <mc:Choice Requires="a14">
+        <mc:AlternateContent xmlns:mc="http://schemas.openxmlformats.org/markup-compatibility/2006">
+          <mc:Choice xmlns:a14="http://schemas.microsoft.com/office/drawing/2010/main" Requires="a14">
             <p:sp>
               <p:nvSpPr>
                 <p:cNvPr id="9" name="Textfeld 8">
@@ -4715,8 +4656,8 @@
               </p:nvSpPr>
               <p:spPr>
                 <a:xfrm>
-                  <a:off x="566095" y="2830853"/>
-                  <a:ext cx="2270878" cy="1808059"/>
+                  <a:off x="718128" y="3977472"/>
+                  <a:ext cx="2270878" cy="1069395"/>
                 </a:xfrm>
                 <a:prstGeom prst="rect">
                   <a:avLst/>
@@ -4909,16 +4850,10 @@
                 <a:p>
                   <a:endParaRPr lang="de-DE" sz="2400" dirty="0"/>
                 </a:p>
-                <a:p>
-                  <a:endParaRPr lang="de-DE" sz="2400" dirty="0"/>
-                </a:p>
-                <a:p>
-                  <a:endParaRPr lang="de-DE" sz="2400" dirty="0"/>
-                </a:p>
               </p:txBody>
             </p:sp>
           </mc:Choice>
-          <mc:Fallback xmlns="">
+          <mc:Fallback>
             <p:sp>
               <p:nvSpPr>
                 <p:cNvPr id="9" name="Textfeld 8">
@@ -4935,8 +4870,8 @@
               </p:nvSpPr>
               <p:spPr>
                 <a:xfrm>
-                  <a:off x="566095" y="2830853"/>
-                  <a:ext cx="2270878" cy="1808059"/>
+                  <a:off x="718128" y="3977472"/>
+                  <a:ext cx="2270878" cy="1069395"/>
                 </a:xfrm>
                 <a:prstGeom prst="rect">
                   <a:avLst/>
@@ -4963,8 +4898,88 @@
             </p:sp>
           </mc:Fallback>
         </mc:AlternateContent>
-        <mc:AlternateContent xmlns:mc="http://schemas.openxmlformats.org/markup-compatibility/2006" xmlns:a14="http://schemas.microsoft.com/office/drawing/2010/main">
-          <mc:Choice Requires="a14">
+      </p:grpSp>
+      <p:grpSp>
+        <p:nvGrpSpPr>
+          <p:cNvPr id="14" name="Gruppieren 13">
+            <a:extLst>
+              <a:ext uri="{FF2B5EF4-FFF2-40B4-BE49-F238E27FC236}">
+                <a16:creationId xmlns:a16="http://schemas.microsoft.com/office/drawing/2014/main" id="{94B9767A-DCA9-448C-9B14-CE181644ADB4}"/>
+              </a:ext>
+            </a:extLst>
+          </p:cNvPr>
+          <p:cNvGrpSpPr/>
+          <p:nvPr/>
+        </p:nvGrpSpPr>
+        <p:grpSpPr>
+          <a:xfrm>
+            <a:off x="8665906" y="3890212"/>
+            <a:ext cx="3205806" cy="1808059"/>
+            <a:chOff x="8665906" y="3890212"/>
+            <a:chExt cx="3205806" cy="1808059"/>
+          </a:xfrm>
+        </p:grpSpPr>
+        <p:sp>
+          <p:nvSpPr>
+            <p:cNvPr id="19" name="Rechteck 18">
+              <a:extLst>
+                <a:ext uri="{FF2B5EF4-FFF2-40B4-BE49-F238E27FC236}">
+                  <a16:creationId xmlns:a16="http://schemas.microsoft.com/office/drawing/2014/main" id="{C60CF995-5F55-47C4-9021-BC21C1B2D68B}"/>
+                </a:ext>
+              </a:extLst>
+            </p:cNvPr>
+            <p:cNvSpPr/>
+            <p:nvPr/>
+          </p:nvSpPr>
+          <p:spPr>
+            <a:xfrm>
+              <a:off x="8665906" y="3890212"/>
+              <a:ext cx="3205806" cy="1808059"/>
+            </a:xfrm>
+            <a:prstGeom prst="rect">
+              <a:avLst/>
+            </a:prstGeom>
+            <a:solidFill>
+              <a:srgbClr val="DBDBDB"/>
+            </a:solidFill>
+            <a:ln>
+              <a:noFill/>
+            </a:ln>
+            <a:effectLst>
+              <a:outerShdw blurRad="50800" dist="38100" dir="5400000" algn="t" rotWithShape="0">
+                <a:prstClr val="black">
+                  <a:alpha val="40000"/>
+                </a:prstClr>
+              </a:outerShdw>
+            </a:effectLst>
+          </p:spPr>
+          <p:style>
+            <a:lnRef idx="2">
+              <a:schemeClr val="accent1">
+                <a:shade val="50000"/>
+              </a:schemeClr>
+            </a:lnRef>
+            <a:fillRef idx="1">
+              <a:schemeClr val="accent1"/>
+            </a:fillRef>
+            <a:effectRef idx="0">
+              <a:schemeClr val="accent1"/>
+            </a:effectRef>
+            <a:fontRef idx="minor">
+              <a:schemeClr val="lt1"/>
+            </a:fontRef>
+          </p:style>
+          <p:txBody>
+            <a:bodyPr rtlCol="0" anchor="ctr"/>
+            <a:lstStyle/>
+            <a:p>
+              <a:pPr algn="ctr"/>
+              <a:endParaRPr lang="de-DE"/>
+            </a:p>
+          </p:txBody>
+        </p:sp>
+        <mc:AlternateContent xmlns:mc="http://schemas.openxmlformats.org/markup-compatibility/2006">
+          <mc:Choice xmlns:a14="http://schemas.microsoft.com/office/drawing/2010/main" Requires="a14">
             <p:sp>
               <p:nvSpPr>
                 <p:cNvPr id="24" name="Textfeld 23">
@@ -4979,8 +4994,8 @@
               </p:nvSpPr>
               <p:spPr>
                 <a:xfrm>
-                  <a:off x="8965302" y="2834107"/>
-                  <a:ext cx="2270878" cy="1808059"/>
+                  <a:off x="9117335" y="3980726"/>
+                  <a:ext cx="2270878" cy="1063240"/>
                 </a:xfrm>
                 <a:prstGeom prst="rect">
                   <a:avLst/>
@@ -5161,16 +5176,10 @@
                 <a:p>
                   <a:endParaRPr lang="de-DE" sz="2400" dirty="0"/>
                 </a:p>
-                <a:p>
-                  <a:endParaRPr lang="de-DE" sz="2400" dirty="0"/>
-                </a:p>
-                <a:p>
-                  <a:endParaRPr lang="de-DE" sz="2400" dirty="0"/>
-                </a:p>
               </p:txBody>
             </p:sp>
           </mc:Choice>
-          <mc:Fallback xmlns="">
+          <mc:Fallback>
             <p:sp>
               <p:nvSpPr>
                 <p:cNvPr id="24" name="Textfeld 23">
@@ -5187,8 +5196,8 @@
               </p:nvSpPr>
               <p:spPr>
                 <a:xfrm>
-                  <a:off x="8965302" y="2834107"/>
-                  <a:ext cx="2270878" cy="1808059"/>
+                  <a:off x="9117335" y="3980726"/>
+                  <a:ext cx="2270878" cy="1063240"/>
                 </a:xfrm>
                 <a:prstGeom prst="rect">
                   <a:avLst/>
@@ -5215,219 +5224,219 @@
             </p:sp>
           </mc:Fallback>
         </mc:AlternateContent>
+        <mc:AlternateContent xmlns:mc="http://schemas.openxmlformats.org/markup-compatibility/2006">
+          <mc:Choice xmlns:a14="http://schemas.microsoft.com/office/drawing/2010/main" Requires="a14">
+            <p:sp>
+              <p:nvSpPr>
+                <p:cNvPr id="22" name="Textfeld 21">
+                  <a:extLst>
+                    <a:ext uri="{FF2B5EF4-FFF2-40B4-BE49-F238E27FC236}">
+                      <a16:creationId xmlns:a16="http://schemas.microsoft.com/office/drawing/2014/main" id="{1FD57DFC-ED72-469A-8928-F5804A9A26EB}"/>
+                    </a:ext>
+                  </a:extLst>
+                </p:cNvPr>
+                <p:cNvSpPr txBox="1"/>
+                <p:nvPr/>
+              </p:nvSpPr>
+              <p:spPr>
+                <a:xfrm>
+                  <a:off x="9529087" y="5036832"/>
+                  <a:ext cx="1479444" cy="369332"/>
+                </a:xfrm>
+                <a:prstGeom prst="rect">
+                  <a:avLst/>
+                </a:prstGeom>
+                <a:noFill/>
+              </p:spPr>
+              <p:txBody>
+                <a:bodyPr wrap="none" lIns="0" tIns="0" rIns="0" bIns="0" rtlCol="0">
+                  <a:spAutoFit/>
+                </a:bodyPr>
+                <a:lstStyle/>
+                <a:p>
+                  <a:pPr/>
+                  <a14:m>
+                    <m:oMathPara xmlns:m="http://schemas.openxmlformats.org/officeDocument/2006/math">
+                      <m:oMathParaPr>
+                        <m:jc m:val="centerGroup"/>
+                      </m:oMathParaPr>
+                      <m:oMath xmlns:m="http://schemas.openxmlformats.org/officeDocument/2006/math">
+                        <m:sSub>
+                          <m:sSubPr>
+                            <m:ctrlPr>
+                              <a:rPr lang="de-DE" sz="2400" i="1" smtClean="0">
+                                <a:solidFill>
+                                  <a:schemeClr val="tx1">
+                                    <a:lumMod val="75000"/>
+                                    <a:lumOff val="25000"/>
+                                  </a:schemeClr>
+                                </a:solidFill>
+                                <a:latin typeface="Cambria Math" panose="02040503050406030204" pitchFamily="18" charset="0"/>
+                              </a:rPr>
+                            </m:ctrlPr>
+                          </m:sSubPr>
+                          <m:e>
+                            <m:r>
+                              <a:rPr lang="de-DE" sz="2400" b="0" i="1" smtClean="0">
+                                <a:solidFill>
+                                  <a:schemeClr val="tx1">
+                                    <a:lumMod val="75000"/>
+                                    <a:lumOff val="25000"/>
+                                  </a:schemeClr>
+                                </a:solidFill>
+                                <a:latin typeface="Cambria Math" panose="02040503050406030204" pitchFamily="18" charset="0"/>
+                              </a:rPr>
+                              <m:t>𝑠</m:t>
+                            </m:r>
+                          </m:e>
+                          <m:sub>
+                            <m:r>
+                              <a:rPr lang="de-DE" sz="2400" b="0" i="1" smtClean="0">
+                                <a:solidFill>
+                                  <a:schemeClr val="tx1">
+                                    <a:lumMod val="75000"/>
+                                    <a:lumOff val="25000"/>
+                                  </a:schemeClr>
+                                </a:solidFill>
+                                <a:latin typeface="Cambria Math" panose="02040503050406030204" pitchFamily="18" charset="0"/>
+                              </a:rPr>
+                              <m:t>𝑧</m:t>
+                            </m:r>
+                          </m:sub>
+                        </m:sSub>
+                        <m:r>
+                          <a:rPr lang="de-DE" sz="2400" b="0" i="1" smtClean="0">
+                            <a:solidFill>
+                              <a:schemeClr val="tx1">
+                                <a:lumMod val="75000"/>
+                                <a:lumOff val="25000"/>
+                              </a:schemeClr>
+                            </a:solidFill>
+                            <a:latin typeface="Cambria Math" panose="02040503050406030204" pitchFamily="18" charset="0"/>
+                          </a:rPr>
+                          <m:t>=</m:t>
+                        </m:r>
+                        <m:r>
+                          <a:rPr lang="de-DE" sz="2400" b="0" i="1" smtClean="0">
+                            <a:solidFill>
+                              <a:schemeClr val="tx1">
+                                <a:lumMod val="75000"/>
+                                <a:lumOff val="25000"/>
+                              </a:schemeClr>
+                            </a:solidFill>
+                            <a:latin typeface="Cambria Math" panose="02040503050406030204" pitchFamily="18" charset="0"/>
+                          </a:rPr>
+                          <m:t>𝑛</m:t>
+                        </m:r>
+                        <m:r>
+                          <a:rPr lang="de-DE" sz="2400" b="0" i="1" smtClean="0">
+                            <a:solidFill>
+                              <a:schemeClr val="tx1">
+                                <a:lumMod val="75000"/>
+                                <a:lumOff val="25000"/>
+                              </a:schemeClr>
+                            </a:solidFill>
+                            <a:latin typeface="Cambria Math" panose="02040503050406030204" pitchFamily="18" charset="0"/>
+                          </a:rPr>
+                          <m:t>∗</m:t>
+                        </m:r>
+                        <m:sSub>
+                          <m:sSubPr>
+                            <m:ctrlPr>
+                              <a:rPr lang="de-DE" sz="2400" b="0" i="1" smtClean="0">
+                                <a:solidFill>
+                                  <a:schemeClr val="tx1">
+                                    <a:lumMod val="75000"/>
+                                    <a:lumOff val="25000"/>
+                                  </a:schemeClr>
+                                </a:solidFill>
+                                <a:latin typeface="Cambria Math" panose="02040503050406030204" pitchFamily="18" charset="0"/>
+                              </a:rPr>
+                            </m:ctrlPr>
+                          </m:sSubPr>
+                          <m:e>
+                            <m:r>
+                              <a:rPr lang="de-DE" sz="2400" b="0" i="1" smtClean="0">
+                                <a:solidFill>
+                                  <a:schemeClr val="tx1">
+                                    <a:lumMod val="75000"/>
+                                    <a:lumOff val="25000"/>
+                                  </a:schemeClr>
+                                </a:solidFill>
+                                <a:latin typeface="Cambria Math" panose="02040503050406030204" pitchFamily="18" charset="0"/>
+                              </a:rPr>
+                              <m:t>𝑠</m:t>
+                            </m:r>
+                          </m:e>
+                          <m:sub>
+                            <m:r>
+                              <a:rPr lang="de-DE" sz="2400" b="0" i="1" smtClean="0">
+                                <a:solidFill>
+                                  <a:schemeClr val="tx1">
+                                    <a:lumMod val="75000"/>
+                                    <a:lumOff val="25000"/>
+                                  </a:schemeClr>
+                                </a:solidFill>
+                                <a:latin typeface="Cambria Math" panose="02040503050406030204" pitchFamily="18" charset="0"/>
+                              </a:rPr>
+                              <m:t>𝐿</m:t>
+                            </m:r>
+                          </m:sub>
+                        </m:sSub>
+                      </m:oMath>
+                    </m:oMathPara>
+                  </a14:m>
+                  <a:endParaRPr lang="de-DE" sz="2400" dirty="0"/>
+                </a:p>
+              </p:txBody>
+            </p:sp>
+          </mc:Choice>
+          <mc:Fallback>
+            <p:sp>
+              <p:nvSpPr>
+                <p:cNvPr id="22" name="Textfeld 21">
+                  <a:extLst>
+                    <a:ext uri="{FF2B5EF4-FFF2-40B4-BE49-F238E27FC236}">
+                      <a16:creationId xmlns:a16="http://schemas.microsoft.com/office/drawing/2014/main" id="{1FD57DFC-ED72-469A-8928-F5804A9A26EB}"/>
+                    </a:ext>
+                  </a:extLst>
+                </p:cNvPr>
+                <p:cNvSpPr txBox="1">
+                  <a:spLocks noRot="1" noChangeAspect="1" noMove="1" noResize="1" noEditPoints="1" noAdjustHandles="1" noChangeArrowheads="1" noChangeShapeType="1" noTextEdit="1"/>
+                </p:cNvSpPr>
+                <p:nvPr/>
+              </p:nvSpPr>
+              <p:spPr>
+                <a:xfrm>
+                  <a:off x="9529087" y="5036832"/>
+                  <a:ext cx="1479444" cy="369332"/>
+                </a:xfrm>
+                <a:prstGeom prst="rect">
+                  <a:avLst/>
+                </a:prstGeom>
+                <a:blipFill>
+                  <a:blip r:embed="rId9"/>
+                  <a:stretch>
+                    <a:fillRect l="-2058" r="-823" b="-13115"/>
+                  </a:stretch>
+                </a:blipFill>
+              </p:spPr>
+              <p:txBody>
+                <a:bodyPr/>
+                <a:lstStyle/>
+                <a:p>
+                  <a:r>
+                    <a:rPr lang="de-DE">
+                      <a:noFill/>
+                    </a:rPr>
+                    <a:t> </a:t>
+                  </a:r>
+                </a:p>
+              </p:txBody>
+            </p:sp>
+          </mc:Fallback>
+        </mc:AlternateContent>
       </p:grpSp>
-      <mc:AlternateContent xmlns:mc="http://schemas.openxmlformats.org/markup-compatibility/2006" xmlns:a14="http://schemas.microsoft.com/office/drawing/2010/main">
-        <mc:Choice Requires="a14">
-          <p:sp>
-            <p:nvSpPr>
-              <p:cNvPr id="22" name="Textfeld 21">
-                <a:extLst>
-                  <a:ext uri="{FF2B5EF4-FFF2-40B4-BE49-F238E27FC236}">
-                    <a16:creationId xmlns:a16="http://schemas.microsoft.com/office/drawing/2014/main" id="{1FD57DFC-ED72-469A-8928-F5804A9A26EB}"/>
-                  </a:ext>
-                </a:extLst>
-              </p:cNvPr>
-              <p:cNvSpPr txBox="1"/>
-              <p:nvPr/>
-            </p:nvSpPr>
-            <p:spPr>
-              <a:xfrm>
-                <a:off x="9529087" y="5036832"/>
-                <a:ext cx="1479444" cy="369332"/>
-              </a:xfrm>
-              <a:prstGeom prst="rect">
-                <a:avLst/>
-              </a:prstGeom>
-              <a:noFill/>
-            </p:spPr>
-            <p:txBody>
-              <a:bodyPr wrap="none" lIns="0" tIns="0" rIns="0" bIns="0" rtlCol="0">
-                <a:spAutoFit/>
-              </a:bodyPr>
-              <a:lstStyle/>
-              <a:p>
-                <a:pPr/>
-                <a14:m>
-                  <m:oMathPara xmlns:m="http://schemas.openxmlformats.org/officeDocument/2006/math">
-                    <m:oMathParaPr>
-                      <m:jc m:val="centerGroup"/>
-                    </m:oMathParaPr>
-                    <m:oMath xmlns:m="http://schemas.openxmlformats.org/officeDocument/2006/math">
-                      <m:sSub>
-                        <m:sSubPr>
-                          <m:ctrlPr>
-                            <a:rPr lang="de-DE" sz="2400" i="1" smtClean="0">
-                              <a:solidFill>
-                                <a:schemeClr val="tx1">
-                                  <a:lumMod val="75000"/>
-                                  <a:lumOff val="25000"/>
-                                </a:schemeClr>
-                              </a:solidFill>
-                              <a:latin typeface="Cambria Math" panose="02040503050406030204" pitchFamily="18" charset="0"/>
-                            </a:rPr>
-                          </m:ctrlPr>
-                        </m:sSubPr>
-                        <m:e>
-                          <m:r>
-                            <a:rPr lang="de-DE" sz="2400" b="0" i="1" smtClean="0">
-                              <a:solidFill>
-                                <a:schemeClr val="tx1">
-                                  <a:lumMod val="75000"/>
-                                  <a:lumOff val="25000"/>
-                                </a:schemeClr>
-                              </a:solidFill>
-                              <a:latin typeface="Cambria Math" panose="02040503050406030204" pitchFamily="18" charset="0"/>
-                            </a:rPr>
-                            <m:t>𝑠</m:t>
-                          </m:r>
-                        </m:e>
-                        <m:sub>
-                          <m:r>
-                            <a:rPr lang="de-DE" sz="2400" b="0" i="1" smtClean="0">
-                              <a:solidFill>
-                                <a:schemeClr val="tx1">
-                                  <a:lumMod val="75000"/>
-                                  <a:lumOff val="25000"/>
-                                </a:schemeClr>
-                              </a:solidFill>
-                              <a:latin typeface="Cambria Math" panose="02040503050406030204" pitchFamily="18" charset="0"/>
-                            </a:rPr>
-                            <m:t>𝑧</m:t>
-                          </m:r>
-                        </m:sub>
-                      </m:sSub>
-                      <m:r>
-                        <a:rPr lang="de-DE" sz="2400" b="0" i="1" smtClean="0">
-                          <a:solidFill>
-                            <a:schemeClr val="tx1">
-                              <a:lumMod val="75000"/>
-                              <a:lumOff val="25000"/>
-                            </a:schemeClr>
-                          </a:solidFill>
-                          <a:latin typeface="Cambria Math" panose="02040503050406030204" pitchFamily="18" charset="0"/>
-                        </a:rPr>
-                        <m:t>=</m:t>
-                      </m:r>
-                      <m:r>
-                        <a:rPr lang="de-DE" sz="2400" b="0" i="1" smtClean="0">
-                          <a:solidFill>
-                            <a:schemeClr val="tx1">
-                              <a:lumMod val="75000"/>
-                              <a:lumOff val="25000"/>
-                            </a:schemeClr>
-                          </a:solidFill>
-                          <a:latin typeface="Cambria Math" panose="02040503050406030204" pitchFamily="18" charset="0"/>
-                        </a:rPr>
-                        <m:t>𝑛</m:t>
-                      </m:r>
-                      <m:r>
-                        <a:rPr lang="de-DE" sz="2400" b="0" i="1" smtClean="0">
-                          <a:solidFill>
-                            <a:schemeClr val="tx1">
-                              <a:lumMod val="75000"/>
-                              <a:lumOff val="25000"/>
-                            </a:schemeClr>
-                          </a:solidFill>
-                          <a:latin typeface="Cambria Math" panose="02040503050406030204" pitchFamily="18" charset="0"/>
-                        </a:rPr>
-                        <m:t>∗</m:t>
-                      </m:r>
-                      <m:sSub>
-                        <m:sSubPr>
-                          <m:ctrlPr>
-                            <a:rPr lang="de-DE" sz="2400" b="0" i="1" smtClean="0">
-                              <a:solidFill>
-                                <a:schemeClr val="tx1">
-                                  <a:lumMod val="75000"/>
-                                  <a:lumOff val="25000"/>
-                                </a:schemeClr>
-                              </a:solidFill>
-                              <a:latin typeface="Cambria Math" panose="02040503050406030204" pitchFamily="18" charset="0"/>
-                            </a:rPr>
-                          </m:ctrlPr>
-                        </m:sSubPr>
-                        <m:e>
-                          <m:r>
-                            <a:rPr lang="de-DE" sz="2400" b="0" i="1" smtClean="0">
-                              <a:solidFill>
-                                <a:schemeClr val="tx1">
-                                  <a:lumMod val="75000"/>
-                                  <a:lumOff val="25000"/>
-                                </a:schemeClr>
-                              </a:solidFill>
-                              <a:latin typeface="Cambria Math" panose="02040503050406030204" pitchFamily="18" charset="0"/>
-                            </a:rPr>
-                            <m:t>𝑠</m:t>
-                          </m:r>
-                        </m:e>
-                        <m:sub>
-                          <m:r>
-                            <a:rPr lang="de-DE" sz="2400" b="0" i="1" smtClean="0">
-                              <a:solidFill>
-                                <a:schemeClr val="tx1">
-                                  <a:lumMod val="75000"/>
-                                  <a:lumOff val="25000"/>
-                                </a:schemeClr>
-                              </a:solidFill>
-                              <a:latin typeface="Cambria Math" panose="02040503050406030204" pitchFamily="18" charset="0"/>
-                            </a:rPr>
-                            <m:t>𝐿</m:t>
-                          </m:r>
-                        </m:sub>
-                      </m:sSub>
-                    </m:oMath>
-                  </m:oMathPara>
-                </a14:m>
-                <a:endParaRPr lang="de-DE" sz="2400" dirty="0"/>
-              </a:p>
-            </p:txBody>
-          </p:sp>
-        </mc:Choice>
-        <mc:Fallback xmlns="">
-          <p:sp>
-            <p:nvSpPr>
-              <p:cNvPr id="22" name="Textfeld 21">
-                <a:extLst>
-                  <a:ext uri="{FF2B5EF4-FFF2-40B4-BE49-F238E27FC236}">
-                    <a16:creationId xmlns:a16="http://schemas.microsoft.com/office/drawing/2014/main" id="{1FD57DFC-ED72-469A-8928-F5804A9A26EB}"/>
-                  </a:ext>
-                </a:extLst>
-              </p:cNvPr>
-              <p:cNvSpPr txBox="1">
-                <a:spLocks noRot="1" noChangeAspect="1" noMove="1" noResize="1" noEditPoints="1" noAdjustHandles="1" noChangeArrowheads="1" noChangeShapeType="1" noTextEdit="1"/>
-              </p:cNvSpPr>
-              <p:nvPr/>
-            </p:nvSpPr>
-            <p:spPr>
-              <a:xfrm>
-                <a:off x="9529087" y="5036832"/>
-                <a:ext cx="1479444" cy="369332"/>
-              </a:xfrm>
-              <a:prstGeom prst="rect">
-                <a:avLst/>
-              </a:prstGeom>
-              <a:blipFill>
-                <a:blip r:embed="rId9"/>
-                <a:stretch>
-                  <a:fillRect l="-2058" r="-823" b="-13115"/>
-                </a:stretch>
-              </a:blipFill>
-            </p:spPr>
-            <p:txBody>
-              <a:bodyPr/>
-              <a:lstStyle/>
-              <a:p>
-                <a:r>
-                  <a:rPr lang="de-DE">
-                    <a:noFill/>
-                  </a:rPr>
-                  <a:t> </a:t>
-                </a:r>
-              </a:p>
-            </p:txBody>
-          </p:sp>
-        </mc:Fallback>
-      </mc:AlternateContent>
     </p:spTree>
     <p:extLst>
       <p:ext uri="{BB962C8B-B14F-4D97-AF65-F5344CB8AC3E}">
@@ -5475,15 +5484,7 @@
           <a:p>
             <a:r>
               <a:rPr lang="en-US" dirty="0"/>
-              <a:t>Daniel </a:t>
-            </a:r>
-            <a:r>
-              <a:rPr lang="en-US" dirty="0" err="1"/>
-              <a:t>Dittler</a:t>
-            </a:r>
-            <a:r>
-              <a:rPr lang="en-US" dirty="0"/>
-              <a:t>, Lukas Mönch, Sebastian Bauer Timo Schaaf</a:t>
+              <a:t>Daniel Dittler, Lukas Mönch, Sebastian Bauer, Timo Schaaf</a:t>
             </a:r>
           </a:p>
         </p:txBody>
@@ -5527,10 +5528,11 @@
             <a:ext cx="12192000" cy="726921"/>
           </a:xfrm>
           <a:solidFill>
-            <a:schemeClr val="bg2">
-              <a:lumMod val="50000"/>
-            </a:schemeClr>
+            <a:srgbClr val="FDC300"/>
           </a:solidFill>
+          <a:ln>
+            <a:noFill/>
+          </a:ln>
         </p:spPr>
         <p:txBody>
           <a:bodyPr>
@@ -5539,45 +5541,12 @@
           <a:lstStyle/>
           <a:p>
             <a:r>
-              <a:rPr lang="de-DE" sz="3200" dirty="0">
-                <a:solidFill>
-                  <a:schemeClr val="bg1"/>
-                </a:solidFill>
-              </a:rPr>
+              <a:rPr lang="de-DE" sz="3200" dirty="0"/>
               <a:t>Fallunterscheidung der Zugrichtung bei Flaschenzügen</a:t>
             </a:r>
           </a:p>
         </p:txBody>
       </p:sp>
-      <p:pic>
-        <p:nvPicPr>
-          <p:cNvPr id="3" name="Grafik 2">
-            <a:extLst>
-              <a:ext uri="{FF2B5EF4-FFF2-40B4-BE49-F238E27FC236}">
-                <a16:creationId xmlns:a16="http://schemas.microsoft.com/office/drawing/2014/main" id="{A7C7E694-B2BE-427B-8E49-C3F67041A2B1}"/>
-              </a:ext>
-            </a:extLst>
-          </p:cNvPr>
-          <p:cNvPicPr>
-            <a:picLocks noChangeAspect="1"/>
-          </p:cNvPicPr>
-          <p:nvPr/>
-        </p:nvPicPr>
-        <p:blipFill rotWithShape="1">
-          <a:blip r:embed="rId3"/>
-          <a:srcRect l="53885" b="8131"/>
-          <a:stretch/>
-        </p:blipFill>
-        <p:spPr>
-          <a:xfrm>
-            <a:off x="3398275" y="1173408"/>
-            <a:ext cx="2333932" cy="4649631"/>
-          </a:xfrm>
-          <a:prstGeom prst="rect">
-            <a:avLst/>
-          </a:prstGeom>
-        </p:spPr>
-      </p:pic>
       <p:sp>
         <p:nvSpPr>
           <p:cNvPr id="4" name="Textfeld 3">
@@ -5592,7 +5561,7 @@
         </p:nvSpPr>
         <p:spPr>
           <a:xfrm>
-            <a:off x="2738284" y="6072211"/>
+            <a:off x="1860755" y="5986469"/>
             <a:ext cx="8470490" cy="276999"/>
           </a:xfrm>
           <a:prstGeom prst="rect">
@@ -5606,6 +5575,7 @@
           </a:bodyPr>
           <a:lstStyle/>
           <a:p>
+            <a:pPr algn="ctr"/>
             <a:r>
               <a:rPr lang="de-DE" sz="1200" dirty="0">
                 <a:solidFill>
@@ -5619,7 +5589,7 @@
                 <a:solidFill>
                   <a:srgbClr val="767171"/>
                 </a:solidFill>
-                <a:hlinkClick r:id="rId4"/>
+                <a:hlinkClick r:id="rId3"/>
               </a:rPr>
               <a:t>https://www.leifiphysik.de/mechanik/einfache-maschinen/grundwissen/flaschenzug</a:t>
             </a:r>
@@ -5634,277 +5604,1427 @@
           </a:p>
         </p:txBody>
       </p:sp>
-      <p:pic>
-        <p:nvPicPr>
-          <p:cNvPr id="2" name="Grafik 1">
+      <p:grpSp>
+        <p:nvGrpSpPr>
+          <p:cNvPr id="9" name="Gruppieren 8">
             <a:extLst>
               <a:ext uri="{FF2B5EF4-FFF2-40B4-BE49-F238E27FC236}">
-                <a16:creationId xmlns:a16="http://schemas.microsoft.com/office/drawing/2014/main" id="{A3646AC9-CB67-4FA7-9B7F-AA96322D3DAE}"/>
+                <a16:creationId xmlns:a16="http://schemas.microsoft.com/office/drawing/2014/main" id="{F07F042B-4C5B-42DE-BEA1-7106A4CB60E7}"/>
               </a:ext>
             </a:extLst>
           </p:cNvPr>
-          <p:cNvPicPr>
-            <a:picLocks noChangeAspect="1"/>
-          </p:cNvPicPr>
+          <p:cNvGrpSpPr/>
           <p:nvPr/>
-        </p:nvPicPr>
-        <p:blipFill rotWithShape="1">
-          <a:blip r:embed="rId5"/>
-          <a:srcRect r="56740" b="10555"/>
-          <a:stretch/>
-        </p:blipFill>
-        <p:spPr>
+        </p:nvGrpSpPr>
+        <p:grpSpPr>
           <a:xfrm>
-            <a:off x="6217784" y="1197179"/>
-            <a:ext cx="2225777" cy="4602087"/>
+            <a:off x="3573357" y="1173408"/>
+            <a:ext cx="5045286" cy="4649631"/>
+            <a:chOff x="3398275" y="1173408"/>
+            <a:chExt cx="5045286" cy="4649631"/>
           </a:xfrm>
-          <a:prstGeom prst="rect">
-            <a:avLst/>
-          </a:prstGeom>
-        </p:spPr>
-      </p:pic>
-      <p:sp>
-        <p:nvSpPr>
-          <p:cNvPr id="5" name="Textfeld 4">
+        </p:grpSpPr>
+        <p:pic>
+          <p:nvPicPr>
+            <p:cNvPr id="3" name="Grafik 2">
+              <a:extLst>
+                <a:ext uri="{FF2B5EF4-FFF2-40B4-BE49-F238E27FC236}">
+                  <a16:creationId xmlns:a16="http://schemas.microsoft.com/office/drawing/2014/main" id="{A7C7E694-B2BE-427B-8E49-C3F67041A2B1}"/>
+                </a:ext>
+              </a:extLst>
+            </p:cNvPr>
+            <p:cNvPicPr>
+              <a:picLocks noChangeAspect="1"/>
+            </p:cNvPicPr>
+            <p:nvPr/>
+          </p:nvPicPr>
+          <p:blipFill rotWithShape="1">
+            <a:blip r:embed="rId4"/>
+            <a:srcRect l="53885" b="8131"/>
+            <a:stretch/>
+          </p:blipFill>
+          <p:spPr>
+            <a:xfrm>
+              <a:off x="3398275" y="1173408"/>
+              <a:ext cx="2333932" cy="4649631"/>
+            </a:xfrm>
+            <a:prstGeom prst="rect">
+              <a:avLst/>
+            </a:prstGeom>
+          </p:spPr>
+        </p:pic>
+        <p:pic>
+          <p:nvPicPr>
+            <p:cNvPr id="2" name="Grafik 1">
+              <a:extLst>
+                <a:ext uri="{FF2B5EF4-FFF2-40B4-BE49-F238E27FC236}">
+                  <a16:creationId xmlns:a16="http://schemas.microsoft.com/office/drawing/2014/main" id="{A3646AC9-CB67-4FA7-9B7F-AA96322D3DAE}"/>
+                </a:ext>
+              </a:extLst>
+            </p:cNvPr>
+            <p:cNvPicPr>
+              <a:picLocks noChangeAspect="1"/>
+            </p:cNvPicPr>
+            <p:nvPr/>
+          </p:nvPicPr>
+          <p:blipFill rotWithShape="1">
+            <a:blip r:embed="rId5"/>
+            <a:srcRect r="56740" b="10555"/>
+            <a:stretch/>
+          </p:blipFill>
+          <p:spPr>
+            <a:xfrm>
+              <a:off x="6217784" y="1197179"/>
+              <a:ext cx="2225777" cy="4602087"/>
+            </a:xfrm>
+            <a:prstGeom prst="rect">
+              <a:avLst/>
+            </a:prstGeom>
+          </p:spPr>
+        </p:pic>
+      </p:grpSp>
+      <p:grpSp>
+        <p:nvGrpSpPr>
+          <p:cNvPr id="22" name="Gruppieren 21">
             <a:extLst>
               <a:ext uri="{FF2B5EF4-FFF2-40B4-BE49-F238E27FC236}">
-                <a16:creationId xmlns:a16="http://schemas.microsoft.com/office/drawing/2014/main" id="{DA64C7B7-EF5F-4CB6-B525-13908E954EEC}"/>
+                <a16:creationId xmlns:a16="http://schemas.microsoft.com/office/drawing/2014/main" id="{CF4571F8-8540-49F0-A6C7-1EA1890F416E}"/>
               </a:ext>
             </a:extLst>
           </p:cNvPr>
-          <p:cNvSpPr txBox="1"/>
+          <p:cNvGrpSpPr/>
           <p:nvPr/>
-        </p:nvSpPr>
-        <p:spPr>
+        </p:nvGrpSpPr>
+        <p:grpSpPr>
           <a:xfrm>
-            <a:off x="8804900" y="1503171"/>
-            <a:ext cx="2955822" cy="1754326"/>
+            <a:off x="390776" y="1503171"/>
+            <a:ext cx="11410448" cy="1754326"/>
+            <a:chOff x="350274" y="1503171"/>
+            <a:chExt cx="11410448" cy="1754326"/>
           </a:xfrm>
-          <a:prstGeom prst="rect">
-            <a:avLst/>
-          </a:prstGeom>
-          <a:noFill/>
-        </p:spPr>
-        <p:txBody>
-          <a:bodyPr wrap="square" rtlCol="0">
-            <a:spAutoFit/>
-          </a:bodyPr>
-          <a:lstStyle/>
-          <a:p>
-            <a:r>
-              <a:rPr lang="de-DE" dirty="0">
+        </p:grpSpPr>
+        <p:sp>
+          <p:nvSpPr>
+            <p:cNvPr id="5" name="Textfeld 4">
+              <a:extLst>
+                <a:ext uri="{FF2B5EF4-FFF2-40B4-BE49-F238E27FC236}">
+                  <a16:creationId xmlns:a16="http://schemas.microsoft.com/office/drawing/2014/main" id="{DA64C7B7-EF5F-4CB6-B525-13908E954EEC}"/>
+                </a:ext>
+              </a:extLst>
+            </p:cNvPr>
+            <p:cNvSpPr txBox="1"/>
+            <p:nvPr/>
+          </p:nvSpPr>
+          <p:spPr>
+            <a:xfrm>
+              <a:off x="8804900" y="1503171"/>
+              <a:ext cx="2955822" cy="1754326"/>
+            </a:xfrm>
+            <a:prstGeom prst="rect">
+              <a:avLst/>
+            </a:prstGeom>
+            <a:noFill/>
+          </p:spPr>
+          <p:txBody>
+            <a:bodyPr wrap="square" rtlCol="0">
+              <a:spAutoFit/>
+            </a:bodyPr>
+            <a:lstStyle/>
+            <a:p>
+              <a:r>
+                <a:rPr lang="de-DE" dirty="0">
+                  <a:solidFill>
+                    <a:schemeClr val="tx1">
+                      <a:lumMod val="75000"/>
+                      <a:lumOff val="25000"/>
+                    </a:schemeClr>
+                  </a:solidFill>
+                </a:rPr>
+                <a:t>Anzahl Rollen:	 n = 3</a:t>
+              </a:r>
+            </a:p>
+            <a:p>
+              <a:r>
+                <a:rPr lang="de-DE" dirty="0">
+                  <a:solidFill>
+                    <a:schemeClr val="tx1">
+                      <a:lumMod val="75000"/>
+                      <a:lumOff val="25000"/>
+                    </a:schemeClr>
+                  </a:solidFill>
+                </a:rPr>
+                <a:t>Tragende Seile: 	 n + 1 = 4</a:t>
+              </a:r>
+            </a:p>
+            <a:p>
+              <a:endParaRPr lang="de-DE" dirty="0">
                 <a:solidFill>
                   <a:schemeClr val="tx1">
                     <a:lumMod val="75000"/>
                     <a:lumOff val="25000"/>
                   </a:schemeClr>
                 </a:solidFill>
-              </a:rPr>
-              <a:t>Anzahl Rollen:	 n = 3</a:t>
-            </a:r>
-          </a:p>
-          <a:p>
-            <a:r>
-              <a:rPr lang="de-DE" dirty="0">
+              </a:endParaRPr>
+            </a:p>
+            <a:p>
+              <a:endParaRPr lang="de-DE" dirty="0">
                 <a:solidFill>
                   <a:schemeClr val="tx1">
                     <a:lumMod val="75000"/>
                     <a:lumOff val="25000"/>
                   </a:schemeClr>
                 </a:solidFill>
-              </a:rPr>
-              <a:t>Tragende Seile: 	 n + 1 = 4</a:t>
-            </a:r>
-          </a:p>
-          <a:p>
-            <a:endParaRPr lang="de-DE" dirty="0">
-              <a:solidFill>
-                <a:schemeClr val="tx1">
-                  <a:lumMod val="75000"/>
-                  <a:lumOff val="25000"/>
-                </a:schemeClr>
-              </a:solidFill>
-            </a:endParaRPr>
-          </a:p>
-          <a:p>
-            <a:endParaRPr lang="de-DE" dirty="0">
-              <a:solidFill>
-                <a:schemeClr val="tx1">
-                  <a:lumMod val="75000"/>
-                  <a:lumOff val="25000"/>
-                </a:schemeClr>
-              </a:solidFill>
-            </a:endParaRPr>
-          </a:p>
-          <a:p>
-            <a:r>
-              <a:rPr lang="de-DE" dirty="0">
+              </a:endParaRPr>
+            </a:p>
+            <a:p>
+              <a:r>
+                <a:rPr lang="de-DE" dirty="0">
+                  <a:solidFill>
+                    <a:schemeClr val="tx1">
+                      <a:lumMod val="75000"/>
+                      <a:lumOff val="25000"/>
+                    </a:schemeClr>
+                  </a:solidFill>
+                </a:rPr>
+                <a:t>n in Modell parametrierbar. </a:t>
+              </a:r>
+            </a:p>
+            <a:p>
+              <a:endParaRPr lang="de-DE" dirty="0"/>
+            </a:p>
+          </p:txBody>
+        </p:sp>
+        <p:sp>
+          <p:nvSpPr>
+            <p:cNvPr id="11" name="Textfeld 10">
+              <a:extLst>
+                <a:ext uri="{FF2B5EF4-FFF2-40B4-BE49-F238E27FC236}">
+                  <a16:creationId xmlns:a16="http://schemas.microsoft.com/office/drawing/2014/main" id="{E5CF1146-4C2D-4072-8C7B-8395860D2189}"/>
+                </a:ext>
+              </a:extLst>
+            </p:cNvPr>
+            <p:cNvSpPr txBox="1"/>
+            <p:nvPr/>
+          </p:nvSpPr>
+          <p:spPr>
+            <a:xfrm>
+              <a:off x="350274" y="1503171"/>
+              <a:ext cx="2863643" cy="1477328"/>
+            </a:xfrm>
+            <a:prstGeom prst="rect">
+              <a:avLst/>
+            </a:prstGeom>
+            <a:noFill/>
+          </p:spPr>
+          <p:txBody>
+            <a:bodyPr wrap="square" rtlCol="0">
+              <a:spAutoFit/>
+            </a:bodyPr>
+            <a:lstStyle/>
+            <a:p>
+              <a:r>
+                <a:rPr lang="de-DE" dirty="0">
+                  <a:solidFill>
+                    <a:schemeClr val="tx1">
+                      <a:lumMod val="75000"/>
+                      <a:lumOff val="25000"/>
+                    </a:schemeClr>
+                  </a:solidFill>
+                </a:rPr>
+                <a:t>Anzahl Rollen: 	n = 3</a:t>
+              </a:r>
+            </a:p>
+            <a:p>
+              <a:r>
+                <a:rPr lang="de-DE" dirty="0">
+                  <a:solidFill>
+                    <a:schemeClr val="tx1">
+                      <a:lumMod val="75000"/>
+                      <a:lumOff val="25000"/>
+                    </a:schemeClr>
+                  </a:solidFill>
+                </a:rPr>
+                <a:t>Tragende Seile: 	n = 3 </a:t>
+              </a:r>
+            </a:p>
+            <a:p>
+              <a:endParaRPr lang="de-DE" dirty="0">
                 <a:solidFill>
                   <a:schemeClr val="tx1">
                     <a:lumMod val="75000"/>
                     <a:lumOff val="25000"/>
                   </a:schemeClr>
                 </a:solidFill>
-              </a:rPr>
-              <a:t>n in Modell parametrierbar. </a:t>
-            </a:r>
-          </a:p>
-          <a:p>
-            <a:endParaRPr lang="de-DE" dirty="0"/>
-          </a:p>
-        </p:txBody>
-      </p:sp>
-      <p:sp>
-        <p:nvSpPr>
-          <p:cNvPr id="11" name="Textfeld 10">
-            <a:extLst>
-              <a:ext uri="{FF2B5EF4-FFF2-40B4-BE49-F238E27FC236}">
-                <a16:creationId xmlns:a16="http://schemas.microsoft.com/office/drawing/2014/main" id="{E5CF1146-4C2D-4072-8C7B-8395860D2189}"/>
-              </a:ext>
-            </a:extLst>
-          </p:cNvPr>
-          <p:cNvSpPr txBox="1"/>
-          <p:nvPr/>
-        </p:nvSpPr>
-        <p:spPr>
-          <a:xfrm>
-            <a:off x="350274" y="1503171"/>
-            <a:ext cx="2863643" cy="1477328"/>
-          </a:xfrm>
-          <a:prstGeom prst="rect">
-            <a:avLst/>
-          </a:prstGeom>
-          <a:noFill/>
-        </p:spPr>
-        <p:txBody>
-          <a:bodyPr wrap="square" rtlCol="0">
-            <a:spAutoFit/>
-          </a:bodyPr>
-          <a:lstStyle/>
-          <a:p>
-            <a:r>
-              <a:rPr lang="de-DE" dirty="0">
+              </a:endParaRPr>
+            </a:p>
+            <a:p>
+              <a:endParaRPr lang="de-DE" dirty="0">
                 <a:solidFill>
                   <a:schemeClr val="tx1">
                     <a:lumMod val="75000"/>
                     <a:lumOff val="25000"/>
                   </a:schemeClr>
                 </a:solidFill>
-              </a:rPr>
-              <a:t>Anzahl Rollen: 	n = 3</a:t>
-            </a:r>
-          </a:p>
-          <a:p>
-            <a:r>
-              <a:rPr lang="de-DE" dirty="0">
-                <a:solidFill>
-                  <a:schemeClr val="tx1">
-                    <a:lumMod val="75000"/>
-                    <a:lumOff val="25000"/>
-                  </a:schemeClr>
-                </a:solidFill>
-              </a:rPr>
-              <a:t>Tragende Seile: 	n = 3 </a:t>
-            </a:r>
-          </a:p>
-          <a:p>
-            <a:endParaRPr lang="de-DE" dirty="0">
-              <a:solidFill>
-                <a:schemeClr val="tx1">
-                  <a:lumMod val="75000"/>
-                  <a:lumOff val="25000"/>
-                </a:schemeClr>
-              </a:solidFill>
-            </a:endParaRPr>
-          </a:p>
-          <a:p>
-            <a:endParaRPr lang="de-DE" dirty="0">
-              <a:solidFill>
-                <a:schemeClr val="tx1">
-                  <a:lumMod val="75000"/>
-                  <a:lumOff val="25000"/>
-                </a:schemeClr>
-              </a:solidFill>
-            </a:endParaRPr>
-          </a:p>
-          <a:p>
-            <a:r>
-              <a:rPr lang="de-DE" dirty="0">
-                <a:solidFill>
-                  <a:schemeClr val="tx1">
-                    <a:lumMod val="75000"/>
-                    <a:lumOff val="25000"/>
-                  </a:schemeClr>
-                </a:solidFill>
-              </a:rPr>
-              <a:t>n in Modell parametrierbar</a:t>
-            </a:r>
-            <a:r>
-              <a:rPr lang="de-DE" dirty="0"/>
-              <a:t>. </a:t>
-            </a:r>
-          </a:p>
-        </p:txBody>
-      </p:sp>
-      <p:pic>
-        <p:nvPicPr>
-          <p:cNvPr id="8" name="Grafik 7">
+              </a:endParaRPr>
+            </a:p>
+            <a:p>
+              <a:r>
+                <a:rPr lang="de-DE" dirty="0">
+                  <a:solidFill>
+                    <a:schemeClr val="tx1">
+                      <a:lumMod val="75000"/>
+                      <a:lumOff val="25000"/>
+                    </a:schemeClr>
+                  </a:solidFill>
+                </a:rPr>
+                <a:t>n in Modell parametrierbar</a:t>
+              </a:r>
+              <a:r>
+                <a:rPr lang="de-DE" dirty="0"/>
+                <a:t>. </a:t>
+              </a:r>
+            </a:p>
+          </p:txBody>
+        </p:sp>
+      </p:grpSp>
+      <p:grpSp>
+        <p:nvGrpSpPr>
+          <p:cNvPr id="23" name="Gruppieren 22">
             <a:extLst>
               <a:ext uri="{FF2B5EF4-FFF2-40B4-BE49-F238E27FC236}">
-                <a16:creationId xmlns:a16="http://schemas.microsoft.com/office/drawing/2014/main" id="{56AC7FF1-363E-F043-B45D-55BFB42205C3}"/>
+                <a16:creationId xmlns:a16="http://schemas.microsoft.com/office/drawing/2014/main" id="{29ACF76A-6EEE-4BF1-AFE5-B22279992D25}"/>
               </a:ext>
             </a:extLst>
           </p:cNvPr>
-          <p:cNvPicPr>
-            <a:picLocks noChangeAspect="1"/>
-          </p:cNvPicPr>
+          <p:cNvGrpSpPr/>
           <p:nvPr/>
-        </p:nvPicPr>
-        <p:blipFill rotWithShape="1">
-          <a:blip r:embed="rId6"/>
-          <a:srcRect l="1303" t="5127" r="2686" b="5127"/>
-          <a:stretch/>
-        </p:blipFill>
-        <p:spPr>
+        </p:nvGrpSpPr>
+        <p:grpSpPr>
           <a:xfrm>
-            <a:off x="8736074" y="3756749"/>
-            <a:ext cx="3255482" cy="1813341"/>
+            <a:off x="356282" y="4020844"/>
+            <a:ext cx="11479437" cy="1808059"/>
+            <a:chOff x="392275" y="4020844"/>
+            <a:chExt cx="11479437" cy="1808059"/>
           </a:xfrm>
-          <a:prstGeom prst="rect">
-            <a:avLst/>
-          </a:prstGeom>
-        </p:spPr>
-      </p:pic>
-      <p:pic>
-        <p:nvPicPr>
-          <p:cNvPr id="12" name="Grafik 11">
-            <a:extLst>
-              <a:ext uri="{FF2B5EF4-FFF2-40B4-BE49-F238E27FC236}">
-                <a16:creationId xmlns:a16="http://schemas.microsoft.com/office/drawing/2014/main" id="{F8272BB2-1810-5E46-B696-1F7371EC186E}"/>
-              </a:ext>
-            </a:extLst>
-          </p:cNvPr>
-          <p:cNvPicPr>
-            <a:picLocks noChangeAspect="1"/>
-          </p:cNvPicPr>
-          <p:nvPr/>
-        </p:nvPicPr>
-        <p:blipFill>
-          <a:blip r:embed="rId7"/>
-          <a:stretch>
-            <a:fillRect/>
-          </a:stretch>
-        </p:blipFill>
-        <p:spPr>
-          <a:xfrm>
-            <a:off x="285008" y="3756749"/>
-            <a:ext cx="3113267" cy="1813341"/>
-          </a:xfrm>
-          <a:prstGeom prst="rect">
-            <a:avLst/>
-          </a:prstGeom>
-        </p:spPr>
-      </p:pic>
+        </p:grpSpPr>
+        <p:grpSp>
+          <p:nvGrpSpPr>
+            <p:cNvPr id="14" name="Gruppieren 13">
+              <a:extLst>
+                <a:ext uri="{FF2B5EF4-FFF2-40B4-BE49-F238E27FC236}">
+                  <a16:creationId xmlns:a16="http://schemas.microsoft.com/office/drawing/2014/main" id="{0E384E73-DC1D-410B-BE26-B9B28BCC0DFD}"/>
+                </a:ext>
+              </a:extLst>
+            </p:cNvPr>
+            <p:cNvGrpSpPr/>
+            <p:nvPr/>
+          </p:nvGrpSpPr>
+          <p:grpSpPr>
+            <a:xfrm>
+              <a:off x="392275" y="4020844"/>
+              <a:ext cx="3205806" cy="1808059"/>
+              <a:chOff x="359617" y="3890213"/>
+              <a:chExt cx="3205806" cy="1808059"/>
+            </a:xfrm>
+          </p:grpSpPr>
+          <p:sp>
+            <p:nvSpPr>
+              <p:cNvPr id="15" name="Rechteck 14">
+                <a:extLst>
+                  <a:ext uri="{FF2B5EF4-FFF2-40B4-BE49-F238E27FC236}">
+                    <a16:creationId xmlns:a16="http://schemas.microsoft.com/office/drawing/2014/main" id="{AFFAEC6C-98F5-4171-9B00-63DD48574E5D}"/>
+                  </a:ext>
+                </a:extLst>
+              </p:cNvPr>
+              <p:cNvSpPr/>
+              <p:nvPr/>
+            </p:nvSpPr>
+            <p:spPr>
+              <a:xfrm>
+                <a:off x="359617" y="3890213"/>
+                <a:ext cx="3205806" cy="1808059"/>
+              </a:xfrm>
+              <a:prstGeom prst="rect">
+                <a:avLst/>
+              </a:prstGeom>
+              <a:solidFill>
+                <a:srgbClr val="FDC300"/>
+              </a:solidFill>
+              <a:ln>
+                <a:noFill/>
+              </a:ln>
+              <a:effectLst>
+                <a:outerShdw blurRad="50800" dist="38100" dir="5400000" algn="t" rotWithShape="0">
+                  <a:prstClr val="black">
+                    <a:alpha val="40000"/>
+                  </a:prstClr>
+                </a:outerShdw>
+              </a:effectLst>
+            </p:spPr>
+            <p:style>
+              <a:lnRef idx="2">
+                <a:schemeClr val="accent1">
+                  <a:shade val="50000"/>
+                </a:schemeClr>
+              </a:lnRef>
+              <a:fillRef idx="1">
+                <a:schemeClr val="accent1"/>
+              </a:fillRef>
+              <a:effectRef idx="0">
+                <a:schemeClr val="accent1"/>
+              </a:effectRef>
+              <a:fontRef idx="minor">
+                <a:schemeClr val="lt1"/>
+              </a:fontRef>
+            </p:style>
+            <p:txBody>
+              <a:bodyPr rtlCol="0" anchor="ctr"/>
+              <a:lstStyle/>
+              <a:p>
+                <a:pPr algn="ctr"/>
+                <a:endParaRPr lang="de-DE"/>
+              </a:p>
+            </p:txBody>
+          </p:sp>
+          <mc:AlternateContent xmlns:mc="http://schemas.openxmlformats.org/markup-compatibility/2006">
+            <mc:Choice xmlns:a14="http://schemas.microsoft.com/office/drawing/2010/main" Requires="a14">
+              <p:sp>
+                <p:nvSpPr>
+                  <p:cNvPr id="16" name="Textfeld 15">
+                    <a:extLst>
+                      <a:ext uri="{FF2B5EF4-FFF2-40B4-BE49-F238E27FC236}">
+                        <a16:creationId xmlns:a16="http://schemas.microsoft.com/office/drawing/2014/main" id="{9A637BC9-C868-41BC-B817-FAED6699EBD3}"/>
+                      </a:ext>
+                    </a:extLst>
+                  </p:cNvPr>
+                  <p:cNvSpPr txBox="1"/>
+                  <p:nvPr/>
+                </p:nvSpPr>
+                <p:spPr>
+                  <a:xfrm>
+                    <a:off x="855780" y="5036832"/>
+                    <a:ext cx="2270878" cy="369332"/>
+                  </a:xfrm>
+                  <a:prstGeom prst="rect">
+                    <a:avLst/>
+                  </a:prstGeom>
+                  <a:noFill/>
+                </p:spPr>
+                <p:txBody>
+                  <a:bodyPr wrap="none" lIns="0" tIns="0" rIns="0" bIns="0" rtlCol="0">
+                    <a:spAutoFit/>
+                  </a:bodyPr>
+                  <a:lstStyle/>
+                  <a:p>
+                    <a:pPr/>
+                    <a14:m>
+                      <m:oMathPara xmlns:m="http://schemas.openxmlformats.org/officeDocument/2006/math">
+                        <m:oMathParaPr>
+                          <m:jc m:val="centerGroup"/>
+                        </m:oMathParaPr>
+                        <m:oMath xmlns:m="http://schemas.openxmlformats.org/officeDocument/2006/math">
+                          <m:sSub>
+                            <m:sSubPr>
+                              <m:ctrlPr>
+                                <a:rPr lang="de-DE" sz="2400" i="1" smtClean="0">
+                                  <a:solidFill>
+                                    <a:schemeClr val="tx1">
+                                      <a:lumMod val="85000"/>
+                                      <a:lumOff val="15000"/>
+                                    </a:schemeClr>
+                                  </a:solidFill>
+                                  <a:latin typeface="Cambria Math" panose="02040503050406030204" pitchFamily="18" charset="0"/>
+                                </a:rPr>
+                              </m:ctrlPr>
+                            </m:sSubPr>
+                            <m:e>
+                              <m:r>
+                                <a:rPr lang="de-DE" sz="2400" b="0" i="1" smtClean="0">
+                                  <a:solidFill>
+                                    <a:schemeClr val="tx1">
+                                      <a:lumMod val="85000"/>
+                                      <a:lumOff val="15000"/>
+                                    </a:schemeClr>
+                                  </a:solidFill>
+                                  <a:latin typeface="Cambria Math" panose="02040503050406030204" pitchFamily="18" charset="0"/>
+                                </a:rPr>
+                                <m:t>𝑠</m:t>
+                              </m:r>
+                            </m:e>
+                            <m:sub>
+                              <m:r>
+                                <a:rPr lang="de-DE" sz="2400" b="0" i="1" smtClean="0">
+                                  <a:solidFill>
+                                    <a:schemeClr val="tx1">
+                                      <a:lumMod val="85000"/>
+                                      <a:lumOff val="15000"/>
+                                    </a:schemeClr>
+                                  </a:solidFill>
+                                  <a:latin typeface="Cambria Math" panose="02040503050406030204" pitchFamily="18" charset="0"/>
+                                </a:rPr>
+                                <m:t>𝑧</m:t>
+                              </m:r>
+                            </m:sub>
+                          </m:sSub>
+                          <m:r>
+                            <a:rPr lang="de-DE" sz="2400" b="0" i="1" smtClean="0">
+                              <a:solidFill>
+                                <a:schemeClr val="tx1">
+                                  <a:lumMod val="85000"/>
+                                  <a:lumOff val="15000"/>
+                                </a:schemeClr>
+                              </a:solidFill>
+                              <a:latin typeface="Cambria Math" panose="02040503050406030204" pitchFamily="18" charset="0"/>
+                            </a:rPr>
+                            <m:t>=</m:t>
+                          </m:r>
+                          <m:d>
+                            <m:dPr>
+                              <m:ctrlPr>
+                                <a:rPr lang="de-DE" sz="2400" b="0" i="1" smtClean="0">
+                                  <a:solidFill>
+                                    <a:schemeClr val="tx1">
+                                      <a:lumMod val="85000"/>
+                                      <a:lumOff val="15000"/>
+                                    </a:schemeClr>
+                                  </a:solidFill>
+                                  <a:latin typeface="Cambria Math" panose="02040503050406030204" pitchFamily="18" charset="0"/>
+                                </a:rPr>
+                              </m:ctrlPr>
+                            </m:dPr>
+                            <m:e>
+                              <m:r>
+                                <a:rPr lang="de-DE" sz="2400" b="0" i="1" smtClean="0">
+                                  <a:solidFill>
+                                    <a:schemeClr val="tx1">
+                                      <a:lumMod val="85000"/>
+                                      <a:lumOff val="15000"/>
+                                    </a:schemeClr>
+                                  </a:solidFill>
+                                  <a:latin typeface="Cambria Math" panose="02040503050406030204" pitchFamily="18" charset="0"/>
+                                </a:rPr>
+                                <m:t>𝑛</m:t>
+                              </m:r>
+                              <m:r>
+                                <a:rPr lang="de-DE" sz="2400" b="0" i="1" smtClean="0">
+                                  <a:solidFill>
+                                    <a:schemeClr val="tx1">
+                                      <a:lumMod val="85000"/>
+                                      <a:lumOff val="15000"/>
+                                    </a:schemeClr>
+                                  </a:solidFill>
+                                  <a:latin typeface="Cambria Math" panose="02040503050406030204" pitchFamily="18" charset="0"/>
+                                </a:rPr>
+                                <m:t>+1</m:t>
+                              </m:r>
+                            </m:e>
+                          </m:d>
+                          <m:r>
+                            <a:rPr lang="de-DE" sz="2400" b="0" i="1" smtClean="0">
+                              <a:solidFill>
+                                <a:schemeClr val="tx1">
+                                  <a:lumMod val="85000"/>
+                                  <a:lumOff val="15000"/>
+                                </a:schemeClr>
+                              </a:solidFill>
+                              <a:latin typeface="Cambria Math" panose="02040503050406030204" pitchFamily="18" charset="0"/>
+                            </a:rPr>
+                            <m:t>∗</m:t>
+                          </m:r>
+                          <m:sSub>
+                            <m:sSubPr>
+                              <m:ctrlPr>
+                                <a:rPr lang="de-DE" sz="2400" b="0" i="1" smtClean="0">
+                                  <a:solidFill>
+                                    <a:schemeClr val="tx1">
+                                      <a:lumMod val="85000"/>
+                                      <a:lumOff val="15000"/>
+                                    </a:schemeClr>
+                                  </a:solidFill>
+                                  <a:latin typeface="Cambria Math" panose="02040503050406030204" pitchFamily="18" charset="0"/>
+                                </a:rPr>
+                              </m:ctrlPr>
+                            </m:sSubPr>
+                            <m:e>
+                              <m:r>
+                                <a:rPr lang="de-DE" sz="2400" b="0" i="1" smtClean="0">
+                                  <a:solidFill>
+                                    <a:schemeClr val="tx1">
+                                      <a:lumMod val="85000"/>
+                                      <a:lumOff val="15000"/>
+                                    </a:schemeClr>
+                                  </a:solidFill>
+                                  <a:latin typeface="Cambria Math" panose="02040503050406030204" pitchFamily="18" charset="0"/>
+                                </a:rPr>
+                                <m:t>𝑠</m:t>
+                              </m:r>
+                            </m:e>
+                            <m:sub>
+                              <m:r>
+                                <a:rPr lang="de-DE" sz="2400" b="0" i="1" smtClean="0">
+                                  <a:solidFill>
+                                    <a:schemeClr val="tx1">
+                                      <a:lumMod val="85000"/>
+                                      <a:lumOff val="15000"/>
+                                    </a:schemeClr>
+                                  </a:solidFill>
+                                  <a:latin typeface="Cambria Math" panose="02040503050406030204" pitchFamily="18" charset="0"/>
+                                </a:rPr>
+                                <m:t>𝐿</m:t>
+                              </m:r>
+                            </m:sub>
+                          </m:sSub>
+                        </m:oMath>
+                      </m:oMathPara>
+                    </a14:m>
+                    <a:endParaRPr lang="de-DE" sz="2400" dirty="0"/>
+                  </a:p>
+                </p:txBody>
+              </p:sp>
+            </mc:Choice>
+            <mc:Fallback>
+              <p:sp>
+                <p:nvSpPr>
+                  <p:cNvPr id="16" name="Textfeld 15">
+                    <a:extLst>
+                      <a:ext uri="{FF2B5EF4-FFF2-40B4-BE49-F238E27FC236}">
+                        <a16:creationId xmlns:a16="http://schemas.microsoft.com/office/drawing/2014/main" id="{9A637BC9-C868-41BC-B817-FAED6699EBD3}"/>
+                      </a:ext>
+                    </a:extLst>
+                  </p:cNvPr>
+                  <p:cNvSpPr txBox="1">
+                    <a:spLocks noRot="1" noChangeAspect="1" noMove="1" noResize="1" noEditPoints="1" noAdjustHandles="1" noChangeArrowheads="1" noChangeShapeType="1" noTextEdit="1"/>
+                  </p:cNvSpPr>
+                  <p:nvPr/>
+                </p:nvSpPr>
+                <p:spPr>
+                  <a:xfrm>
+                    <a:off x="855780" y="5036832"/>
+                    <a:ext cx="2270878" cy="369332"/>
+                  </a:xfrm>
+                  <a:prstGeom prst="rect">
+                    <a:avLst/>
+                  </a:prstGeom>
+                  <a:blipFill>
+                    <a:blip r:embed="rId6"/>
+                    <a:stretch>
+                      <a:fillRect l="-1613" r="-538" b="-15000"/>
+                    </a:stretch>
+                  </a:blipFill>
+                </p:spPr>
+                <p:txBody>
+                  <a:bodyPr/>
+                  <a:lstStyle/>
+                  <a:p>
+                    <a:r>
+                      <a:rPr lang="de-DE">
+                        <a:noFill/>
+                      </a:rPr>
+                      <a:t> </a:t>
+                    </a:r>
+                  </a:p>
+                </p:txBody>
+              </p:sp>
+            </mc:Fallback>
+          </mc:AlternateContent>
+          <mc:AlternateContent xmlns:mc="http://schemas.openxmlformats.org/markup-compatibility/2006">
+            <mc:Choice xmlns:a14="http://schemas.microsoft.com/office/drawing/2010/main" Requires="a14">
+              <p:sp>
+                <p:nvSpPr>
+                  <p:cNvPr id="17" name="Textfeld 16">
+                    <a:extLst>
+                      <a:ext uri="{FF2B5EF4-FFF2-40B4-BE49-F238E27FC236}">
+                        <a16:creationId xmlns:a16="http://schemas.microsoft.com/office/drawing/2014/main" id="{00E86ABA-DAAB-4B90-81C5-4BF65B0F9C06}"/>
+                      </a:ext>
+                    </a:extLst>
+                  </p:cNvPr>
+                  <p:cNvSpPr txBox="1"/>
+                  <p:nvPr/>
+                </p:nvSpPr>
+                <p:spPr>
+                  <a:xfrm>
+                    <a:off x="718128" y="3977472"/>
+                    <a:ext cx="2270878" cy="1069395"/>
+                  </a:xfrm>
+                  <a:prstGeom prst="rect">
+                    <a:avLst/>
+                  </a:prstGeom>
+                  <a:noFill/>
+                </p:spPr>
+                <p:txBody>
+                  <a:bodyPr wrap="square" lIns="0" tIns="0" rIns="0" bIns="0" rtlCol="0">
+                    <a:spAutoFit/>
+                  </a:bodyPr>
+                  <a:lstStyle/>
+                  <a:p>
+                    <a:pPr/>
+                    <a14:m>
+                      <m:oMathPara xmlns:m="http://schemas.openxmlformats.org/officeDocument/2006/math">
+                        <m:oMathParaPr>
+                          <m:jc m:val="centerGroup"/>
+                        </m:oMathParaPr>
+                        <m:oMath xmlns:m="http://schemas.openxmlformats.org/officeDocument/2006/math">
+                          <m:sSub>
+                            <m:sSubPr>
+                              <m:ctrlPr>
+                                <a:rPr lang="de-DE" sz="2400" i="1" smtClean="0">
+                                  <a:solidFill>
+                                    <a:schemeClr val="tx1">
+                                      <a:lumMod val="85000"/>
+                                      <a:lumOff val="15000"/>
+                                    </a:schemeClr>
+                                  </a:solidFill>
+                                  <a:latin typeface="Cambria Math" panose="02040503050406030204" pitchFamily="18" charset="0"/>
+                                </a:rPr>
+                              </m:ctrlPr>
+                            </m:sSubPr>
+                            <m:e>
+                              <m:r>
+                                <a:rPr lang="de-DE" sz="2400" b="0" i="1" smtClean="0">
+                                  <a:solidFill>
+                                    <a:schemeClr val="tx1">
+                                      <a:lumMod val="85000"/>
+                                      <a:lumOff val="15000"/>
+                                    </a:schemeClr>
+                                  </a:solidFill>
+                                  <a:latin typeface="Cambria Math" panose="02040503050406030204" pitchFamily="18" charset="0"/>
+                                </a:rPr>
+                                <m:t>𝐹</m:t>
+                              </m:r>
+                            </m:e>
+                            <m:sub>
+                              <m:r>
+                                <a:rPr lang="de-DE" sz="2400" b="0" i="1" smtClean="0">
+                                  <a:solidFill>
+                                    <a:schemeClr val="tx1">
+                                      <a:lumMod val="85000"/>
+                                      <a:lumOff val="15000"/>
+                                    </a:schemeClr>
+                                  </a:solidFill>
+                                  <a:latin typeface="Cambria Math" panose="02040503050406030204" pitchFamily="18" charset="0"/>
+                                </a:rPr>
+                                <m:t>𝑧</m:t>
+                              </m:r>
+                            </m:sub>
+                          </m:sSub>
+                          <m:r>
+                            <a:rPr lang="de-DE" sz="2400" b="0" i="1" smtClean="0">
+                              <a:solidFill>
+                                <a:schemeClr val="tx1">
+                                  <a:lumMod val="85000"/>
+                                  <a:lumOff val="15000"/>
+                                </a:schemeClr>
+                              </a:solidFill>
+                              <a:latin typeface="Cambria Math" panose="02040503050406030204" pitchFamily="18" charset="0"/>
+                            </a:rPr>
+                            <m:t>=</m:t>
+                          </m:r>
+                          <m:f>
+                            <m:fPr>
+                              <m:ctrlPr>
+                                <a:rPr lang="de-DE" sz="2400" b="0" i="1" smtClean="0">
+                                  <a:solidFill>
+                                    <a:schemeClr val="tx1">
+                                      <a:lumMod val="85000"/>
+                                      <a:lumOff val="15000"/>
+                                    </a:schemeClr>
+                                  </a:solidFill>
+                                  <a:latin typeface="Cambria Math" panose="02040503050406030204" pitchFamily="18" charset="0"/>
+                                </a:rPr>
+                              </m:ctrlPr>
+                            </m:fPr>
+                            <m:num>
+                              <m:r>
+                                <a:rPr lang="de-DE" sz="2400" b="0" i="1" smtClean="0">
+                                  <a:solidFill>
+                                    <a:schemeClr val="tx1">
+                                      <a:lumMod val="85000"/>
+                                      <a:lumOff val="15000"/>
+                                    </a:schemeClr>
+                                  </a:solidFill>
+                                  <a:latin typeface="Cambria Math" panose="02040503050406030204" pitchFamily="18" charset="0"/>
+                                </a:rPr>
+                                <m:t>1</m:t>
+                              </m:r>
+                            </m:num>
+                            <m:den>
+                              <m:r>
+                                <a:rPr lang="de-DE" sz="2400" b="0" i="1" smtClean="0">
+                                  <a:solidFill>
+                                    <a:schemeClr val="tx1">
+                                      <a:lumMod val="85000"/>
+                                      <a:lumOff val="15000"/>
+                                    </a:schemeClr>
+                                  </a:solidFill>
+                                  <a:latin typeface="Cambria Math" panose="02040503050406030204" pitchFamily="18" charset="0"/>
+                                </a:rPr>
+                                <m:t>𝑛</m:t>
+                              </m:r>
+                              <m:r>
+                                <a:rPr lang="de-DE" sz="2400" b="0" i="1" smtClean="0">
+                                  <a:solidFill>
+                                    <a:schemeClr val="tx1">
+                                      <a:lumMod val="85000"/>
+                                      <a:lumOff val="15000"/>
+                                    </a:schemeClr>
+                                  </a:solidFill>
+                                  <a:latin typeface="Cambria Math" panose="02040503050406030204" pitchFamily="18" charset="0"/>
+                                </a:rPr>
+                                <m:t>+1</m:t>
+                              </m:r>
+                            </m:den>
+                          </m:f>
+                          <m:r>
+                            <a:rPr lang="de-DE" sz="2400" b="0" i="1" smtClean="0">
+                              <a:solidFill>
+                                <a:schemeClr val="tx1">
+                                  <a:lumMod val="85000"/>
+                                  <a:lumOff val="15000"/>
+                                </a:schemeClr>
+                              </a:solidFill>
+                              <a:latin typeface="Cambria Math" panose="02040503050406030204" pitchFamily="18" charset="0"/>
+                            </a:rPr>
+                            <m:t>∗</m:t>
+                          </m:r>
+                          <m:sSub>
+                            <m:sSubPr>
+                              <m:ctrlPr>
+                                <a:rPr lang="de-DE" sz="2400" b="0" i="1" smtClean="0">
+                                  <a:solidFill>
+                                    <a:schemeClr val="tx1">
+                                      <a:lumMod val="85000"/>
+                                      <a:lumOff val="15000"/>
+                                    </a:schemeClr>
+                                  </a:solidFill>
+                                  <a:latin typeface="Cambria Math" panose="02040503050406030204" pitchFamily="18" charset="0"/>
+                                </a:rPr>
+                              </m:ctrlPr>
+                            </m:sSubPr>
+                            <m:e>
+                              <m:r>
+                                <a:rPr lang="de-DE" sz="2400" b="0" i="1" smtClean="0">
+                                  <a:solidFill>
+                                    <a:schemeClr val="tx1">
+                                      <a:lumMod val="85000"/>
+                                      <a:lumOff val="15000"/>
+                                    </a:schemeClr>
+                                  </a:solidFill>
+                                  <a:latin typeface="Cambria Math" panose="02040503050406030204" pitchFamily="18" charset="0"/>
+                                </a:rPr>
+                                <m:t>𝐹</m:t>
+                              </m:r>
+                            </m:e>
+                            <m:sub>
+                              <m:r>
+                                <a:rPr lang="de-DE" sz="2400" b="0" i="1" smtClean="0">
+                                  <a:solidFill>
+                                    <a:schemeClr val="tx1">
+                                      <a:lumMod val="85000"/>
+                                      <a:lumOff val="15000"/>
+                                    </a:schemeClr>
+                                  </a:solidFill>
+                                  <a:latin typeface="Cambria Math" panose="02040503050406030204" pitchFamily="18" charset="0"/>
+                                </a:rPr>
+                                <m:t>𝑙</m:t>
+                              </m:r>
+                            </m:sub>
+                          </m:sSub>
+                        </m:oMath>
+                      </m:oMathPara>
+                    </a14:m>
+                    <a:endParaRPr lang="de-DE" sz="2400" dirty="0"/>
+                  </a:p>
+                  <a:p>
+                    <a:endParaRPr lang="de-DE" sz="2400" dirty="0"/>
+                  </a:p>
+                </p:txBody>
+              </p:sp>
+            </mc:Choice>
+            <mc:Fallback>
+              <p:sp>
+                <p:nvSpPr>
+                  <p:cNvPr id="17" name="Textfeld 16">
+                    <a:extLst>
+                      <a:ext uri="{FF2B5EF4-FFF2-40B4-BE49-F238E27FC236}">
+                        <a16:creationId xmlns:a16="http://schemas.microsoft.com/office/drawing/2014/main" id="{00E86ABA-DAAB-4B90-81C5-4BF65B0F9C06}"/>
+                      </a:ext>
+                    </a:extLst>
+                  </p:cNvPr>
+                  <p:cNvSpPr txBox="1">
+                    <a:spLocks noRot="1" noChangeAspect="1" noMove="1" noResize="1" noEditPoints="1" noAdjustHandles="1" noChangeArrowheads="1" noChangeShapeType="1" noTextEdit="1"/>
+                  </p:cNvSpPr>
+                  <p:nvPr/>
+                </p:nvSpPr>
+                <p:spPr>
+                  <a:xfrm>
+                    <a:off x="718128" y="3977472"/>
+                    <a:ext cx="2270878" cy="1069395"/>
+                  </a:xfrm>
+                  <a:prstGeom prst="rect">
+                    <a:avLst/>
+                  </a:prstGeom>
+                  <a:blipFill>
+                    <a:blip r:embed="rId7"/>
+                    <a:stretch>
+                      <a:fillRect/>
+                    </a:stretch>
+                  </a:blipFill>
+                </p:spPr>
+                <p:txBody>
+                  <a:bodyPr/>
+                  <a:lstStyle/>
+                  <a:p>
+                    <a:r>
+                      <a:rPr lang="de-DE">
+                        <a:noFill/>
+                      </a:rPr>
+                      <a:t> </a:t>
+                    </a:r>
+                  </a:p>
+                </p:txBody>
+              </p:sp>
+            </mc:Fallback>
+          </mc:AlternateContent>
+        </p:grpSp>
+        <p:grpSp>
+          <p:nvGrpSpPr>
+            <p:cNvPr id="18" name="Gruppieren 17">
+              <a:extLst>
+                <a:ext uri="{FF2B5EF4-FFF2-40B4-BE49-F238E27FC236}">
+                  <a16:creationId xmlns:a16="http://schemas.microsoft.com/office/drawing/2014/main" id="{F4F64BC8-C4E8-424D-AFB3-8A7A0802FD71}"/>
+                </a:ext>
+              </a:extLst>
+            </p:cNvPr>
+            <p:cNvGrpSpPr/>
+            <p:nvPr/>
+          </p:nvGrpSpPr>
+          <p:grpSpPr>
+            <a:xfrm>
+              <a:off x="8665906" y="4020844"/>
+              <a:ext cx="3205806" cy="1808059"/>
+              <a:chOff x="8665906" y="3890212"/>
+              <a:chExt cx="3205806" cy="1808059"/>
+            </a:xfrm>
+          </p:grpSpPr>
+          <p:sp>
+            <p:nvSpPr>
+              <p:cNvPr id="19" name="Rechteck 18">
+                <a:extLst>
+                  <a:ext uri="{FF2B5EF4-FFF2-40B4-BE49-F238E27FC236}">
+                    <a16:creationId xmlns:a16="http://schemas.microsoft.com/office/drawing/2014/main" id="{5538F181-9AEC-4DC0-B620-88D421EC8FEC}"/>
+                  </a:ext>
+                </a:extLst>
+              </p:cNvPr>
+              <p:cNvSpPr/>
+              <p:nvPr/>
+            </p:nvSpPr>
+            <p:spPr>
+              <a:xfrm>
+                <a:off x="8665906" y="3890212"/>
+                <a:ext cx="3205806" cy="1808059"/>
+              </a:xfrm>
+              <a:prstGeom prst="rect">
+                <a:avLst/>
+              </a:prstGeom>
+              <a:solidFill>
+                <a:srgbClr val="FDC300"/>
+              </a:solidFill>
+              <a:ln>
+                <a:noFill/>
+              </a:ln>
+              <a:effectLst>
+                <a:outerShdw blurRad="50800" dist="38100" dir="5400000" algn="t" rotWithShape="0">
+                  <a:prstClr val="black">
+                    <a:alpha val="40000"/>
+                  </a:prstClr>
+                </a:outerShdw>
+              </a:effectLst>
+            </p:spPr>
+            <p:style>
+              <a:lnRef idx="2">
+                <a:schemeClr val="accent1">
+                  <a:shade val="50000"/>
+                </a:schemeClr>
+              </a:lnRef>
+              <a:fillRef idx="1">
+                <a:schemeClr val="accent1"/>
+              </a:fillRef>
+              <a:effectRef idx="0">
+                <a:schemeClr val="accent1"/>
+              </a:effectRef>
+              <a:fontRef idx="minor">
+                <a:schemeClr val="lt1"/>
+              </a:fontRef>
+            </p:style>
+            <p:txBody>
+              <a:bodyPr rtlCol="0" anchor="ctr"/>
+              <a:lstStyle/>
+              <a:p>
+                <a:pPr algn="ctr"/>
+                <a:endParaRPr lang="de-DE"/>
+              </a:p>
+            </p:txBody>
+          </p:sp>
+          <mc:AlternateContent xmlns:mc="http://schemas.openxmlformats.org/markup-compatibility/2006">
+            <mc:Choice xmlns:a14="http://schemas.microsoft.com/office/drawing/2010/main" Requires="a14">
+              <p:sp>
+                <p:nvSpPr>
+                  <p:cNvPr id="20" name="Textfeld 19">
+                    <a:extLst>
+                      <a:ext uri="{FF2B5EF4-FFF2-40B4-BE49-F238E27FC236}">
+                        <a16:creationId xmlns:a16="http://schemas.microsoft.com/office/drawing/2014/main" id="{CDC7A62F-C05C-471E-B217-95693C3D1BFD}"/>
+                      </a:ext>
+                    </a:extLst>
+                  </p:cNvPr>
+                  <p:cNvSpPr txBox="1"/>
+                  <p:nvPr/>
+                </p:nvSpPr>
+                <p:spPr>
+                  <a:xfrm>
+                    <a:off x="9117335" y="3980726"/>
+                    <a:ext cx="2270878" cy="1063240"/>
+                  </a:xfrm>
+                  <a:prstGeom prst="rect">
+                    <a:avLst/>
+                  </a:prstGeom>
+                  <a:noFill/>
+                </p:spPr>
+                <p:txBody>
+                  <a:bodyPr wrap="square" lIns="0" tIns="0" rIns="0" bIns="0" rtlCol="0">
+                    <a:spAutoFit/>
+                  </a:bodyPr>
+                  <a:lstStyle/>
+                  <a:p>
+                    <a:pPr/>
+                    <a14:m>
+                      <m:oMathPara xmlns:m="http://schemas.openxmlformats.org/officeDocument/2006/math">
+                        <m:oMathParaPr>
+                          <m:jc m:val="centerGroup"/>
+                        </m:oMathParaPr>
+                        <m:oMath xmlns:m="http://schemas.openxmlformats.org/officeDocument/2006/math">
+                          <m:sSub>
+                            <m:sSubPr>
+                              <m:ctrlPr>
+                                <a:rPr lang="de-DE" sz="2400" i="1" smtClean="0">
+                                  <a:solidFill>
+                                    <a:schemeClr val="tx1">
+                                      <a:lumMod val="75000"/>
+                                      <a:lumOff val="25000"/>
+                                    </a:schemeClr>
+                                  </a:solidFill>
+                                  <a:latin typeface="Cambria Math" panose="02040503050406030204" pitchFamily="18" charset="0"/>
+                                </a:rPr>
+                              </m:ctrlPr>
+                            </m:sSubPr>
+                            <m:e>
+                              <m:r>
+                                <a:rPr lang="de-DE" sz="2400" b="0" i="1" smtClean="0">
+                                  <a:solidFill>
+                                    <a:schemeClr val="tx1">
+                                      <a:lumMod val="75000"/>
+                                      <a:lumOff val="25000"/>
+                                    </a:schemeClr>
+                                  </a:solidFill>
+                                  <a:latin typeface="Cambria Math" panose="02040503050406030204" pitchFamily="18" charset="0"/>
+                                </a:rPr>
+                                <m:t>𝐹</m:t>
+                              </m:r>
+                            </m:e>
+                            <m:sub>
+                              <m:r>
+                                <a:rPr lang="de-DE" sz="2400" b="0" i="1" smtClean="0">
+                                  <a:solidFill>
+                                    <a:schemeClr val="tx1">
+                                      <a:lumMod val="75000"/>
+                                      <a:lumOff val="25000"/>
+                                    </a:schemeClr>
+                                  </a:solidFill>
+                                  <a:latin typeface="Cambria Math" panose="02040503050406030204" pitchFamily="18" charset="0"/>
+                                </a:rPr>
+                                <m:t>𝑧</m:t>
+                              </m:r>
+                            </m:sub>
+                          </m:sSub>
+                          <m:r>
+                            <a:rPr lang="de-DE" sz="2400" b="0" i="1" smtClean="0">
+                              <a:solidFill>
+                                <a:schemeClr val="tx1">
+                                  <a:lumMod val="75000"/>
+                                  <a:lumOff val="25000"/>
+                                </a:schemeClr>
+                              </a:solidFill>
+                              <a:latin typeface="Cambria Math" panose="02040503050406030204" pitchFamily="18" charset="0"/>
+                            </a:rPr>
+                            <m:t>=</m:t>
+                          </m:r>
+                          <m:f>
+                            <m:fPr>
+                              <m:ctrlPr>
+                                <a:rPr lang="de-DE" sz="2400" b="0" i="1" smtClean="0">
+                                  <a:solidFill>
+                                    <a:schemeClr val="tx1">
+                                      <a:lumMod val="75000"/>
+                                      <a:lumOff val="25000"/>
+                                    </a:schemeClr>
+                                  </a:solidFill>
+                                  <a:latin typeface="Cambria Math" panose="02040503050406030204" pitchFamily="18" charset="0"/>
+                                </a:rPr>
+                              </m:ctrlPr>
+                            </m:fPr>
+                            <m:num>
+                              <m:r>
+                                <a:rPr lang="de-DE" sz="2400" b="0" i="1" smtClean="0">
+                                  <a:solidFill>
+                                    <a:schemeClr val="tx1">
+                                      <a:lumMod val="75000"/>
+                                      <a:lumOff val="25000"/>
+                                    </a:schemeClr>
+                                  </a:solidFill>
+                                  <a:latin typeface="Cambria Math" panose="02040503050406030204" pitchFamily="18" charset="0"/>
+                                </a:rPr>
+                                <m:t>1</m:t>
+                              </m:r>
+                            </m:num>
+                            <m:den>
+                              <m:r>
+                                <a:rPr lang="de-DE" sz="2400" b="0" i="1" smtClean="0">
+                                  <a:solidFill>
+                                    <a:schemeClr val="tx1">
+                                      <a:lumMod val="75000"/>
+                                      <a:lumOff val="25000"/>
+                                    </a:schemeClr>
+                                  </a:solidFill>
+                                  <a:latin typeface="Cambria Math" panose="02040503050406030204" pitchFamily="18" charset="0"/>
+                                </a:rPr>
+                                <m:t>𝑛</m:t>
+                              </m:r>
+                            </m:den>
+                          </m:f>
+                          <m:r>
+                            <a:rPr lang="de-DE" sz="2400" b="0" i="1" smtClean="0">
+                              <a:solidFill>
+                                <a:schemeClr val="tx1">
+                                  <a:lumMod val="75000"/>
+                                  <a:lumOff val="25000"/>
+                                </a:schemeClr>
+                              </a:solidFill>
+                              <a:latin typeface="Cambria Math" panose="02040503050406030204" pitchFamily="18" charset="0"/>
+                            </a:rPr>
+                            <m:t>∗</m:t>
+                          </m:r>
+                          <m:sSub>
+                            <m:sSubPr>
+                              <m:ctrlPr>
+                                <a:rPr lang="de-DE" sz="2400" b="0" i="1" smtClean="0">
+                                  <a:solidFill>
+                                    <a:schemeClr val="tx1">
+                                      <a:lumMod val="75000"/>
+                                      <a:lumOff val="25000"/>
+                                    </a:schemeClr>
+                                  </a:solidFill>
+                                  <a:latin typeface="Cambria Math" panose="02040503050406030204" pitchFamily="18" charset="0"/>
+                                </a:rPr>
+                              </m:ctrlPr>
+                            </m:sSubPr>
+                            <m:e>
+                              <m:r>
+                                <a:rPr lang="de-DE" sz="2400" b="0" i="1" smtClean="0">
+                                  <a:solidFill>
+                                    <a:schemeClr val="tx1">
+                                      <a:lumMod val="75000"/>
+                                      <a:lumOff val="25000"/>
+                                    </a:schemeClr>
+                                  </a:solidFill>
+                                  <a:latin typeface="Cambria Math" panose="02040503050406030204" pitchFamily="18" charset="0"/>
+                                </a:rPr>
+                                <m:t>𝐹</m:t>
+                              </m:r>
+                            </m:e>
+                            <m:sub>
+                              <m:r>
+                                <a:rPr lang="de-DE" sz="2400" b="0" i="1" smtClean="0">
+                                  <a:solidFill>
+                                    <a:schemeClr val="tx1">
+                                      <a:lumMod val="75000"/>
+                                      <a:lumOff val="25000"/>
+                                    </a:schemeClr>
+                                  </a:solidFill>
+                                  <a:latin typeface="Cambria Math" panose="02040503050406030204" pitchFamily="18" charset="0"/>
+                                </a:rPr>
+                                <m:t>𝑙</m:t>
+                              </m:r>
+                            </m:sub>
+                          </m:sSub>
+                        </m:oMath>
+                      </m:oMathPara>
+                    </a14:m>
+                    <a:endParaRPr lang="de-DE" sz="2400" dirty="0"/>
+                  </a:p>
+                  <a:p>
+                    <a:endParaRPr lang="de-DE" sz="2400" dirty="0"/>
+                  </a:p>
+                </p:txBody>
+              </p:sp>
+            </mc:Choice>
+            <mc:Fallback>
+              <p:sp>
+                <p:nvSpPr>
+                  <p:cNvPr id="20" name="Textfeld 19">
+                    <a:extLst>
+                      <a:ext uri="{FF2B5EF4-FFF2-40B4-BE49-F238E27FC236}">
+                        <a16:creationId xmlns:a16="http://schemas.microsoft.com/office/drawing/2014/main" id="{CDC7A62F-C05C-471E-B217-95693C3D1BFD}"/>
+                      </a:ext>
+                    </a:extLst>
+                  </p:cNvPr>
+                  <p:cNvSpPr txBox="1">
+                    <a:spLocks noRot="1" noChangeAspect="1" noMove="1" noResize="1" noEditPoints="1" noAdjustHandles="1" noChangeArrowheads="1" noChangeShapeType="1" noTextEdit="1"/>
+                  </p:cNvSpPr>
+                  <p:nvPr/>
+                </p:nvSpPr>
+                <p:spPr>
+                  <a:xfrm>
+                    <a:off x="9117335" y="3980726"/>
+                    <a:ext cx="2270878" cy="1063240"/>
+                  </a:xfrm>
+                  <a:prstGeom prst="rect">
+                    <a:avLst/>
+                  </a:prstGeom>
+                  <a:blipFill>
+                    <a:blip r:embed="rId8"/>
+                    <a:stretch>
+                      <a:fillRect/>
+                    </a:stretch>
+                  </a:blipFill>
+                </p:spPr>
+                <p:txBody>
+                  <a:bodyPr/>
+                  <a:lstStyle/>
+                  <a:p>
+                    <a:r>
+                      <a:rPr lang="de-DE">
+                        <a:noFill/>
+                      </a:rPr>
+                      <a:t> </a:t>
+                    </a:r>
+                  </a:p>
+                </p:txBody>
+              </p:sp>
+            </mc:Fallback>
+          </mc:AlternateContent>
+          <mc:AlternateContent xmlns:mc="http://schemas.openxmlformats.org/markup-compatibility/2006">
+            <mc:Choice xmlns:a14="http://schemas.microsoft.com/office/drawing/2010/main" Requires="a14">
+              <p:sp>
+                <p:nvSpPr>
+                  <p:cNvPr id="21" name="Textfeld 20">
+                    <a:extLst>
+                      <a:ext uri="{FF2B5EF4-FFF2-40B4-BE49-F238E27FC236}">
+                        <a16:creationId xmlns:a16="http://schemas.microsoft.com/office/drawing/2014/main" id="{7B003C30-4500-497A-9894-43CC727102C2}"/>
+                      </a:ext>
+                    </a:extLst>
+                  </p:cNvPr>
+                  <p:cNvSpPr txBox="1"/>
+                  <p:nvPr/>
+                </p:nvSpPr>
+                <p:spPr>
+                  <a:xfrm>
+                    <a:off x="9529087" y="5036832"/>
+                    <a:ext cx="1479444" cy="369332"/>
+                  </a:xfrm>
+                  <a:prstGeom prst="rect">
+                    <a:avLst/>
+                  </a:prstGeom>
+                  <a:noFill/>
+                </p:spPr>
+                <p:txBody>
+                  <a:bodyPr wrap="none" lIns="0" tIns="0" rIns="0" bIns="0" rtlCol="0">
+                    <a:spAutoFit/>
+                  </a:bodyPr>
+                  <a:lstStyle/>
+                  <a:p>
+                    <a:pPr/>
+                    <a14:m>
+                      <m:oMathPara xmlns:m="http://schemas.openxmlformats.org/officeDocument/2006/math">
+                        <m:oMathParaPr>
+                          <m:jc m:val="centerGroup"/>
+                        </m:oMathParaPr>
+                        <m:oMath xmlns:m="http://schemas.openxmlformats.org/officeDocument/2006/math">
+                          <m:sSub>
+                            <m:sSubPr>
+                              <m:ctrlPr>
+                                <a:rPr lang="de-DE" sz="2400" i="1" smtClean="0">
+                                  <a:solidFill>
+                                    <a:schemeClr val="tx1">
+                                      <a:lumMod val="75000"/>
+                                      <a:lumOff val="25000"/>
+                                    </a:schemeClr>
+                                  </a:solidFill>
+                                  <a:latin typeface="Cambria Math" panose="02040503050406030204" pitchFamily="18" charset="0"/>
+                                </a:rPr>
+                              </m:ctrlPr>
+                            </m:sSubPr>
+                            <m:e>
+                              <m:r>
+                                <a:rPr lang="de-DE" sz="2400" b="0" i="1" smtClean="0">
+                                  <a:solidFill>
+                                    <a:schemeClr val="tx1">
+                                      <a:lumMod val="75000"/>
+                                      <a:lumOff val="25000"/>
+                                    </a:schemeClr>
+                                  </a:solidFill>
+                                  <a:latin typeface="Cambria Math" panose="02040503050406030204" pitchFamily="18" charset="0"/>
+                                </a:rPr>
+                                <m:t>𝑠</m:t>
+                              </m:r>
+                            </m:e>
+                            <m:sub>
+                              <m:r>
+                                <a:rPr lang="de-DE" sz="2400" b="0" i="1" smtClean="0">
+                                  <a:solidFill>
+                                    <a:schemeClr val="tx1">
+                                      <a:lumMod val="75000"/>
+                                      <a:lumOff val="25000"/>
+                                    </a:schemeClr>
+                                  </a:solidFill>
+                                  <a:latin typeface="Cambria Math" panose="02040503050406030204" pitchFamily="18" charset="0"/>
+                                </a:rPr>
+                                <m:t>𝑧</m:t>
+                              </m:r>
+                            </m:sub>
+                          </m:sSub>
+                          <m:r>
+                            <a:rPr lang="de-DE" sz="2400" b="0" i="1" smtClean="0">
+                              <a:solidFill>
+                                <a:schemeClr val="tx1">
+                                  <a:lumMod val="75000"/>
+                                  <a:lumOff val="25000"/>
+                                </a:schemeClr>
+                              </a:solidFill>
+                              <a:latin typeface="Cambria Math" panose="02040503050406030204" pitchFamily="18" charset="0"/>
+                            </a:rPr>
+                            <m:t>=</m:t>
+                          </m:r>
+                          <m:r>
+                            <a:rPr lang="de-DE" sz="2400" b="0" i="1" smtClean="0">
+                              <a:solidFill>
+                                <a:schemeClr val="tx1">
+                                  <a:lumMod val="75000"/>
+                                  <a:lumOff val="25000"/>
+                                </a:schemeClr>
+                              </a:solidFill>
+                              <a:latin typeface="Cambria Math" panose="02040503050406030204" pitchFamily="18" charset="0"/>
+                            </a:rPr>
+                            <m:t>𝑛</m:t>
+                          </m:r>
+                          <m:r>
+                            <a:rPr lang="de-DE" sz="2400" b="0" i="1" smtClean="0">
+                              <a:solidFill>
+                                <a:schemeClr val="tx1">
+                                  <a:lumMod val="75000"/>
+                                  <a:lumOff val="25000"/>
+                                </a:schemeClr>
+                              </a:solidFill>
+                              <a:latin typeface="Cambria Math" panose="02040503050406030204" pitchFamily="18" charset="0"/>
+                            </a:rPr>
+                            <m:t>∗</m:t>
+                          </m:r>
+                          <m:sSub>
+                            <m:sSubPr>
+                              <m:ctrlPr>
+                                <a:rPr lang="de-DE" sz="2400" b="0" i="1" smtClean="0">
+                                  <a:solidFill>
+                                    <a:schemeClr val="tx1">
+                                      <a:lumMod val="75000"/>
+                                      <a:lumOff val="25000"/>
+                                    </a:schemeClr>
+                                  </a:solidFill>
+                                  <a:latin typeface="Cambria Math" panose="02040503050406030204" pitchFamily="18" charset="0"/>
+                                </a:rPr>
+                              </m:ctrlPr>
+                            </m:sSubPr>
+                            <m:e>
+                              <m:r>
+                                <a:rPr lang="de-DE" sz="2400" b="0" i="1" smtClean="0">
+                                  <a:solidFill>
+                                    <a:schemeClr val="tx1">
+                                      <a:lumMod val="75000"/>
+                                      <a:lumOff val="25000"/>
+                                    </a:schemeClr>
+                                  </a:solidFill>
+                                  <a:latin typeface="Cambria Math" panose="02040503050406030204" pitchFamily="18" charset="0"/>
+                                </a:rPr>
+                                <m:t>𝑠</m:t>
+                              </m:r>
+                            </m:e>
+                            <m:sub>
+                              <m:r>
+                                <a:rPr lang="de-DE" sz="2400" b="0" i="1" smtClean="0">
+                                  <a:solidFill>
+                                    <a:schemeClr val="tx1">
+                                      <a:lumMod val="75000"/>
+                                      <a:lumOff val="25000"/>
+                                    </a:schemeClr>
+                                  </a:solidFill>
+                                  <a:latin typeface="Cambria Math" panose="02040503050406030204" pitchFamily="18" charset="0"/>
+                                </a:rPr>
+                                <m:t>𝐿</m:t>
+                              </m:r>
+                            </m:sub>
+                          </m:sSub>
+                        </m:oMath>
+                      </m:oMathPara>
+                    </a14:m>
+                    <a:endParaRPr lang="de-DE" sz="2400" dirty="0"/>
+                  </a:p>
+                </p:txBody>
+              </p:sp>
+            </mc:Choice>
+            <mc:Fallback>
+              <p:sp>
+                <p:nvSpPr>
+                  <p:cNvPr id="21" name="Textfeld 20">
+                    <a:extLst>
+                      <a:ext uri="{FF2B5EF4-FFF2-40B4-BE49-F238E27FC236}">
+                        <a16:creationId xmlns:a16="http://schemas.microsoft.com/office/drawing/2014/main" id="{7B003C30-4500-497A-9894-43CC727102C2}"/>
+                      </a:ext>
+                    </a:extLst>
+                  </p:cNvPr>
+                  <p:cNvSpPr txBox="1">
+                    <a:spLocks noRot="1" noChangeAspect="1" noMove="1" noResize="1" noEditPoints="1" noAdjustHandles="1" noChangeArrowheads="1" noChangeShapeType="1" noTextEdit="1"/>
+                  </p:cNvSpPr>
+                  <p:nvPr/>
+                </p:nvSpPr>
+                <p:spPr>
+                  <a:xfrm>
+                    <a:off x="9529087" y="5036832"/>
+                    <a:ext cx="1479444" cy="369332"/>
+                  </a:xfrm>
+                  <a:prstGeom prst="rect">
+                    <a:avLst/>
+                  </a:prstGeom>
+                  <a:blipFill>
+                    <a:blip r:embed="rId9"/>
+                    <a:stretch>
+                      <a:fillRect l="-2058" r="-823" b="-15000"/>
+                    </a:stretch>
+                  </a:blipFill>
+                </p:spPr>
+                <p:txBody>
+                  <a:bodyPr/>
+                  <a:lstStyle/>
+                  <a:p>
+                    <a:r>
+                      <a:rPr lang="de-DE">
+                        <a:noFill/>
+                      </a:rPr>
+                      <a:t> </a:t>
+                    </a:r>
+                  </a:p>
+                </p:txBody>
+              </p:sp>
+            </mc:Fallback>
+          </mc:AlternateContent>
+        </p:grpSp>
+      </p:grpSp>
     </p:spTree>
     <p:extLst>
       <p:ext uri="{BB962C8B-B14F-4D97-AF65-F5344CB8AC3E}">
@@ -5952,15 +7072,7 @@
           <a:p>
             <a:r>
               <a:rPr lang="en-US" dirty="0"/>
-              <a:t>Daniel </a:t>
-            </a:r>
-            <a:r>
-              <a:rPr lang="en-US" dirty="0" err="1"/>
-              <a:t>Dittler</a:t>
-            </a:r>
-            <a:r>
-              <a:rPr lang="en-US" dirty="0"/>
-              <a:t>, Lukas Mönch, Sebastian Bauer Timo Schaaf</a:t>
+              <a:t>Daniel Dittler, Lukas Mönch, Sebastian Bauer, Timo Schaaf</a:t>
             </a:r>
           </a:p>
         </p:txBody>
@@ -6004,9 +7116,7 @@
             <a:ext cx="12192000" cy="726921"/>
           </a:xfrm>
           <a:solidFill>
-            <a:schemeClr val="bg2">
-              <a:lumMod val="50000"/>
-            </a:schemeClr>
+            <a:srgbClr val="FDC300"/>
           </a:solidFill>
         </p:spPr>
         <p:txBody>
@@ -6016,11 +7126,7 @@
           <a:lstStyle/>
           <a:p>
             <a:r>
-              <a:rPr lang="de-DE" sz="3200" dirty="0">
-                <a:solidFill>
-                  <a:schemeClr val="bg1"/>
-                </a:solidFill>
-              </a:rPr>
+              <a:rPr lang="de-DE" sz="3200" dirty="0"/>
               <a:t>Übersicht Hauptkomponenten</a:t>
             </a:r>
           </a:p>
@@ -6041,20 +7147,20 @@
           <p:nvPr>
             <p:extLst>
               <p:ext uri="{D42A27DB-BD31-4B8C-83A1-F6EECF244321}">
-                <p14:modId xmlns:p14="http://schemas.microsoft.com/office/powerpoint/2010/main" val="254299812"/>
+                <p14:modId xmlns:p14="http://schemas.microsoft.com/office/powerpoint/2010/main" val="1867215185"/>
               </p:ext>
             </p:extLst>
           </p:nvPr>
         </p:nvGraphicFramePr>
         <p:xfrm>
-          <a:off x="416589" y="828358"/>
+          <a:off x="416589" y="948104"/>
           <a:ext cx="11358822" cy="2108200"/>
         </p:xfrm>
         <a:graphic>
           <a:graphicData uri="http://schemas.openxmlformats.org/drawingml/2006/table">
             <a:tbl>
               <a:tblPr firstRow="1" bandRow="1">
-                <a:tableStyleId>{F5AB1C69-6EDB-4FF4-983F-18BD219EF322}</a:tableStyleId>
+                <a:tableStyleId>{00A15C55-8517-42AA-B614-E9B94910E393}</a:tableStyleId>
               </a:tblPr>
               <a:tblGrid>
                 <a:gridCol w="1895707">
@@ -6095,46 +7201,7 @@
                       <a:endParaRPr lang="de-DE" dirty="0"/>
                     </a:p>
                   </a:txBody>
-                  <a:tcPr>
-                    <a:lnL w="12700" cap="flat" cmpd="sng" algn="ctr">
-                      <a:noFill/>
-                      <a:prstDash val="solid"/>
-                      <a:round/>
-                      <a:headEnd type="none" w="med" len="med"/>
-                      <a:tailEnd type="none" w="med" len="med"/>
-                    </a:lnL>
-                    <a:lnR w="12700" cap="flat" cmpd="sng" algn="ctr">
-                      <a:noFill/>
-                      <a:prstDash val="solid"/>
-                      <a:round/>
-                      <a:headEnd type="none" w="med" len="med"/>
-                      <a:tailEnd type="none" w="med" len="med"/>
-                    </a:lnR>
-                    <a:lnT w="12700" cap="flat" cmpd="sng" algn="ctr">
-                      <a:noFill/>
-                      <a:prstDash val="solid"/>
-                      <a:round/>
-                      <a:headEnd type="none" w="med" len="med"/>
-                      <a:tailEnd type="none" w="med" len="med"/>
-                    </a:lnT>
-                    <a:lnB w="12700" cap="flat" cmpd="sng" algn="ctr">
-                      <a:solidFill>
-                        <a:schemeClr val="tx1"/>
-                      </a:solidFill>
-                      <a:prstDash val="solid"/>
-                      <a:round/>
-                      <a:headEnd type="none" w="med" len="med"/>
-                      <a:tailEnd type="none" w="med" len="med"/>
-                    </a:lnB>
-                    <a:lnTlToBr w="12700" cmpd="sng">
-                      <a:noFill/>
-                      <a:prstDash val="solid"/>
-                    </a:lnTlToBr>
-                    <a:lnBlToTr w="12700" cmpd="sng">
-                      <a:noFill/>
-                      <a:prstDash val="solid"/>
-                    </a:lnBlToTr>
-                  </a:tcPr>
+                  <a:tcPr/>
                 </a:tc>
                 <a:tc>
                   <a:txBody>
@@ -6143,51 +7210,13 @@
                     <a:p>
                       <a:pPr algn="ctr"/>
                       <a:r>
-                        <a:rPr lang="de-DE" b="0" dirty="0"/>
+                        <a:rPr lang="de-DE" dirty="0"/>
                         <a:t>Spannungsquelle</a:t>
                       </a:r>
+                      <a:endParaRPr lang="de-DE" b="0" dirty="0"/>
                     </a:p>
                   </a:txBody>
-                  <a:tcPr>
-                    <a:lnL w="12700" cap="flat" cmpd="sng" algn="ctr">
-                      <a:noFill/>
-                      <a:prstDash val="solid"/>
-                      <a:round/>
-                      <a:headEnd type="none" w="med" len="med"/>
-                      <a:tailEnd type="none" w="med" len="med"/>
-                    </a:lnL>
-                    <a:lnR w="12700" cap="flat" cmpd="sng" algn="ctr">
-                      <a:noFill/>
-                      <a:prstDash val="solid"/>
-                      <a:round/>
-                      <a:headEnd type="none" w="med" len="med"/>
-                      <a:tailEnd type="none" w="med" len="med"/>
-                    </a:lnR>
-                    <a:lnT w="12700" cap="flat" cmpd="sng" algn="ctr">
-                      <a:noFill/>
-                      <a:prstDash val="solid"/>
-                      <a:round/>
-                      <a:headEnd type="none" w="med" len="med"/>
-                      <a:tailEnd type="none" w="med" len="med"/>
-                    </a:lnT>
-                    <a:lnB w="12700" cap="flat" cmpd="sng" algn="ctr">
-                      <a:solidFill>
-                        <a:schemeClr val="tx1"/>
-                      </a:solidFill>
-                      <a:prstDash val="solid"/>
-                      <a:round/>
-                      <a:headEnd type="none" w="med" len="med"/>
-                      <a:tailEnd type="none" w="med" len="med"/>
-                    </a:lnB>
-                    <a:lnTlToBr w="12700" cmpd="sng">
-                      <a:noFill/>
-                      <a:prstDash val="solid"/>
-                    </a:lnTlToBr>
-                    <a:lnBlToTr w="12700" cmpd="sng">
-                      <a:noFill/>
-                      <a:prstDash val="solid"/>
-                    </a:lnBlToTr>
-                  </a:tcPr>
+                  <a:tcPr/>
                 </a:tc>
                 <a:tc>
                   <a:txBody>
@@ -6196,51 +7225,13 @@
                     <a:p>
                       <a:pPr algn="ctr"/>
                       <a:r>
-                        <a:rPr lang="de-DE" b="0" dirty="0"/>
+                        <a:rPr lang="de-DE" dirty="0"/>
                         <a:t>Motor</a:t>
                       </a:r>
+                      <a:endParaRPr lang="de-DE" b="0" dirty="0"/>
                     </a:p>
                   </a:txBody>
-                  <a:tcPr>
-                    <a:lnL w="12700" cap="flat" cmpd="sng" algn="ctr">
-                      <a:noFill/>
-                      <a:prstDash val="solid"/>
-                      <a:round/>
-                      <a:headEnd type="none" w="med" len="med"/>
-                      <a:tailEnd type="none" w="med" len="med"/>
-                    </a:lnL>
-                    <a:lnR w="12700" cap="flat" cmpd="sng" algn="ctr">
-                      <a:noFill/>
-                      <a:prstDash val="solid"/>
-                      <a:round/>
-                      <a:headEnd type="none" w="med" len="med"/>
-                      <a:tailEnd type="none" w="med" len="med"/>
-                    </a:lnR>
-                    <a:lnT w="12700" cap="flat" cmpd="sng" algn="ctr">
-                      <a:noFill/>
-                      <a:prstDash val="solid"/>
-                      <a:round/>
-                      <a:headEnd type="none" w="med" len="med"/>
-                      <a:tailEnd type="none" w="med" len="med"/>
-                    </a:lnT>
-                    <a:lnB w="12700" cap="flat" cmpd="sng" algn="ctr">
-                      <a:solidFill>
-                        <a:schemeClr val="tx1"/>
-                      </a:solidFill>
-                      <a:prstDash val="solid"/>
-                      <a:round/>
-                      <a:headEnd type="none" w="med" len="med"/>
-                      <a:tailEnd type="none" w="med" len="med"/>
-                    </a:lnB>
-                    <a:lnTlToBr w="12700" cmpd="sng">
-                      <a:noFill/>
-                      <a:prstDash val="solid"/>
-                    </a:lnTlToBr>
-                    <a:lnBlToTr w="12700" cmpd="sng">
-                      <a:noFill/>
-                      <a:prstDash val="solid"/>
-                    </a:lnBlToTr>
-                  </a:tcPr>
+                  <a:tcPr/>
                 </a:tc>
                 <a:tc>
                   <a:txBody>
@@ -6249,51 +7240,13 @@
                     <a:p>
                       <a:pPr algn="ctr"/>
                       <a:r>
-                        <a:rPr lang="de-DE" b="0" dirty="0"/>
+                        <a:rPr lang="de-DE" dirty="0"/>
                         <a:t>Getriebe</a:t>
                       </a:r>
+                      <a:endParaRPr lang="de-DE" b="0" dirty="0"/>
                     </a:p>
                   </a:txBody>
-                  <a:tcPr>
-                    <a:lnL w="12700" cap="flat" cmpd="sng" algn="ctr">
-                      <a:noFill/>
-                      <a:prstDash val="solid"/>
-                      <a:round/>
-                      <a:headEnd type="none" w="med" len="med"/>
-                      <a:tailEnd type="none" w="med" len="med"/>
-                    </a:lnL>
-                    <a:lnR w="12700" cap="flat" cmpd="sng" algn="ctr">
-                      <a:noFill/>
-                      <a:prstDash val="solid"/>
-                      <a:round/>
-                      <a:headEnd type="none" w="med" len="med"/>
-                      <a:tailEnd type="none" w="med" len="med"/>
-                    </a:lnR>
-                    <a:lnT w="12700" cap="flat" cmpd="sng" algn="ctr">
-                      <a:noFill/>
-                      <a:prstDash val="solid"/>
-                      <a:round/>
-                      <a:headEnd type="none" w="med" len="med"/>
-                      <a:tailEnd type="none" w="med" len="med"/>
-                    </a:lnT>
-                    <a:lnB w="12700" cap="flat" cmpd="sng" algn="ctr">
-                      <a:solidFill>
-                        <a:schemeClr val="tx1"/>
-                      </a:solidFill>
-                      <a:prstDash val="solid"/>
-                      <a:round/>
-                      <a:headEnd type="none" w="med" len="med"/>
-                      <a:tailEnd type="none" w="med" len="med"/>
-                    </a:lnB>
-                    <a:lnTlToBr w="12700" cmpd="sng">
-                      <a:noFill/>
-                      <a:prstDash val="solid"/>
-                    </a:lnTlToBr>
-                    <a:lnBlToTr w="12700" cmpd="sng">
-                      <a:noFill/>
-                      <a:prstDash val="solid"/>
-                    </a:lnBlToTr>
-                  </a:tcPr>
+                  <a:tcPr/>
                 </a:tc>
                 <a:extLst>
                   <a:ext uri="{0D108BD9-81ED-4DB2-BD59-A6C34878D82A}">
@@ -6313,57 +7266,7 @@
                       </a:r>
                     </a:p>
                   </a:txBody>
-                  <a:tcPr>
-                    <a:lnL w="12700" cap="flat" cmpd="sng" algn="ctr">
-                      <a:solidFill>
-                        <a:schemeClr val="tx1"/>
-                      </a:solidFill>
-                      <a:prstDash val="solid"/>
-                      <a:round/>
-                      <a:headEnd type="none" w="med" len="med"/>
-                      <a:tailEnd type="none" w="med" len="med"/>
-                    </a:lnL>
-                    <a:lnR w="12700" cap="flat" cmpd="sng" algn="ctr">
-                      <a:solidFill>
-                        <a:schemeClr val="tx1"/>
-                      </a:solidFill>
-                      <a:prstDash val="solid"/>
-                      <a:round/>
-                      <a:headEnd type="none" w="med" len="med"/>
-                      <a:tailEnd type="none" w="med" len="med"/>
-                    </a:lnR>
-                    <a:lnT w="12700" cap="flat" cmpd="sng" algn="ctr">
-                      <a:solidFill>
-                        <a:schemeClr val="tx1"/>
-                      </a:solidFill>
-                      <a:prstDash val="solid"/>
-                      <a:round/>
-                      <a:headEnd type="none" w="med" len="med"/>
-                      <a:tailEnd type="none" w="med" len="med"/>
-                    </a:lnT>
-                    <a:lnB w="12700" cap="flat" cmpd="sng" algn="ctr">
-                      <a:solidFill>
-                        <a:schemeClr val="tx1"/>
-                      </a:solidFill>
-                      <a:prstDash val="solid"/>
-                      <a:round/>
-                      <a:headEnd type="none" w="med" len="med"/>
-                      <a:tailEnd type="none" w="med" len="med"/>
-                    </a:lnB>
-                    <a:lnTlToBr w="12700" cmpd="sng">
-                      <a:noFill/>
-                      <a:prstDash val="solid"/>
-                    </a:lnTlToBr>
-                    <a:lnBlToTr w="12700" cmpd="sng">
-                      <a:noFill/>
-                      <a:prstDash val="solid"/>
-                    </a:lnBlToTr>
-                    <a:solidFill>
-                      <a:schemeClr val="bg1">
-                        <a:lumMod val="85000"/>
-                      </a:schemeClr>
-                    </a:solidFill>
-                  </a:tcPr>
+                  <a:tcPr/>
                 </a:tc>
                 <a:tc>
                   <a:txBody>
@@ -6380,7 +7283,7 @@
                       </a:r>
                     </a:p>
                     <a:p>
-                      <a:pPr marL="285750" indent="-285750">
+                      <a:pPr marL="742950" lvl="1" indent="-285750">
                         <a:buFont typeface="Arial" panose="020B0604020202020204" pitchFamily="34" charset="0"/>
                         <a:buChar char="•"/>
                       </a:pPr>
@@ -6390,7 +7293,7 @@
                       </a:r>
                     </a:p>
                     <a:p>
-                      <a:pPr marL="285750" indent="-285750">
+                      <a:pPr marL="742950" lvl="1" indent="-285750">
                         <a:buFont typeface="Arial" panose="020B0604020202020204" pitchFamily="34" charset="0"/>
                         <a:buChar char="•"/>
                       </a:pPr>
@@ -6400,7 +7303,7 @@
                       </a:r>
                     </a:p>
                     <a:p>
-                      <a:pPr marL="285750" indent="-285750">
+                      <a:pPr marL="742950" lvl="1" indent="-285750">
                         <a:buFont typeface="Arial" panose="020B0604020202020204" pitchFamily="34" charset="0"/>
                         <a:buChar char="•"/>
                       </a:pPr>
@@ -6410,57 +7313,7 @@
                       </a:r>
                     </a:p>
                   </a:txBody>
-                  <a:tcPr>
-                    <a:lnL w="12700" cap="flat" cmpd="sng" algn="ctr">
-                      <a:solidFill>
-                        <a:schemeClr val="tx1"/>
-                      </a:solidFill>
-                      <a:prstDash val="solid"/>
-                      <a:round/>
-                      <a:headEnd type="none" w="med" len="med"/>
-                      <a:tailEnd type="none" w="med" len="med"/>
-                    </a:lnL>
-                    <a:lnR w="12700" cap="flat" cmpd="sng" algn="ctr">
-                      <a:solidFill>
-                        <a:schemeClr val="tx1"/>
-                      </a:solidFill>
-                      <a:prstDash val="solid"/>
-                      <a:round/>
-                      <a:headEnd type="none" w="med" len="med"/>
-                      <a:tailEnd type="none" w="med" len="med"/>
-                    </a:lnR>
-                    <a:lnT w="12700" cap="flat" cmpd="sng" algn="ctr">
-                      <a:solidFill>
-                        <a:schemeClr val="tx1"/>
-                      </a:solidFill>
-                      <a:prstDash val="solid"/>
-                      <a:round/>
-                      <a:headEnd type="none" w="med" len="med"/>
-                      <a:tailEnd type="none" w="med" len="med"/>
-                    </a:lnT>
-                    <a:lnB w="12700" cap="flat" cmpd="sng" algn="ctr">
-                      <a:solidFill>
-                        <a:schemeClr val="tx1"/>
-                      </a:solidFill>
-                      <a:prstDash val="solid"/>
-                      <a:round/>
-                      <a:headEnd type="none" w="med" len="med"/>
-                      <a:tailEnd type="none" w="med" len="med"/>
-                    </a:lnB>
-                    <a:lnTlToBr w="12700" cmpd="sng">
-                      <a:noFill/>
-                      <a:prstDash val="solid"/>
-                    </a:lnTlToBr>
-                    <a:lnBlToTr w="12700" cmpd="sng">
-                      <a:noFill/>
-                      <a:prstDash val="solid"/>
-                    </a:lnBlToTr>
-                    <a:solidFill>
-                      <a:schemeClr val="bg1">
-                        <a:lumMod val="85000"/>
-                      </a:schemeClr>
-                    </a:solidFill>
-                  </a:tcPr>
+                  <a:tcPr/>
                 </a:tc>
                 <a:tc>
                   <a:txBody>
@@ -6493,69 +7346,11 @@
                       </a:pPr>
                       <a:r>
                         <a:rPr lang="de-DE" sz="1700" dirty="0"/>
-                        <a:t>Motorisch und </a:t>
-                      </a:r>
-                      <a:r>
-                        <a:rPr lang="de-DE" sz="1700" dirty="0" err="1"/>
-                        <a:t>generatorischer</a:t>
-                      </a:r>
-                      <a:r>
-                        <a:rPr lang="de-DE" sz="1700" dirty="0"/>
-                        <a:t> Betrieb</a:t>
+                        <a:t>Motorisch und generatorischer Betrieb</a:t>
                       </a:r>
                     </a:p>
                   </a:txBody>
-                  <a:tcPr>
-                    <a:lnL w="12700" cap="flat" cmpd="sng" algn="ctr">
-                      <a:solidFill>
-                        <a:schemeClr val="tx1"/>
-                      </a:solidFill>
-                      <a:prstDash val="solid"/>
-                      <a:round/>
-                      <a:headEnd type="none" w="med" len="med"/>
-                      <a:tailEnd type="none" w="med" len="med"/>
-                    </a:lnL>
-                    <a:lnR w="12700" cap="flat" cmpd="sng" algn="ctr">
-                      <a:solidFill>
-                        <a:schemeClr val="tx1"/>
-                      </a:solidFill>
-                      <a:prstDash val="solid"/>
-                      <a:round/>
-                      <a:headEnd type="none" w="med" len="med"/>
-                      <a:tailEnd type="none" w="med" len="med"/>
-                    </a:lnR>
-                    <a:lnT w="12700" cap="flat" cmpd="sng" algn="ctr">
-                      <a:solidFill>
-                        <a:schemeClr val="tx1"/>
-                      </a:solidFill>
-                      <a:prstDash val="solid"/>
-                      <a:round/>
-                      <a:headEnd type="none" w="med" len="med"/>
-                      <a:tailEnd type="none" w="med" len="med"/>
-                    </a:lnT>
-                    <a:lnB w="12700" cap="flat" cmpd="sng" algn="ctr">
-                      <a:solidFill>
-                        <a:schemeClr val="tx1"/>
-                      </a:solidFill>
-                      <a:prstDash val="solid"/>
-                      <a:round/>
-                      <a:headEnd type="none" w="med" len="med"/>
-                      <a:tailEnd type="none" w="med" len="med"/>
-                    </a:lnB>
-                    <a:lnTlToBr w="12700" cmpd="sng">
-                      <a:noFill/>
-                      <a:prstDash val="solid"/>
-                    </a:lnTlToBr>
-                    <a:lnBlToTr w="12700" cmpd="sng">
-                      <a:noFill/>
-                      <a:prstDash val="solid"/>
-                    </a:lnBlToTr>
-                    <a:solidFill>
-                      <a:schemeClr val="bg1">
-                        <a:lumMod val="85000"/>
-                      </a:schemeClr>
-                    </a:solidFill>
-                  </a:tcPr>
+                  <a:tcPr/>
                 </a:tc>
                 <a:tc>
                   <a:txBody>
@@ -6595,57 +7390,7 @@
                       <a:endParaRPr lang="de-DE" sz="1700" dirty="0"/>
                     </a:p>
                   </a:txBody>
-                  <a:tcPr>
-                    <a:lnL w="12700" cap="flat" cmpd="sng" algn="ctr">
-                      <a:solidFill>
-                        <a:schemeClr val="tx1"/>
-                      </a:solidFill>
-                      <a:prstDash val="solid"/>
-                      <a:round/>
-                      <a:headEnd type="none" w="med" len="med"/>
-                      <a:tailEnd type="none" w="med" len="med"/>
-                    </a:lnL>
-                    <a:lnR w="12700" cap="flat" cmpd="sng" algn="ctr">
-                      <a:solidFill>
-                        <a:schemeClr val="tx1"/>
-                      </a:solidFill>
-                      <a:prstDash val="solid"/>
-                      <a:round/>
-                      <a:headEnd type="none" w="med" len="med"/>
-                      <a:tailEnd type="none" w="med" len="med"/>
-                    </a:lnR>
-                    <a:lnT w="12700" cap="flat" cmpd="sng" algn="ctr">
-                      <a:solidFill>
-                        <a:schemeClr val="tx1"/>
-                      </a:solidFill>
-                      <a:prstDash val="solid"/>
-                      <a:round/>
-                      <a:headEnd type="none" w="med" len="med"/>
-                      <a:tailEnd type="none" w="med" len="med"/>
-                    </a:lnT>
-                    <a:lnB w="12700" cap="flat" cmpd="sng" algn="ctr">
-                      <a:solidFill>
-                        <a:schemeClr val="tx1"/>
-                      </a:solidFill>
-                      <a:prstDash val="solid"/>
-                      <a:round/>
-                      <a:headEnd type="none" w="med" len="med"/>
-                      <a:tailEnd type="none" w="med" len="med"/>
-                    </a:lnB>
-                    <a:lnTlToBr w="12700" cmpd="sng">
-                      <a:noFill/>
-                      <a:prstDash val="solid"/>
-                    </a:lnTlToBr>
-                    <a:lnBlToTr w="12700" cmpd="sng">
-                      <a:noFill/>
-                      <a:prstDash val="solid"/>
-                    </a:lnBlToTr>
-                    <a:solidFill>
-                      <a:schemeClr val="bg1">
-                        <a:lumMod val="85000"/>
-                      </a:schemeClr>
-                    </a:solidFill>
-                  </a:tcPr>
+                  <a:tcPr/>
                 </a:tc>
                 <a:extLst>
                   <a:ext uri="{0D108BD9-81ED-4DB2-BD59-A6C34878D82A}">
@@ -6666,57 +7411,7 @@
                       </a:r>
                     </a:p>
                   </a:txBody>
-                  <a:tcPr>
-                    <a:lnL w="12700" cap="flat" cmpd="sng" algn="ctr">
-                      <a:solidFill>
-                        <a:schemeClr val="tx1"/>
-                      </a:solidFill>
-                      <a:prstDash val="solid"/>
-                      <a:round/>
-                      <a:headEnd type="none" w="med" len="med"/>
-                      <a:tailEnd type="none" w="med" len="med"/>
-                    </a:lnL>
-                    <a:lnR w="12700" cap="flat" cmpd="sng" algn="ctr">
-                      <a:solidFill>
-                        <a:schemeClr val="tx1"/>
-                      </a:solidFill>
-                      <a:prstDash val="solid"/>
-                      <a:round/>
-                      <a:headEnd type="none" w="med" len="med"/>
-                      <a:tailEnd type="none" w="med" len="med"/>
-                    </a:lnR>
-                    <a:lnT w="12700" cap="flat" cmpd="sng" algn="ctr">
-                      <a:solidFill>
-                        <a:schemeClr val="tx1"/>
-                      </a:solidFill>
-                      <a:prstDash val="solid"/>
-                      <a:round/>
-                      <a:headEnd type="none" w="med" len="med"/>
-                      <a:tailEnd type="none" w="med" len="med"/>
-                    </a:lnT>
-                    <a:lnB w="12700" cap="flat" cmpd="sng" algn="ctr">
-                      <a:solidFill>
-                        <a:schemeClr val="tx1"/>
-                      </a:solidFill>
-                      <a:prstDash val="solid"/>
-                      <a:round/>
-                      <a:headEnd type="none" w="med" len="med"/>
-                      <a:tailEnd type="none" w="med" len="med"/>
-                    </a:lnB>
-                    <a:lnTlToBr w="12700" cmpd="sng">
-                      <a:noFill/>
-                      <a:prstDash val="solid"/>
-                    </a:lnTlToBr>
-                    <a:lnBlToTr w="12700" cmpd="sng">
-                      <a:noFill/>
-                      <a:prstDash val="solid"/>
-                    </a:lnBlToTr>
-                    <a:solidFill>
-                      <a:schemeClr val="bg1">
-                        <a:lumMod val="85000"/>
-                      </a:schemeClr>
-                    </a:solidFill>
-                  </a:tcPr>
+                  <a:tcPr/>
                 </a:tc>
                 <a:tc>
                   <a:txBody>
@@ -6733,57 +7428,7 @@
                       </a:r>
                     </a:p>
                   </a:txBody>
-                  <a:tcPr>
-                    <a:lnL w="12700" cap="flat" cmpd="sng" algn="ctr">
-                      <a:solidFill>
-                        <a:schemeClr val="tx1"/>
-                      </a:solidFill>
-                      <a:prstDash val="solid"/>
-                      <a:round/>
-                      <a:headEnd type="none" w="med" len="med"/>
-                      <a:tailEnd type="none" w="med" len="med"/>
-                    </a:lnL>
-                    <a:lnR w="12700" cap="flat" cmpd="sng" algn="ctr">
-                      <a:solidFill>
-                        <a:schemeClr val="tx1"/>
-                      </a:solidFill>
-                      <a:prstDash val="solid"/>
-                      <a:round/>
-                      <a:headEnd type="none" w="med" len="med"/>
-                      <a:tailEnd type="none" w="med" len="med"/>
-                    </a:lnR>
-                    <a:lnT w="12700" cap="flat" cmpd="sng" algn="ctr">
-                      <a:solidFill>
-                        <a:schemeClr val="tx1"/>
-                      </a:solidFill>
-                      <a:prstDash val="solid"/>
-                      <a:round/>
-                      <a:headEnd type="none" w="med" len="med"/>
-                      <a:tailEnd type="none" w="med" len="med"/>
-                    </a:lnT>
-                    <a:lnB w="12700" cap="flat" cmpd="sng" algn="ctr">
-                      <a:solidFill>
-                        <a:schemeClr val="tx1"/>
-                      </a:solidFill>
-                      <a:prstDash val="solid"/>
-                      <a:round/>
-                      <a:headEnd type="none" w="med" len="med"/>
-                      <a:tailEnd type="none" w="med" len="med"/>
-                    </a:lnB>
-                    <a:lnTlToBr w="12700" cmpd="sng">
-                      <a:noFill/>
-                      <a:prstDash val="solid"/>
-                    </a:lnTlToBr>
-                    <a:lnBlToTr w="12700" cmpd="sng">
-                      <a:noFill/>
-                      <a:prstDash val="solid"/>
-                    </a:lnBlToTr>
-                    <a:solidFill>
-                      <a:schemeClr val="bg1">
-                        <a:lumMod val="85000"/>
-                      </a:schemeClr>
-                    </a:solidFill>
-                  </a:tcPr>
+                  <a:tcPr/>
                 </a:tc>
                 <a:tc>
                   <a:txBody>
@@ -6796,61 +7441,11 @@
                       </a:pPr>
                       <a:r>
                         <a:rPr lang="de-DE" sz="1700" dirty="0"/>
-                        <a:t>Universalmotor</a:t>
+                        <a:t>Weitere Motoren</a:t>
                       </a:r>
                     </a:p>
                   </a:txBody>
-                  <a:tcPr>
-                    <a:lnL w="12700" cap="flat" cmpd="sng" algn="ctr">
-                      <a:solidFill>
-                        <a:schemeClr val="tx1"/>
-                      </a:solidFill>
-                      <a:prstDash val="solid"/>
-                      <a:round/>
-                      <a:headEnd type="none" w="med" len="med"/>
-                      <a:tailEnd type="none" w="med" len="med"/>
-                    </a:lnL>
-                    <a:lnR w="12700" cap="flat" cmpd="sng" algn="ctr">
-                      <a:solidFill>
-                        <a:schemeClr val="tx1"/>
-                      </a:solidFill>
-                      <a:prstDash val="solid"/>
-                      <a:round/>
-                      <a:headEnd type="none" w="med" len="med"/>
-                      <a:tailEnd type="none" w="med" len="med"/>
-                    </a:lnR>
-                    <a:lnT w="12700" cap="flat" cmpd="sng" algn="ctr">
-                      <a:solidFill>
-                        <a:schemeClr val="tx1"/>
-                      </a:solidFill>
-                      <a:prstDash val="solid"/>
-                      <a:round/>
-                      <a:headEnd type="none" w="med" len="med"/>
-                      <a:tailEnd type="none" w="med" len="med"/>
-                    </a:lnT>
-                    <a:lnB w="12700" cap="flat" cmpd="sng" algn="ctr">
-                      <a:solidFill>
-                        <a:schemeClr val="tx1"/>
-                      </a:solidFill>
-                      <a:prstDash val="solid"/>
-                      <a:round/>
-                      <a:headEnd type="none" w="med" len="med"/>
-                      <a:tailEnd type="none" w="med" len="med"/>
-                    </a:lnB>
-                    <a:lnTlToBr w="12700" cmpd="sng">
-                      <a:noFill/>
-                      <a:prstDash val="solid"/>
-                    </a:lnTlToBr>
-                    <a:lnBlToTr w="12700" cmpd="sng">
-                      <a:noFill/>
-                      <a:prstDash val="solid"/>
-                    </a:lnBlToTr>
-                    <a:solidFill>
-                      <a:schemeClr val="bg1">
-                        <a:lumMod val="85000"/>
-                      </a:schemeClr>
-                    </a:solidFill>
-                  </a:tcPr>
+                  <a:tcPr/>
                 </a:tc>
                 <a:tc>
                   <a:txBody>
@@ -6867,57 +7462,7 @@
                       </a:r>
                     </a:p>
                   </a:txBody>
-                  <a:tcPr>
-                    <a:lnL w="12700" cap="flat" cmpd="sng" algn="ctr">
-                      <a:solidFill>
-                        <a:schemeClr val="tx1"/>
-                      </a:solidFill>
-                      <a:prstDash val="solid"/>
-                      <a:round/>
-                      <a:headEnd type="none" w="med" len="med"/>
-                      <a:tailEnd type="none" w="med" len="med"/>
-                    </a:lnL>
-                    <a:lnR w="12700" cap="flat" cmpd="sng" algn="ctr">
-                      <a:solidFill>
-                        <a:schemeClr val="tx1"/>
-                      </a:solidFill>
-                      <a:prstDash val="solid"/>
-                      <a:round/>
-                      <a:headEnd type="none" w="med" len="med"/>
-                      <a:tailEnd type="none" w="med" len="med"/>
-                    </a:lnR>
-                    <a:lnT w="12700" cap="flat" cmpd="sng" algn="ctr">
-                      <a:solidFill>
-                        <a:schemeClr val="tx1"/>
-                      </a:solidFill>
-                      <a:prstDash val="solid"/>
-                      <a:round/>
-                      <a:headEnd type="none" w="med" len="med"/>
-                      <a:tailEnd type="none" w="med" len="med"/>
-                    </a:lnT>
-                    <a:lnB w="12700" cap="flat" cmpd="sng" algn="ctr">
-                      <a:solidFill>
-                        <a:schemeClr val="tx1"/>
-                      </a:solidFill>
-                      <a:prstDash val="solid"/>
-                      <a:round/>
-                      <a:headEnd type="none" w="med" len="med"/>
-                      <a:tailEnd type="none" w="med" len="med"/>
-                    </a:lnB>
-                    <a:lnTlToBr w="12700" cmpd="sng">
-                      <a:noFill/>
-                      <a:prstDash val="solid"/>
-                    </a:lnTlToBr>
-                    <a:lnBlToTr w="12700" cmpd="sng">
-                      <a:noFill/>
-                      <a:prstDash val="solid"/>
-                    </a:lnBlToTr>
-                    <a:solidFill>
-                      <a:schemeClr val="bg1">
-                        <a:lumMod val="85000"/>
-                      </a:schemeClr>
-                    </a:solidFill>
-                  </a:tcPr>
+                  <a:tcPr/>
                 </a:tc>
                 <a:extLst>
                   <a:ext uri="{0D108BD9-81ED-4DB2-BD59-A6C34878D82A}">
@@ -6944,7 +7489,7 @@
           <p:nvPr>
             <p:extLst>
               <p:ext uri="{D42A27DB-BD31-4B8C-83A1-F6EECF244321}">
-                <p14:modId xmlns:p14="http://schemas.microsoft.com/office/powerpoint/2010/main" val="242108984"/>
+                <p14:modId xmlns:p14="http://schemas.microsoft.com/office/powerpoint/2010/main" val="3592019805"/>
               </p:ext>
             </p:extLst>
           </p:nvPr>
@@ -6957,7 +7502,7 @@
           <a:graphicData uri="http://schemas.openxmlformats.org/drawingml/2006/table">
             <a:tbl>
               <a:tblPr firstRow="1" bandRow="1">
-                <a:tableStyleId>{F5AB1C69-6EDB-4FF4-983F-18BD219EF322}</a:tableStyleId>
+                <a:tableStyleId>{00A15C55-8517-42AA-B614-E9B94910E393}</a:tableStyleId>
               </a:tblPr>
               <a:tblGrid>
                 <a:gridCol w="1895707">
@@ -6998,46 +7543,7 @@
                       <a:endParaRPr lang="de-DE" dirty="0"/>
                     </a:p>
                   </a:txBody>
-                  <a:tcPr>
-                    <a:lnL w="12700" cap="flat" cmpd="sng" algn="ctr">
-                      <a:noFill/>
-                      <a:prstDash val="solid"/>
-                      <a:round/>
-                      <a:headEnd type="none" w="med" len="med"/>
-                      <a:tailEnd type="none" w="med" len="med"/>
-                    </a:lnL>
-                    <a:lnR w="12700" cap="flat" cmpd="sng" algn="ctr">
-                      <a:noFill/>
-                      <a:prstDash val="solid"/>
-                      <a:round/>
-                      <a:headEnd type="none" w="med" len="med"/>
-                      <a:tailEnd type="none" w="med" len="med"/>
-                    </a:lnR>
-                    <a:lnT w="12700" cap="flat" cmpd="sng" algn="ctr">
-                      <a:noFill/>
-                      <a:prstDash val="solid"/>
-                      <a:round/>
-                      <a:headEnd type="none" w="med" len="med"/>
-                      <a:tailEnd type="none" w="med" len="med"/>
-                    </a:lnT>
-                    <a:lnB w="12700" cap="flat" cmpd="sng" algn="ctr">
-                      <a:solidFill>
-                        <a:schemeClr val="tx1"/>
-                      </a:solidFill>
-                      <a:prstDash val="solid"/>
-                      <a:round/>
-                      <a:headEnd type="none" w="med" len="med"/>
-                      <a:tailEnd type="none" w="med" len="med"/>
-                    </a:lnB>
-                    <a:lnTlToBr w="12700" cmpd="sng">
-                      <a:noFill/>
-                      <a:prstDash val="solid"/>
-                    </a:lnTlToBr>
-                    <a:lnBlToTr w="12700" cmpd="sng">
-                      <a:noFill/>
-                      <a:prstDash val="solid"/>
-                    </a:lnBlToTr>
-                  </a:tcPr>
+                  <a:tcPr/>
                 </a:tc>
                 <a:tc>
                   <a:txBody>
@@ -7046,51 +7552,13 @@
                     <a:p>
                       <a:pPr algn="ctr"/>
                       <a:r>
-                        <a:rPr lang="de-DE" b="0" dirty="0"/>
+                        <a:rPr lang="de-DE" dirty="0"/>
                         <a:t>Bremse</a:t>
                       </a:r>
+                      <a:endParaRPr lang="de-DE" b="0" dirty="0"/>
                     </a:p>
                   </a:txBody>
-                  <a:tcPr>
-                    <a:lnL w="12700" cap="flat" cmpd="sng" algn="ctr">
-                      <a:noFill/>
-                      <a:prstDash val="solid"/>
-                      <a:round/>
-                      <a:headEnd type="none" w="med" len="med"/>
-                      <a:tailEnd type="none" w="med" len="med"/>
-                    </a:lnL>
-                    <a:lnR w="12700" cap="flat" cmpd="sng" algn="ctr">
-                      <a:noFill/>
-                      <a:prstDash val="solid"/>
-                      <a:round/>
-                      <a:headEnd type="none" w="med" len="med"/>
-                      <a:tailEnd type="none" w="med" len="med"/>
-                    </a:lnR>
-                    <a:lnT w="12700" cap="flat" cmpd="sng" algn="ctr">
-                      <a:noFill/>
-                      <a:prstDash val="solid"/>
-                      <a:round/>
-                      <a:headEnd type="none" w="med" len="med"/>
-                      <a:tailEnd type="none" w="med" len="med"/>
-                    </a:lnT>
-                    <a:lnB w="12700" cap="flat" cmpd="sng" algn="ctr">
-                      <a:solidFill>
-                        <a:schemeClr val="tx1"/>
-                      </a:solidFill>
-                      <a:prstDash val="solid"/>
-                      <a:round/>
-                      <a:headEnd type="none" w="med" len="med"/>
-                      <a:tailEnd type="none" w="med" len="med"/>
-                    </a:lnB>
-                    <a:lnTlToBr w="12700" cmpd="sng">
-                      <a:noFill/>
-                      <a:prstDash val="solid"/>
-                    </a:lnTlToBr>
-                    <a:lnBlToTr w="12700" cmpd="sng">
-                      <a:noFill/>
-                      <a:prstDash val="solid"/>
-                    </a:lnBlToTr>
-                  </a:tcPr>
+                  <a:tcPr/>
                 </a:tc>
                 <a:tc>
                   <a:txBody>
@@ -7099,51 +7567,13 @@
                     <a:p>
                       <a:pPr algn="ctr"/>
                       <a:r>
-                        <a:rPr lang="de-DE" b="0" dirty="0"/>
+                        <a:rPr lang="de-DE" dirty="0"/>
                         <a:t>Flaschenzug</a:t>
                       </a:r>
+                      <a:endParaRPr lang="de-DE" b="0" dirty="0"/>
                     </a:p>
                   </a:txBody>
-                  <a:tcPr>
-                    <a:lnL w="12700" cap="flat" cmpd="sng" algn="ctr">
-                      <a:noFill/>
-                      <a:prstDash val="solid"/>
-                      <a:round/>
-                      <a:headEnd type="none" w="med" len="med"/>
-                      <a:tailEnd type="none" w="med" len="med"/>
-                    </a:lnL>
-                    <a:lnR w="12700" cap="flat" cmpd="sng" algn="ctr">
-                      <a:noFill/>
-                      <a:prstDash val="solid"/>
-                      <a:round/>
-                      <a:headEnd type="none" w="med" len="med"/>
-                      <a:tailEnd type="none" w="med" len="med"/>
-                    </a:lnR>
-                    <a:lnT w="12700" cap="flat" cmpd="sng" algn="ctr">
-                      <a:noFill/>
-                      <a:prstDash val="solid"/>
-                      <a:round/>
-                      <a:headEnd type="none" w="med" len="med"/>
-                      <a:tailEnd type="none" w="med" len="med"/>
-                    </a:lnT>
-                    <a:lnB w="12700" cap="flat" cmpd="sng" algn="ctr">
-                      <a:solidFill>
-                        <a:schemeClr val="tx1"/>
-                      </a:solidFill>
-                      <a:prstDash val="solid"/>
-                      <a:round/>
-                      <a:headEnd type="none" w="med" len="med"/>
-                      <a:tailEnd type="none" w="med" len="med"/>
-                    </a:lnB>
-                    <a:lnTlToBr w="12700" cmpd="sng">
-                      <a:noFill/>
-                      <a:prstDash val="solid"/>
-                    </a:lnTlToBr>
-                    <a:lnBlToTr w="12700" cmpd="sng">
-                      <a:noFill/>
-                      <a:prstDash val="solid"/>
-                    </a:lnBlToTr>
-                  </a:tcPr>
+                  <a:tcPr/>
                 </a:tc>
                 <a:tc>
                   <a:txBody>
@@ -7152,51 +7582,13 @@
                     <a:p>
                       <a:pPr algn="ctr"/>
                       <a:r>
-                        <a:rPr lang="de-DE" b="0" dirty="0"/>
-                        <a:t>Masse</a:t>
+                        <a:rPr lang="de-DE" dirty="0"/>
+                        <a:t>Seilwinde</a:t>
                       </a:r>
+                      <a:endParaRPr lang="de-DE" b="0" dirty="0"/>
                     </a:p>
                   </a:txBody>
-                  <a:tcPr>
-                    <a:lnL w="12700" cap="flat" cmpd="sng" algn="ctr">
-                      <a:noFill/>
-                      <a:prstDash val="solid"/>
-                      <a:round/>
-                      <a:headEnd type="none" w="med" len="med"/>
-                      <a:tailEnd type="none" w="med" len="med"/>
-                    </a:lnL>
-                    <a:lnR w="12700" cap="flat" cmpd="sng" algn="ctr">
-                      <a:noFill/>
-                      <a:prstDash val="solid"/>
-                      <a:round/>
-                      <a:headEnd type="none" w="med" len="med"/>
-                      <a:tailEnd type="none" w="med" len="med"/>
-                    </a:lnR>
-                    <a:lnT w="12700" cap="flat" cmpd="sng" algn="ctr">
-                      <a:noFill/>
-                      <a:prstDash val="solid"/>
-                      <a:round/>
-                      <a:headEnd type="none" w="med" len="med"/>
-                      <a:tailEnd type="none" w="med" len="med"/>
-                    </a:lnT>
-                    <a:lnB w="12700" cap="flat" cmpd="sng" algn="ctr">
-                      <a:solidFill>
-                        <a:schemeClr val="tx1"/>
-                      </a:solidFill>
-                      <a:prstDash val="solid"/>
-                      <a:round/>
-                      <a:headEnd type="none" w="med" len="med"/>
-                      <a:tailEnd type="none" w="med" len="med"/>
-                    </a:lnB>
-                    <a:lnTlToBr w="12700" cmpd="sng">
-                      <a:noFill/>
-                      <a:prstDash val="solid"/>
-                    </a:lnTlToBr>
-                    <a:lnBlToTr w="12700" cmpd="sng">
-                      <a:noFill/>
-                      <a:prstDash val="solid"/>
-                    </a:lnBlToTr>
-                  </a:tcPr>
+                  <a:tcPr/>
                 </a:tc>
                 <a:extLst>
                   <a:ext uri="{0D108BD9-81ED-4DB2-BD59-A6C34878D82A}">
@@ -7216,57 +7608,7 @@
                       </a:r>
                     </a:p>
                   </a:txBody>
-                  <a:tcPr>
-                    <a:lnL w="12700" cap="flat" cmpd="sng" algn="ctr">
-                      <a:solidFill>
-                        <a:schemeClr val="tx1"/>
-                      </a:solidFill>
-                      <a:prstDash val="solid"/>
-                      <a:round/>
-                      <a:headEnd type="none" w="med" len="med"/>
-                      <a:tailEnd type="none" w="med" len="med"/>
-                    </a:lnL>
-                    <a:lnR w="12700" cap="flat" cmpd="sng" algn="ctr">
-                      <a:solidFill>
-                        <a:schemeClr val="tx1"/>
-                      </a:solidFill>
-                      <a:prstDash val="solid"/>
-                      <a:round/>
-                      <a:headEnd type="none" w="med" len="med"/>
-                      <a:tailEnd type="none" w="med" len="med"/>
-                    </a:lnR>
-                    <a:lnT w="12700" cap="flat" cmpd="sng" algn="ctr">
-                      <a:solidFill>
-                        <a:schemeClr val="tx1"/>
-                      </a:solidFill>
-                      <a:prstDash val="solid"/>
-                      <a:round/>
-                      <a:headEnd type="none" w="med" len="med"/>
-                      <a:tailEnd type="none" w="med" len="med"/>
-                    </a:lnT>
-                    <a:lnB w="12700" cap="flat" cmpd="sng" algn="ctr">
-                      <a:solidFill>
-                        <a:schemeClr val="tx1"/>
-                      </a:solidFill>
-                      <a:prstDash val="solid"/>
-                      <a:round/>
-                      <a:headEnd type="none" w="med" len="med"/>
-                      <a:tailEnd type="none" w="med" len="med"/>
-                    </a:lnB>
-                    <a:lnTlToBr w="12700" cmpd="sng">
-                      <a:noFill/>
-                      <a:prstDash val="solid"/>
-                    </a:lnTlToBr>
-                    <a:lnBlToTr w="12700" cmpd="sng">
-                      <a:noFill/>
-                      <a:prstDash val="solid"/>
-                    </a:lnBlToTr>
-                    <a:solidFill>
-                      <a:schemeClr val="bg1">
-                        <a:lumMod val="85000"/>
-                      </a:schemeClr>
-                    </a:solidFill>
-                  </a:tcPr>
+                  <a:tcPr/>
                 </a:tc>
                 <a:tc>
                   <a:txBody>
@@ -7279,91 +7621,11 @@
                       </a:pPr>
                       <a:r>
                         <a:rPr lang="de-DE" sz="1700" dirty="0"/>
-                        <a:t>Spannungssignale:</a:t>
-                      </a:r>
-                    </a:p>
-                    <a:p>
-                      <a:pPr marL="285750" indent="-285750">
-                        <a:buFont typeface="Arial" panose="020B0604020202020204" pitchFamily="34" charset="0"/>
-                        <a:buChar char="•"/>
-                      </a:pPr>
-                      <a:r>
-                        <a:rPr lang="de-DE" sz="1700" dirty="0"/>
-                        <a:t>Kontinuierlich</a:t>
-                      </a:r>
-                    </a:p>
-                    <a:p>
-                      <a:pPr marL="285750" indent="-285750">
-                        <a:buFont typeface="Arial" panose="020B0604020202020204" pitchFamily="34" charset="0"/>
-                        <a:buChar char="•"/>
-                      </a:pPr>
-                      <a:r>
-                        <a:rPr lang="de-DE" sz="1700" dirty="0"/>
-                        <a:t>Diskontinuierlich</a:t>
-                      </a:r>
-                    </a:p>
-                    <a:p>
-                      <a:pPr marL="285750" indent="-285750">
-                        <a:buFont typeface="Arial" panose="020B0604020202020204" pitchFamily="34" charset="0"/>
-                        <a:buChar char="•"/>
-                      </a:pPr>
-                      <a:r>
-                        <a:rPr lang="de-DE" sz="1700" dirty="0"/>
-                        <a:t>Steuerbar</a:t>
+                        <a:t>Bremskonstante parametrierbar</a:t>
                       </a:r>
                     </a:p>
                   </a:txBody>
-                  <a:tcPr>
-                    <a:lnL w="12700" cap="flat" cmpd="sng" algn="ctr">
-                      <a:solidFill>
-                        <a:schemeClr val="tx1"/>
-                      </a:solidFill>
-                      <a:prstDash val="solid"/>
-                      <a:round/>
-                      <a:headEnd type="none" w="med" len="med"/>
-                      <a:tailEnd type="none" w="med" len="med"/>
-                    </a:lnL>
-                    <a:lnR w="12700" cap="flat" cmpd="sng" algn="ctr">
-                      <a:solidFill>
-                        <a:schemeClr val="tx1"/>
-                      </a:solidFill>
-                      <a:prstDash val="solid"/>
-                      <a:round/>
-                      <a:headEnd type="none" w="med" len="med"/>
-                      <a:tailEnd type="none" w="med" len="med"/>
-                    </a:lnR>
-                    <a:lnT w="12700" cap="flat" cmpd="sng" algn="ctr">
-                      <a:solidFill>
-                        <a:schemeClr val="tx1"/>
-                      </a:solidFill>
-                      <a:prstDash val="solid"/>
-                      <a:round/>
-                      <a:headEnd type="none" w="med" len="med"/>
-                      <a:tailEnd type="none" w="med" len="med"/>
-                    </a:lnT>
-                    <a:lnB w="12700" cap="flat" cmpd="sng" algn="ctr">
-                      <a:solidFill>
-                        <a:schemeClr val="tx1"/>
-                      </a:solidFill>
-                      <a:prstDash val="solid"/>
-                      <a:round/>
-                      <a:headEnd type="none" w="med" len="med"/>
-                      <a:tailEnd type="none" w="med" len="med"/>
-                    </a:lnB>
-                    <a:lnTlToBr w="12700" cmpd="sng">
-                      <a:noFill/>
-                      <a:prstDash val="solid"/>
-                    </a:lnTlToBr>
-                    <a:lnBlToTr w="12700" cmpd="sng">
-                      <a:noFill/>
-                      <a:prstDash val="solid"/>
-                    </a:lnBlToTr>
-                    <a:solidFill>
-                      <a:schemeClr val="bg1">
-                        <a:lumMod val="85000"/>
-                      </a:schemeClr>
-                    </a:solidFill>
-                  </a:tcPr>
+                  <a:tcPr/>
                 </a:tc>
                 <a:tc>
                   <a:txBody>
@@ -7420,57 +7682,7 @@
                       </a:r>
                     </a:p>
                   </a:txBody>
-                  <a:tcPr>
-                    <a:lnL w="12700" cap="flat" cmpd="sng" algn="ctr">
-                      <a:solidFill>
-                        <a:schemeClr val="tx1"/>
-                      </a:solidFill>
-                      <a:prstDash val="solid"/>
-                      <a:round/>
-                      <a:headEnd type="none" w="med" len="med"/>
-                      <a:tailEnd type="none" w="med" len="med"/>
-                    </a:lnL>
-                    <a:lnR w="12700" cap="flat" cmpd="sng" algn="ctr">
-                      <a:solidFill>
-                        <a:schemeClr val="tx1"/>
-                      </a:solidFill>
-                      <a:prstDash val="solid"/>
-                      <a:round/>
-                      <a:headEnd type="none" w="med" len="med"/>
-                      <a:tailEnd type="none" w="med" len="med"/>
-                    </a:lnR>
-                    <a:lnT w="12700" cap="flat" cmpd="sng" algn="ctr">
-                      <a:solidFill>
-                        <a:schemeClr val="tx1"/>
-                      </a:solidFill>
-                      <a:prstDash val="solid"/>
-                      <a:round/>
-                      <a:headEnd type="none" w="med" len="med"/>
-                      <a:tailEnd type="none" w="med" len="med"/>
-                    </a:lnT>
-                    <a:lnB w="12700" cap="flat" cmpd="sng" algn="ctr">
-                      <a:solidFill>
-                        <a:schemeClr val="tx1"/>
-                      </a:solidFill>
-                      <a:prstDash val="solid"/>
-                      <a:round/>
-                      <a:headEnd type="none" w="med" len="med"/>
-                      <a:tailEnd type="none" w="med" len="med"/>
-                    </a:lnB>
-                    <a:lnTlToBr w="12700" cmpd="sng">
-                      <a:noFill/>
-                      <a:prstDash val="solid"/>
-                    </a:lnTlToBr>
-                    <a:lnBlToTr w="12700" cmpd="sng">
-                      <a:noFill/>
-                      <a:prstDash val="solid"/>
-                    </a:lnBlToTr>
-                    <a:solidFill>
-                      <a:schemeClr val="bg1">
-                        <a:lumMod val="85000"/>
-                      </a:schemeClr>
-                    </a:solidFill>
-                  </a:tcPr>
+                  <a:tcPr/>
                 </a:tc>
                 <a:tc>
                   <a:txBody>
@@ -7483,61 +7695,48 @@
                       </a:pPr>
                       <a:r>
                         <a:rPr lang="de-DE" sz="1700" dirty="0"/>
-                        <a:t>Gewicht in kg</a:t>
+                        <a:t>Trägheit</a:t>
                       </a:r>
                     </a:p>
+                    <a:p>
+                      <a:pPr marL="285750" indent="-285750">
+                        <a:buFont typeface="Arial" panose="020B0604020202020204" pitchFamily="34" charset="0"/>
+                        <a:buChar char="•"/>
+                      </a:pPr>
+                      <a:r>
+                        <a:rPr lang="de-DE" sz="1700" dirty="0"/>
+                        <a:t>Lagerwiderstand </a:t>
+                      </a:r>
+                    </a:p>
+                    <a:p>
+                      <a:pPr marL="285750" indent="-285750">
+                        <a:buFont typeface="Arial" panose="020B0604020202020204" pitchFamily="34" charset="0"/>
+                        <a:buChar char="•"/>
+                      </a:pPr>
+                      <a:r>
+                        <a:rPr lang="de-DE" sz="1700" dirty="0"/>
+                        <a:t>Geometrien</a:t>
+                      </a:r>
+                    </a:p>
+                    <a:p>
+                      <a:pPr marL="285750" indent="-285750">
+                        <a:buFont typeface="Arial" panose="020B0604020202020204" pitchFamily="34" charset="0"/>
+                        <a:buChar char="•"/>
+                      </a:pPr>
+                      <a:r>
+                        <a:rPr lang="de-DE" sz="1700" dirty="0"/>
+                        <a:t>Durchmesserkumulation</a:t>
+                      </a:r>
+                    </a:p>
+                    <a:p>
+                      <a:pPr marL="285750" indent="-285750">
+                        <a:buFont typeface="Arial" panose="020B0604020202020204" pitchFamily="34" charset="0"/>
+                        <a:buChar char="•"/>
+                      </a:pPr>
+                      <a:endParaRPr lang="de-DE" sz="1700" dirty="0"/>
+                    </a:p>
                   </a:txBody>
-                  <a:tcPr>
-                    <a:lnL w="12700" cap="flat" cmpd="sng" algn="ctr">
-                      <a:solidFill>
-                        <a:schemeClr val="tx1"/>
-                      </a:solidFill>
-                      <a:prstDash val="solid"/>
-                      <a:round/>
-                      <a:headEnd type="none" w="med" len="med"/>
-                      <a:tailEnd type="none" w="med" len="med"/>
-                    </a:lnL>
-                    <a:lnR w="12700" cap="flat" cmpd="sng" algn="ctr">
-                      <a:solidFill>
-                        <a:schemeClr val="tx1"/>
-                      </a:solidFill>
-                      <a:prstDash val="solid"/>
-                      <a:round/>
-                      <a:headEnd type="none" w="med" len="med"/>
-                      <a:tailEnd type="none" w="med" len="med"/>
-                    </a:lnR>
-                    <a:lnT w="12700" cap="flat" cmpd="sng" algn="ctr">
-                      <a:solidFill>
-                        <a:schemeClr val="tx1"/>
-                      </a:solidFill>
-                      <a:prstDash val="solid"/>
-                      <a:round/>
-                      <a:headEnd type="none" w="med" len="med"/>
-                      <a:tailEnd type="none" w="med" len="med"/>
-                    </a:lnT>
-                    <a:lnB w="12700" cap="flat" cmpd="sng" algn="ctr">
-                      <a:solidFill>
-                        <a:schemeClr val="tx1"/>
-                      </a:solidFill>
-                      <a:prstDash val="solid"/>
-                      <a:round/>
-                      <a:headEnd type="none" w="med" len="med"/>
-                      <a:tailEnd type="none" w="med" len="med"/>
-                    </a:lnB>
-                    <a:lnTlToBr w="12700" cmpd="sng">
-                      <a:noFill/>
-                      <a:prstDash val="solid"/>
-                    </a:lnTlToBr>
-                    <a:lnBlToTr w="12700" cmpd="sng">
-                      <a:noFill/>
-                      <a:prstDash val="solid"/>
-                    </a:lnBlToTr>
-                    <a:solidFill>
-                      <a:schemeClr val="bg1">
-                        <a:lumMod val="85000"/>
-                      </a:schemeClr>
-                    </a:solidFill>
-                  </a:tcPr>
+                  <a:tcPr/>
                 </a:tc>
                 <a:extLst>
                   <a:ext uri="{0D108BD9-81ED-4DB2-BD59-A6C34878D82A}">
@@ -7558,57 +7757,7 @@
                       </a:r>
                     </a:p>
                   </a:txBody>
-                  <a:tcPr>
-                    <a:lnL w="12700" cap="flat" cmpd="sng" algn="ctr">
-                      <a:solidFill>
-                        <a:schemeClr val="tx1"/>
-                      </a:solidFill>
-                      <a:prstDash val="solid"/>
-                      <a:round/>
-                      <a:headEnd type="none" w="med" len="med"/>
-                      <a:tailEnd type="none" w="med" len="med"/>
-                    </a:lnL>
-                    <a:lnR w="12700" cap="flat" cmpd="sng" algn="ctr">
-                      <a:solidFill>
-                        <a:schemeClr val="tx1"/>
-                      </a:solidFill>
-                      <a:prstDash val="solid"/>
-                      <a:round/>
-                      <a:headEnd type="none" w="med" len="med"/>
-                      <a:tailEnd type="none" w="med" len="med"/>
-                    </a:lnR>
-                    <a:lnT w="12700" cap="flat" cmpd="sng" algn="ctr">
-                      <a:solidFill>
-                        <a:schemeClr val="tx1"/>
-                      </a:solidFill>
-                      <a:prstDash val="solid"/>
-                      <a:round/>
-                      <a:headEnd type="none" w="med" len="med"/>
-                      <a:tailEnd type="none" w="med" len="med"/>
-                    </a:lnT>
-                    <a:lnB w="12700" cap="flat" cmpd="sng" algn="ctr">
-                      <a:solidFill>
-                        <a:schemeClr val="tx1"/>
-                      </a:solidFill>
-                      <a:prstDash val="solid"/>
-                      <a:round/>
-                      <a:headEnd type="none" w="med" len="med"/>
-                      <a:tailEnd type="none" w="med" len="med"/>
-                    </a:lnB>
-                    <a:lnTlToBr w="12700" cmpd="sng">
-                      <a:noFill/>
-                      <a:prstDash val="solid"/>
-                    </a:lnTlToBr>
-                    <a:lnBlToTr w="12700" cmpd="sng">
-                      <a:noFill/>
-                      <a:prstDash val="solid"/>
-                    </a:lnBlToTr>
-                    <a:solidFill>
-                      <a:schemeClr val="bg1">
-                        <a:lumMod val="85000"/>
-                      </a:schemeClr>
-                    </a:solidFill>
-                  </a:tcPr>
+                  <a:tcPr/>
                 </a:tc>
                 <a:tc>
                   <a:txBody>
@@ -7621,61 +7770,21 @@
                       </a:pPr>
                       <a:r>
                         <a:rPr lang="de-DE" sz="1700" dirty="0"/>
-                        <a:t>Bremskonstante</a:t>
+                        <a:t>Trägheit</a:t>
+                      </a:r>
+                    </a:p>
+                    <a:p>
+                      <a:pPr marL="285750" indent="-285750">
+                        <a:buFont typeface="Arial" panose="020B0604020202020204" pitchFamily="34" charset="0"/>
+                        <a:buChar char="•"/>
+                      </a:pPr>
+                      <a:r>
+                        <a:rPr lang="de-DE" sz="1700" dirty="0"/>
+                        <a:t>Wärmeenergie</a:t>
                       </a:r>
                     </a:p>
                   </a:txBody>
-                  <a:tcPr>
-                    <a:lnL w="12700" cap="flat" cmpd="sng" algn="ctr">
-                      <a:solidFill>
-                        <a:schemeClr val="tx1"/>
-                      </a:solidFill>
-                      <a:prstDash val="solid"/>
-                      <a:round/>
-                      <a:headEnd type="none" w="med" len="med"/>
-                      <a:tailEnd type="none" w="med" len="med"/>
-                    </a:lnL>
-                    <a:lnR w="12700" cap="flat" cmpd="sng" algn="ctr">
-                      <a:solidFill>
-                        <a:schemeClr val="tx1"/>
-                      </a:solidFill>
-                      <a:prstDash val="solid"/>
-                      <a:round/>
-                      <a:headEnd type="none" w="med" len="med"/>
-                      <a:tailEnd type="none" w="med" len="med"/>
-                    </a:lnR>
-                    <a:lnT w="12700" cap="flat" cmpd="sng" algn="ctr">
-                      <a:solidFill>
-                        <a:schemeClr val="tx1"/>
-                      </a:solidFill>
-                      <a:prstDash val="solid"/>
-                      <a:round/>
-                      <a:headEnd type="none" w="med" len="med"/>
-                      <a:tailEnd type="none" w="med" len="med"/>
-                    </a:lnT>
-                    <a:lnB w="12700" cap="flat" cmpd="sng" algn="ctr">
-                      <a:solidFill>
-                        <a:schemeClr val="tx1"/>
-                      </a:solidFill>
-                      <a:prstDash val="solid"/>
-                      <a:round/>
-                      <a:headEnd type="none" w="med" len="med"/>
-                      <a:tailEnd type="none" w="med" len="med"/>
-                    </a:lnB>
-                    <a:lnTlToBr w="12700" cmpd="sng">
-                      <a:noFill/>
-                      <a:prstDash val="solid"/>
-                    </a:lnTlToBr>
-                    <a:lnBlToTr w="12700" cmpd="sng">
-                      <a:noFill/>
-                      <a:prstDash val="solid"/>
-                    </a:lnBlToTr>
-                    <a:solidFill>
-                      <a:schemeClr val="bg1">
-                        <a:lumMod val="85000"/>
-                      </a:schemeClr>
-                    </a:solidFill>
-                  </a:tcPr>
+                  <a:tcPr/>
                 </a:tc>
                 <a:tc>
                   <a:txBody>
@@ -7722,57 +7831,7 @@
                       </a:r>
                     </a:p>
                   </a:txBody>
-                  <a:tcPr>
-                    <a:lnL w="12700" cap="flat" cmpd="sng" algn="ctr">
-                      <a:solidFill>
-                        <a:schemeClr val="tx1"/>
-                      </a:solidFill>
-                      <a:prstDash val="solid"/>
-                      <a:round/>
-                      <a:headEnd type="none" w="med" len="med"/>
-                      <a:tailEnd type="none" w="med" len="med"/>
-                    </a:lnL>
-                    <a:lnR w="12700" cap="flat" cmpd="sng" algn="ctr">
-                      <a:solidFill>
-                        <a:schemeClr val="tx1"/>
-                      </a:solidFill>
-                      <a:prstDash val="solid"/>
-                      <a:round/>
-                      <a:headEnd type="none" w="med" len="med"/>
-                      <a:tailEnd type="none" w="med" len="med"/>
-                    </a:lnR>
-                    <a:lnT w="12700" cap="flat" cmpd="sng" algn="ctr">
-                      <a:solidFill>
-                        <a:schemeClr val="tx1"/>
-                      </a:solidFill>
-                      <a:prstDash val="solid"/>
-                      <a:round/>
-                      <a:headEnd type="none" w="med" len="med"/>
-                      <a:tailEnd type="none" w="med" len="med"/>
-                    </a:lnT>
-                    <a:lnB w="12700" cap="flat" cmpd="sng" algn="ctr">
-                      <a:solidFill>
-                        <a:schemeClr val="tx1"/>
-                      </a:solidFill>
-                      <a:prstDash val="solid"/>
-                      <a:round/>
-                      <a:headEnd type="none" w="med" len="med"/>
-                      <a:tailEnd type="none" w="med" len="med"/>
-                    </a:lnB>
-                    <a:lnTlToBr w="12700" cmpd="sng">
-                      <a:noFill/>
-                      <a:prstDash val="solid"/>
-                    </a:lnTlToBr>
-                    <a:lnBlToTr w="12700" cmpd="sng">
-                      <a:noFill/>
-                      <a:prstDash val="solid"/>
-                    </a:lnBlToTr>
-                    <a:solidFill>
-                      <a:schemeClr val="bg1">
-                        <a:lumMod val="85000"/>
-                      </a:schemeClr>
-                    </a:solidFill>
-                  </a:tcPr>
+                  <a:tcPr/>
                 </a:tc>
                 <a:tc>
                   <a:txBody>
@@ -7786,57 +7845,7 @@
                       <a:endParaRPr lang="de-DE" sz="1700" dirty="0"/>
                     </a:p>
                   </a:txBody>
-                  <a:tcPr>
-                    <a:lnL w="12700" cap="flat" cmpd="sng" algn="ctr">
-                      <a:solidFill>
-                        <a:schemeClr val="tx1"/>
-                      </a:solidFill>
-                      <a:prstDash val="solid"/>
-                      <a:round/>
-                      <a:headEnd type="none" w="med" len="med"/>
-                      <a:tailEnd type="none" w="med" len="med"/>
-                    </a:lnL>
-                    <a:lnR w="12700" cap="flat" cmpd="sng" algn="ctr">
-                      <a:solidFill>
-                        <a:schemeClr val="tx1"/>
-                      </a:solidFill>
-                      <a:prstDash val="solid"/>
-                      <a:round/>
-                      <a:headEnd type="none" w="med" len="med"/>
-                      <a:tailEnd type="none" w="med" len="med"/>
-                    </a:lnR>
-                    <a:lnT w="12700" cap="flat" cmpd="sng" algn="ctr">
-                      <a:solidFill>
-                        <a:schemeClr val="tx1"/>
-                      </a:solidFill>
-                      <a:prstDash val="solid"/>
-                      <a:round/>
-                      <a:headEnd type="none" w="med" len="med"/>
-                      <a:tailEnd type="none" w="med" len="med"/>
-                    </a:lnT>
-                    <a:lnB w="12700" cap="flat" cmpd="sng" algn="ctr">
-                      <a:solidFill>
-                        <a:schemeClr val="tx1"/>
-                      </a:solidFill>
-                      <a:prstDash val="solid"/>
-                      <a:round/>
-                      <a:headEnd type="none" w="med" len="med"/>
-                      <a:tailEnd type="none" w="med" len="med"/>
-                    </a:lnB>
-                    <a:lnTlToBr w="12700" cmpd="sng">
-                      <a:noFill/>
-                      <a:prstDash val="solid"/>
-                    </a:lnTlToBr>
-                    <a:lnBlToTr w="12700" cmpd="sng">
-                      <a:noFill/>
-                      <a:prstDash val="solid"/>
-                    </a:lnBlToTr>
-                    <a:solidFill>
-                      <a:schemeClr val="bg1">
-                        <a:lumMod val="85000"/>
-                      </a:schemeClr>
-                    </a:solidFill>
-                  </a:tcPr>
+                  <a:tcPr/>
                 </a:tc>
                 <a:extLst>
                   <a:ext uri="{0D108BD9-81ED-4DB2-BD59-A6C34878D82A}">
